--- a/shitty_ppt.pptx
+++ b/shitty_ppt.pptx
@@ -143,6 +143,10 @@
     </p:ext>
   </p:extLst>
 </p:presentation>
+</file>
+
+<file path=ppt/revisionInfo.xml><?xml version="1.0" encoding="utf-8"?>
+<p1510:revInfo xmlns:a="http://schemas.openxmlformats.org/drawingml/2006/main" xmlns:r="http://schemas.openxmlformats.org/officeDocument/2006/relationships" xmlns:p1510="http://schemas.microsoft.com/office/powerpoint/2015/10/main"/>
 </file>
 
 <file path=ppt/handoutMasters/handoutMaster1.xml><?xml version="1.0" encoding="utf-8"?>
@@ -4462,6 +4466,51 @@
           </a:extLst>
         </p:spPr>
       </p:pic>
+      <p:pic>
+        <p:nvPicPr>
+          <p:cNvPr id="4" name="Picture 2" descr="ç¸éåç">
+            <a:extLst>
+              <a:ext uri="{FF2B5EF4-FFF2-40B4-BE49-F238E27FC236}">
+                <a16:creationId xmlns:a16="http://schemas.microsoft.com/office/drawing/2014/main" id="{488B6725-EC95-46A4-9DC1-3E63DA779184}"/>
+              </a:ext>
+            </a:extLst>
+          </p:cNvPr>
+          <p:cNvPicPr>
+            <a:picLocks noChangeAspect="1" noChangeArrowheads="1"/>
+          </p:cNvPicPr>
+          <p:nvPr/>
+        </p:nvPicPr>
+        <p:blipFill rotWithShape="1">
+          <a:blip r:embed="rId9" cstate="print">
+            <a:extLst>
+              <a:ext uri="{28A0092B-C50C-407E-A947-70E740481C1C}">
+                <a14:useLocalDpi xmlns:a14="http://schemas.microsoft.com/office/drawing/2010/main" val="0"/>
+              </a:ext>
+            </a:extLst>
+          </a:blip>
+          <a:srcRect l="17651" t="8907" r="19128" b="6329"/>
+          <a:stretch/>
+        </p:blipFill>
+        <p:spPr bwMode="auto">
+          <a:xfrm>
+            <a:off x="8597638" y="72414"/>
+            <a:ext cx="1565537" cy="1574243"/>
+          </a:xfrm>
+          <a:prstGeom prst="rect">
+            <a:avLst/>
+          </a:prstGeom>
+          <a:noFill/>
+          <a:extLst>
+            <a:ext uri="{909E8E84-426E-40DD-AFC4-6F175D3DCCD1}">
+              <a14:hiddenFill xmlns:a14="http://schemas.microsoft.com/office/drawing/2010/main">
+                <a:solidFill>
+                  <a:srgbClr val="FFFFFF"/>
+                </a:solidFill>
+              </a14:hiddenFill>
+            </a:ext>
+          </a:extLst>
+        </p:spPr>
+      </p:pic>
     </p:spTree>
     <p:extLst>
       <p:ext uri="{BB962C8B-B14F-4D97-AF65-F5344CB8AC3E}">
@@ -5242,26 +5291,34 @@
             <a:pPr lvl="1"/>
             <a:r>
               <a:rPr lang="en-GB" dirty="0"/>
-              <a:t>Pausing the game needs Mutex</a:t>
-            </a:r>
-          </a:p>
-          <a:p>
-            <a:pPr lvl="1"/>
-            <a:r>
-              <a:rPr lang="en-GB" dirty="0"/>
-              <a:t>Timer needs Mutex</a:t>
-            </a:r>
-          </a:p>
-          <a:p>
-            <a:pPr lvl="1"/>
-            <a:r>
-              <a:rPr lang="en-GB" dirty="0"/>
-              <a:t>Interacting with the WebView needs </a:t>
+              <a:t>Pausing the game needs Semaphore (</a:t>
             </a:r>
             <a:r>
               <a:rPr lang="en-GB" dirty="0" err="1"/>
               <a:t>CountdownLatch</a:t>
             </a:r>
+            <a:r>
+              <a:rPr lang="en-GB" dirty="0"/>
+              <a:t>)</a:t>
+            </a:r>
+          </a:p>
+          <a:p>
+            <a:pPr lvl="1"/>
+            <a:r>
+              <a:rPr lang="en-GB" dirty="0"/>
+              <a:t>Timer needs Semaphore</a:t>
+            </a:r>
+          </a:p>
+          <a:p>
+            <a:pPr lvl="1"/>
+            <a:r>
+              <a:rPr lang="en-GB" dirty="0"/>
+              <a:t>Interacting with the WebView needs Sleep and </a:t>
+            </a:r>
+            <a:r>
+              <a:rPr lang="en-GB" dirty="0" err="1"/>
+              <a:t>CountdownLatch</a:t>
+            </a:r>
             <a:endParaRPr lang="en-GB" dirty="0"/>
           </a:p>
           <a:p>
@@ -5270,6 +5327,16 @@
               <a:rPr lang="en-GB" dirty="0"/>
               <a:t>…</a:t>
             </a:r>
+          </a:p>
+          <a:p>
+            <a:r>
+              <a:rPr lang="en-GB" dirty="0"/>
+              <a:t>Loading SVG</a:t>
+            </a:r>
+          </a:p>
+          <a:p>
+            <a:pPr lvl="1"/>
+            <a:endParaRPr lang="en-GB" dirty="0"/>
           </a:p>
         </p:txBody>
       </p:sp>
@@ -9205,15 +9272,6 @@
 </file>
 
 <file path=customXml/item2.xml><?xml version="1.0" encoding="utf-8"?>
-<?mso-contentType ?>
-<FormTemplates xmlns="http://schemas.microsoft.com/sharepoint/v3/contenttype/forms">
-  <Display>DocumentLibraryForm</Display>
-  <Edit>DocumentLibraryForm</Edit>
-  <New>DocumentLibraryForm</New>
-</FormTemplates>
-</file>
-
-<file path=customXml/item3.xml><?xml version="1.0" encoding="utf-8"?>
 <ct:contentTypeSchema xmlns:ct="http://schemas.microsoft.com/office/2006/metadata/contentType" xmlns:ma="http://schemas.microsoft.com/office/2006/metadata/properties/metaAttributes" ct:_="" ma:_="" ma:contentTypeName="Document" ma:contentTypeID="0x010100AA3F7D94069FF64A86F7DFF56D60E3BE" ma:contentTypeVersion="6" ma:contentTypeDescription="Create a new document." ma:contentTypeScope="" ma:versionID="c32302c77d4085ecf495bdddb7f5e889">
   <xsd:schema xmlns:xsd="http://www.w3.org/2001/XMLSchema" xmlns:xs="http://www.w3.org/2001/XMLSchema" xmlns:p="http://schemas.microsoft.com/office/2006/metadata/properties" xmlns:ns2="a4f35948-e619-41b3-aa29-22878b09cfd2" xmlns:ns3="40262f94-9f35-4ac3-9a90-690165a166b7" targetNamespace="http://schemas.microsoft.com/office/2006/metadata/properties" ma:root="true" ma:fieldsID="4ab5ae46be95f9d0be6107e8200be7a2" ns2:_="" ns3:_="">
     <xsd:import namespace="a4f35948-e619-41b3-aa29-22878b09cfd2"/>
@@ -9394,6 +9452,15 @@
 </ct:contentTypeSchema>
 </file>
 
+<file path=customXml/item3.xml><?xml version="1.0" encoding="utf-8"?>
+<?mso-contentType ?>
+<FormTemplates xmlns="http://schemas.microsoft.com/sharepoint/v3/contenttype/forms">
+  <Display>DocumentLibraryForm</Display>
+  <Edit>DocumentLibraryForm</Edit>
+  <New>DocumentLibraryForm</New>
+</FormTemplates>
+</file>
+
 <file path=customXml/itemProps1.xml><?xml version="1.0" encoding="utf-8"?>
 <ds:datastoreItem xmlns:ds="http://schemas.openxmlformats.org/officeDocument/2006/customXml" ds:itemID="{8AFFFBF3-BB42-47F7-806D-D5417A96E6A8}">
   <ds:schemaRefs>
@@ -9412,14 +9479,6 @@
 </file>
 
 <file path=customXml/itemProps2.xml><?xml version="1.0" encoding="utf-8"?>
-<ds:datastoreItem xmlns:ds="http://schemas.openxmlformats.org/officeDocument/2006/customXml" ds:itemID="{4FC28D37-012A-4F78-8189-E37D3400689D}">
-  <ds:schemaRefs>
-    <ds:schemaRef ds:uri="http://schemas.microsoft.com/sharepoint/v3/contenttype/forms"/>
-  </ds:schemaRefs>
-</ds:datastoreItem>
-</file>
-
-<file path=customXml/itemProps3.xml><?xml version="1.0" encoding="utf-8"?>
 <ds:datastoreItem xmlns:ds="http://schemas.openxmlformats.org/officeDocument/2006/customXml" ds:itemID="{B6B1B62E-928A-4006-B97D-326E5E8B4F15}">
   <ds:schemaRefs>
     <ds:schemaRef ds:uri="http://schemas.microsoft.com/office/2006/metadata/contentType"/>
@@ -9436,4 +9495,12 @@
     <ds:schemaRef ds:uri="http://schemas.microsoft.com/internal/obd"/>
   </ds:schemaRefs>
 </ds:datastoreItem>
+</file>
+
+<file path=customXml/itemProps3.xml><?xml version="1.0" encoding="utf-8"?>
+<ds:datastoreItem xmlns:ds="http://schemas.openxmlformats.org/officeDocument/2006/customXml" ds:itemID="{4FC28D37-012A-4F78-8189-E37D3400689D}">
+  <ds:schemaRefs>
+    <ds:schemaRef ds:uri="http://schemas.microsoft.com/sharepoint/v3/contenttype/forms"/>
+  </ds:schemaRefs>
+</ds:datastoreItem>
 </file>
--- a/shitty_ppt.pptx
+++ b/shitty_ppt.pptx
@@ -5,10 +5,10 @@
     <p:sldMasterId id="2147483696" r:id="rId4"/>
   </p:sldMasterIdLst>
   <p:notesMasterIdLst>
-    <p:notesMasterId r:id="rId19"/>
+    <p:notesMasterId r:id="rId22"/>
   </p:notesMasterIdLst>
   <p:handoutMasterIdLst>
-    <p:handoutMasterId r:id="rId20"/>
+    <p:handoutMasterId r:id="rId23"/>
   </p:handoutMasterIdLst>
   <p:sldIdLst>
     <p:sldId id="258" r:id="rId5"/>
@@ -16,15 +16,18 @@
     <p:sldId id="260" r:id="rId7"/>
     <p:sldId id="263" r:id="rId8"/>
     <p:sldId id="271" r:id="rId9"/>
-    <p:sldId id="259" r:id="rId10"/>
-    <p:sldId id="262" r:id="rId11"/>
-    <p:sldId id="261" r:id="rId12"/>
-    <p:sldId id="265" r:id="rId13"/>
-    <p:sldId id="266" r:id="rId14"/>
-    <p:sldId id="267" r:id="rId15"/>
-    <p:sldId id="268" r:id="rId16"/>
-    <p:sldId id="269" r:id="rId17"/>
-    <p:sldId id="270" r:id="rId18"/>
+    <p:sldId id="272" r:id="rId10"/>
+    <p:sldId id="259" r:id="rId11"/>
+    <p:sldId id="262" r:id="rId12"/>
+    <p:sldId id="274" r:id="rId13"/>
+    <p:sldId id="261" r:id="rId14"/>
+    <p:sldId id="265" r:id="rId15"/>
+    <p:sldId id="275" r:id="rId16"/>
+    <p:sldId id="266" r:id="rId17"/>
+    <p:sldId id="267" r:id="rId18"/>
+    <p:sldId id="268" r:id="rId19"/>
+    <p:sldId id="269" r:id="rId20"/>
+    <p:sldId id="270" r:id="rId21"/>
   </p:sldIdLst>
   <p:sldSz cx="12192000" cy="6858000"/>
   <p:notesSz cx="6858000" cy="9144000"/>
@@ -827,6 +830,91 @@
             <a:fld id="{923716F0-385D-4F6E-BE54-A09D410D24C2}" type="slidenum">
               <a:rPr lang="es-ES" smtClean="0"/>
               <a:t>6</a:t>
+            </a:fld>
+            <a:endParaRPr lang="es-ES" dirty="0"/>
+          </a:p>
+        </p:txBody>
+      </p:sp>
+    </p:spTree>
+    <p:extLst>
+      <p:ext uri="{BB962C8B-B14F-4D97-AF65-F5344CB8AC3E}">
+        <p14:creationId xmlns:p14="http://schemas.microsoft.com/office/powerpoint/2010/main" val="757196040"/>
+      </p:ext>
+    </p:extLst>
+  </p:cSld>
+  <p:clrMapOvr>
+    <a:masterClrMapping/>
+  </p:clrMapOvr>
+</p:notes>
+</file>
+
+<file path=ppt/notesSlides/notesSlide3.xml><?xml version="1.0" encoding="utf-8"?>
+<p:notes xmlns:a="http://schemas.openxmlformats.org/drawingml/2006/main" xmlns:r="http://schemas.openxmlformats.org/officeDocument/2006/relationships" xmlns:p="http://schemas.openxmlformats.org/presentationml/2006/main">
+  <p:cSld>
+    <p:spTree>
+      <p:nvGrpSpPr>
+        <p:cNvPr id="1" name=""/>
+        <p:cNvGrpSpPr/>
+        <p:nvPr/>
+      </p:nvGrpSpPr>
+      <p:grpSpPr>
+        <a:xfrm>
+          <a:off x="0" y="0"/>
+          <a:ext cx="0" cy="0"/>
+          <a:chOff x="0" y="0"/>
+          <a:chExt cx="0" cy="0"/>
+        </a:xfrm>
+      </p:grpSpPr>
+      <p:sp>
+        <p:nvSpPr>
+          <p:cNvPr id="2" name="Marcador de posición de imagen de diapositiva 1"/>
+          <p:cNvSpPr>
+            <a:spLocks noGrp="1" noRot="1" noChangeAspect="1"/>
+          </p:cNvSpPr>
+          <p:nvPr>
+            <p:ph type="sldImg"/>
+          </p:nvPr>
+        </p:nvSpPr>
+        <p:spPr/>
+      </p:sp>
+      <p:sp>
+        <p:nvSpPr>
+          <p:cNvPr id="3" name="Marcador de notas 2"/>
+          <p:cNvSpPr>
+            <a:spLocks noGrp="1"/>
+          </p:cNvSpPr>
+          <p:nvPr>
+            <p:ph type="body" idx="1"/>
+          </p:nvPr>
+        </p:nvSpPr>
+        <p:spPr/>
+        <p:txBody>
+          <a:bodyPr/>
+          <a:lstStyle/>
+          <a:p>
+            <a:endParaRPr lang="es-ES" dirty="0"/>
+          </a:p>
+        </p:txBody>
+      </p:sp>
+      <p:sp>
+        <p:nvSpPr>
+          <p:cNvPr id="4" name="Marcador de posición de número de diapositiva 3"/>
+          <p:cNvSpPr>
+            <a:spLocks noGrp="1"/>
+          </p:cNvSpPr>
+          <p:nvPr>
+            <p:ph type="sldNum" sz="quarter" idx="10"/>
+          </p:nvPr>
+        </p:nvSpPr>
+        <p:spPr/>
+        <p:txBody>
+          <a:bodyPr/>
+          <a:lstStyle/>
+          <a:p>
+            <a:pPr rtl="0"/>
+            <a:fld id="{923716F0-385D-4F6E-BE54-A09D410D24C2}" type="slidenum">
+              <a:rPr lang="es-ES" smtClean="0"/>
+              <a:t>7</a:t>
             </a:fld>
             <a:endParaRPr lang="es-ES" dirty="0"/>
           </a:p>
@@ -4558,3072 +4646,6 @@
           <p:cNvPr id="2" name="Título 1">
             <a:extLst>
               <a:ext uri="{FF2B5EF4-FFF2-40B4-BE49-F238E27FC236}">
-                <a16:creationId xmlns:a16="http://schemas.microsoft.com/office/drawing/2014/main" id="{EA1F3DD0-B28E-4F1A-9310-391019141B05}"/>
-              </a:ext>
-            </a:extLst>
-          </p:cNvPr>
-          <p:cNvSpPr>
-            <a:spLocks noGrp="1"/>
-          </p:cNvSpPr>
-          <p:nvPr>
-            <p:ph type="title"/>
-          </p:nvPr>
-        </p:nvSpPr>
-        <p:spPr/>
-        <p:txBody>
-          <a:bodyPr/>
-          <a:lstStyle/>
-          <a:p>
-            <a:r>
-              <a:rPr lang="en-GB" sz="2000" dirty="0"/>
-              <a:t>Language Challenges</a:t>
-            </a:r>
-            <a:br>
-              <a:rPr lang="en-GB" sz="2400" dirty="0"/>
-            </a:br>
-            <a:r>
-              <a:rPr lang="en-GB" sz="3600" dirty="0"/>
-              <a:t>Stemming</a:t>
-            </a:r>
-            <a:endParaRPr lang="en-GB" sz="2400" dirty="0"/>
-          </a:p>
-        </p:txBody>
-      </p:sp>
-      <p:sp>
-        <p:nvSpPr>
-          <p:cNvPr id="3" name="Marcador de contenido 2">
-            <a:extLst>
-              <a:ext uri="{FF2B5EF4-FFF2-40B4-BE49-F238E27FC236}">
-                <a16:creationId xmlns:a16="http://schemas.microsoft.com/office/drawing/2014/main" id="{F3D95A82-FCBF-4BB0-BC18-2AC02969C5B1}"/>
-              </a:ext>
-            </a:extLst>
-          </p:cNvPr>
-          <p:cNvSpPr>
-            <a:spLocks noGrp="1"/>
-          </p:cNvSpPr>
-          <p:nvPr>
-            <p:ph idx="1"/>
-          </p:nvPr>
-        </p:nvSpPr>
-        <p:spPr>
-          <a:xfrm>
-            <a:off x="1030514" y="1710988"/>
-            <a:ext cx="10740571" cy="4572000"/>
-          </a:xfrm>
-        </p:spPr>
-        <p:txBody>
-          <a:bodyPr>
-            <a:normAutofit fontScale="85000" lnSpcReduction="20000"/>
-          </a:bodyPr>
-          <a:lstStyle/>
-          <a:p>
-            <a:pPr marL="68580" indent="0">
-              <a:buNone/>
-            </a:pPr>
-            <a:r>
-              <a:rPr lang="en-GB" dirty="0"/>
-              <a:t>Q: How do I count the occurrence of words (or find word relevance) on a page?</a:t>
-            </a:r>
-          </a:p>
-          <a:p>
-            <a:pPr marL="68580" indent="0">
-              <a:buNone/>
-            </a:pPr>
-            <a:r>
-              <a:rPr lang="en-GB" dirty="0"/>
-              <a:t>A: Difficult because of </a:t>
-            </a:r>
-            <a:r>
-              <a:rPr lang="en-GB" sz="3200" b="1" dirty="0"/>
-              <a:t>grammar</a:t>
-            </a:r>
-            <a:r>
-              <a:rPr lang="en-GB" dirty="0"/>
-              <a:t>. The most accurate way is to have a corpus </a:t>
-            </a:r>
-            <a:r>
-              <a:rPr lang="en-GB" sz="2000" b="1" dirty="0">
-                <a:solidFill>
-                  <a:srgbClr val="FFFF00"/>
-                </a:solidFill>
-              </a:rPr>
-              <a:t>(huge data!)</a:t>
-            </a:r>
-            <a:r>
-              <a:rPr lang="en-GB" dirty="0"/>
-              <a:t>, and you convert every word to its noun form and count them.</a:t>
-            </a:r>
-          </a:p>
-          <a:p>
-            <a:pPr marL="68580" indent="0">
-              <a:buNone/>
-            </a:pPr>
-            <a:r>
-              <a:rPr lang="en-GB" dirty="0"/>
-              <a:t>Or maybe you can try </a:t>
-            </a:r>
-            <a:r>
-              <a:rPr lang="en-GB" sz="3200" b="1" dirty="0"/>
-              <a:t>lemmatisation</a:t>
-            </a:r>
-            <a:r>
-              <a:rPr lang="en-GB" dirty="0"/>
-              <a:t>, which many lemma rules are hardcoded </a:t>
-            </a:r>
-            <a:r>
-              <a:rPr lang="en-GB" sz="2000" b="1" dirty="0">
-                <a:solidFill>
-                  <a:srgbClr val="FFFF00"/>
-                </a:solidFill>
-              </a:rPr>
-              <a:t>(still big! But it’s the only way you can know that the original form of ‘bought’ is ‘buy’</a:t>
-            </a:r>
-            <a:r>
-              <a:rPr lang="en-GB" sz="2000" dirty="0">
-                <a:solidFill>
-                  <a:srgbClr val="FFFF00"/>
-                </a:solidFill>
-              </a:rPr>
-              <a:t>)</a:t>
-            </a:r>
-          </a:p>
-          <a:p>
-            <a:pPr marL="68580" indent="0">
-              <a:buNone/>
-            </a:pPr>
-            <a:r>
-              <a:rPr lang="en-GB" dirty="0"/>
-              <a:t>The naïve way is </a:t>
-            </a:r>
-            <a:r>
-              <a:rPr lang="en-GB" sz="3200" b="1" dirty="0"/>
-              <a:t>stemming</a:t>
-            </a:r>
-            <a:r>
-              <a:rPr lang="en-GB" sz="3200" dirty="0"/>
-              <a:t>, but since we want speed and storage over accuracy, it is the best!</a:t>
-            </a:r>
-          </a:p>
-          <a:p>
-            <a:pPr marL="68580" indent="0">
-              <a:buNone/>
-            </a:pPr>
-            <a:r>
-              <a:rPr lang="en-GB" sz="3200" dirty="0"/>
-              <a:t>Also, you have to skip </a:t>
-            </a:r>
-            <a:r>
-              <a:rPr lang="en-GB" sz="3300" b="1" dirty="0"/>
-              <a:t>‘stop words’ </a:t>
-            </a:r>
-            <a:r>
-              <a:rPr lang="en-GB" sz="3200" dirty="0"/>
-              <a:t>like ‘the’, ‘and, ‘because’, ‘among’… since they are meaningless!</a:t>
-            </a:r>
-          </a:p>
-          <a:p>
-            <a:pPr marL="68580" indent="0">
-              <a:buNone/>
-            </a:pPr>
-            <a:r>
-              <a:rPr lang="en-GB" sz="3200" dirty="0"/>
-              <a:t>Do it for French, Spanish and German as well!</a:t>
-            </a:r>
-            <a:endParaRPr lang="en-GB" dirty="0"/>
-          </a:p>
-        </p:txBody>
-      </p:sp>
-    </p:spTree>
-    <p:extLst>
-      <p:ext uri="{BB962C8B-B14F-4D97-AF65-F5344CB8AC3E}">
-        <p14:creationId xmlns:p14="http://schemas.microsoft.com/office/powerpoint/2010/main" val="3295614012"/>
-      </p:ext>
-    </p:extLst>
-  </p:cSld>
-  <p:clrMapOvr>
-    <a:masterClrMapping/>
-  </p:clrMapOvr>
-  <mc:AlternateContent xmlns:mc="http://schemas.openxmlformats.org/markup-compatibility/2006" xmlns:p14="http://schemas.microsoft.com/office/powerpoint/2010/main">
-    <mc:Choice Requires="p14">
-      <p:transition spd="med" p14:dur="700">
-        <p:fade/>
-      </p:transition>
-    </mc:Choice>
-    <mc:Fallback xmlns="">
-      <p:transition spd="med">
-        <p:fade/>
-      </p:transition>
-    </mc:Fallback>
-  </mc:AlternateContent>
-</p:sld>
-</file>
-
-<file path=ppt/slides/slide11.xml><?xml version="1.0" encoding="utf-8"?>
-<p:sld xmlns:a="http://schemas.openxmlformats.org/drawingml/2006/main" xmlns:r="http://schemas.openxmlformats.org/officeDocument/2006/relationships" xmlns:p="http://schemas.openxmlformats.org/presentationml/2006/main">
-  <p:cSld>
-    <p:spTree>
-      <p:nvGrpSpPr>
-        <p:cNvPr id="1" name=""/>
-        <p:cNvGrpSpPr/>
-        <p:nvPr/>
-      </p:nvGrpSpPr>
-      <p:grpSpPr>
-        <a:xfrm>
-          <a:off x="0" y="0"/>
-          <a:ext cx="0" cy="0"/>
-          <a:chOff x="0" y="0"/>
-          <a:chExt cx="0" cy="0"/>
-        </a:xfrm>
-      </p:grpSpPr>
-      <p:sp>
-        <p:nvSpPr>
-          <p:cNvPr id="2" name="Título 1">
-            <a:extLst>
-              <a:ext uri="{FF2B5EF4-FFF2-40B4-BE49-F238E27FC236}">
-                <a16:creationId xmlns:a16="http://schemas.microsoft.com/office/drawing/2014/main" id="{DB03DD8E-EF87-4238-8E97-8D1DA106FE87}"/>
-              </a:ext>
-            </a:extLst>
-          </p:cNvPr>
-          <p:cNvSpPr>
-            <a:spLocks noGrp="1"/>
-          </p:cNvSpPr>
-          <p:nvPr>
-            <p:ph type="title"/>
-          </p:nvPr>
-        </p:nvSpPr>
-        <p:spPr/>
-        <p:txBody>
-          <a:bodyPr/>
-          <a:lstStyle/>
-          <a:p>
-            <a:r>
-              <a:rPr lang="en-GB" sz="2000" dirty="0"/>
-              <a:t>Language Challenges</a:t>
-            </a:r>
-            <a:br>
-              <a:rPr lang="en-GB" sz="2400" dirty="0"/>
-            </a:br>
-            <a:r>
-              <a:rPr lang="en-GB" sz="3600" dirty="0"/>
-              <a:t>Stemming</a:t>
-            </a:r>
-            <a:endParaRPr lang="en-GB" sz="2000" dirty="0"/>
-          </a:p>
-        </p:txBody>
-      </p:sp>
-      <p:sp>
-        <p:nvSpPr>
-          <p:cNvPr id="3" name="Marcador de contenido 2">
-            <a:extLst>
-              <a:ext uri="{FF2B5EF4-FFF2-40B4-BE49-F238E27FC236}">
-                <a16:creationId xmlns:a16="http://schemas.microsoft.com/office/drawing/2014/main" id="{66852AD6-E2FD-421E-A5B1-C72DFD6D99E3}"/>
-              </a:ext>
-            </a:extLst>
-          </p:cNvPr>
-          <p:cNvSpPr>
-            <a:spLocks noGrp="1"/>
-          </p:cNvSpPr>
-          <p:nvPr>
-            <p:ph idx="1"/>
-          </p:nvPr>
-        </p:nvSpPr>
-        <p:spPr/>
-        <p:txBody>
-          <a:bodyPr/>
-          <a:lstStyle/>
-          <a:p>
-            <a:pPr marL="68580" indent="0">
-              <a:buNone/>
-            </a:pPr>
-            <a:r>
-              <a:rPr lang="en-GB" dirty="0"/>
-              <a:t>Q: How do you stem on Android?</a:t>
-            </a:r>
-          </a:p>
-          <a:p>
-            <a:pPr marL="68580" indent="0">
-              <a:buNone/>
-            </a:pPr>
-            <a:r>
-              <a:rPr lang="en-GB" dirty="0"/>
-              <a:t>A: The only way seems to be Snowball stemmer generator </a:t>
-            </a:r>
-            <a:r>
-              <a:rPr lang="en-GB" sz="2000" dirty="0">
-                <a:solidFill>
-                  <a:srgbClr val="FFFF00"/>
-                </a:solidFill>
-              </a:rPr>
-              <a:t>(which is old software since 2002!)</a:t>
-            </a:r>
-            <a:r>
-              <a:rPr lang="en-GB" dirty="0"/>
-              <a:t>. You can’t use spacy, </a:t>
-            </a:r>
-            <a:r>
-              <a:rPr lang="en-GB" dirty="0" err="1"/>
-              <a:t>nltk</a:t>
-            </a:r>
-            <a:r>
-              <a:rPr lang="en-GB" dirty="0"/>
-              <a:t> (obviously), even Apache Lucene on Android… </a:t>
-            </a:r>
-            <a:r>
-              <a:rPr lang="en-GB" sz="1800" dirty="0">
-                <a:solidFill>
-                  <a:srgbClr val="FFFF00"/>
-                </a:solidFill>
-              </a:rPr>
-              <a:t>(learn some linguistics dude.)</a:t>
-            </a:r>
-            <a:endParaRPr lang="en-GB" dirty="0"/>
-          </a:p>
-        </p:txBody>
-      </p:sp>
-    </p:spTree>
-    <p:extLst>
-      <p:ext uri="{BB962C8B-B14F-4D97-AF65-F5344CB8AC3E}">
-        <p14:creationId xmlns:p14="http://schemas.microsoft.com/office/powerpoint/2010/main" val="6982542"/>
-      </p:ext>
-    </p:extLst>
-  </p:cSld>
-  <p:clrMapOvr>
-    <a:masterClrMapping/>
-  </p:clrMapOvr>
-  <mc:AlternateContent xmlns:mc="http://schemas.openxmlformats.org/markup-compatibility/2006" xmlns:p14="http://schemas.microsoft.com/office/powerpoint/2010/main">
-    <mc:Choice Requires="p14">
-      <p:transition spd="med" p14:dur="700">
-        <p:fade/>
-      </p:transition>
-    </mc:Choice>
-    <mc:Fallback xmlns="">
-      <p:transition spd="med">
-        <p:fade/>
-      </p:transition>
-    </mc:Fallback>
-  </mc:AlternateContent>
-</p:sld>
-</file>
-
-<file path=ppt/slides/slide12.xml><?xml version="1.0" encoding="utf-8"?>
-<p:sld xmlns:a="http://schemas.openxmlformats.org/drawingml/2006/main" xmlns:r="http://schemas.openxmlformats.org/officeDocument/2006/relationships" xmlns:p="http://schemas.openxmlformats.org/presentationml/2006/main">
-  <p:cSld>
-    <p:spTree>
-      <p:nvGrpSpPr>
-        <p:cNvPr id="1" name=""/>
-        <p:cNvGrpSpPr/>
-        <p:nvPr/>
-      </p:nvGrpSpPr>
-      <p:grpSpPr>
-        <a:xfrm>
-          <a:off x="0" y="0"/>
-          <a:ext cx="0" cy="0"/>
-          <a:chOff x="0" y="0"/>
-          <a:chExt cx="0" cy="0"/>
-        </a:xfrm>
-      </p:grpSpPr>
-      <p:sp>
-        <p:nvSpPr>
-          <p:cNvPr id="2" name="Título 1">
-            <a:extLst>
-              <a:ext uri="{FF2B5EF4-FFF2-40B4-BE49-F238E27FC236}">
-                <a16:creationId xmlns:a16="http://schemas.microsoft.com/office/drawing/2014/main" id="{A91B5EEA-A33E-4620-AA41-C99F6A44ACF4}"/>
-              </a:ext>
-            </a:extLst>
-          </p:cNvPr>
-          <p:cNvSpPr>
-            <a:spLocks noGrp="1"/>
-          </p:cNvSpPr>
-          <p:nvPr>
-            <p:ph type="title"/>
-          </p:nvPr>
-        </p:nvSpPr>
-        <p:spPr/>
-        <p:txBody>
-          <a:bodyPr/>
-          <a:lstStyle/>
-          <a:p>
-            <a:r>
-              <a:rPr lang="en-GB" sz="2000" dirty="0"/>
-              <a:t>Language Challenges</a:t>
-            </a:r>
-            <a:br>
-              <a:rPr lang="en-GB" sz="2400" dirty="0"/>
-            </a:br>
-            <a:r>
-              <a:rPr lang="en-GB" sz="3600" dirty="0"/>
-              <a:t>Keyboards</a:t>
-            </a:r>
-            <a:endParaRPr lang="en-GB" sz="2000" dirty="0"/>
-          </a:p>
-        </p:txBody>
-      </p:sp>
-      <p:sp>
-        <p:nvSpPr>
-          <p:cNvPr id="3" name="Marcador de contenido 2">
-            <a:extLst>
-              <a:ext uri="{FF2B5EF4-FFF2-40B4-BE49-F238E27FC236}">
-                <a16:creationId xmlns:a16="http://schemas.microsoft.com/office/drawing/2014/main" id="{C3BC65B7-4E9F-498E-ABF5-982070D5B910}"/>
-              </a:ext>
-            </a:extLst>
-          </p:cNvPr>
-          <p:cNvSpPr>
-            <a:spLocks noGrp="1"/>
-          </p:cNvSpPr>
-          <p:nvPr>
-            <p:ph idx="1"/>
-          </p:nvPr>
-        </p:nvSpPr>
-        <p:spPr/>
-        <p:txBody>
-          <a:bodyPr>
-            <a:normAutofit fontScale="85000" lnSpcReduction="10000"/>
-          </a:bodyPr>
-          <a:lstStyle/>
-          <a:p>
-            <a:pPr marL="68580" indent="0">
-              <a:buNone/>
-            </a:pPr>
-            <a:r>
-              <a:rPr lang="en-GB" dirty="0"/>
-              <a:t>Q: I don’t want to install a Ukrainian keyboard, but I want to learn in Ukrainian?</a:t>
-            </a:r>
-          </a:p>
-          <a:p>
-            <a:pPr marL="68580" indent="0">
-              <a:buNone/>
-            </a:pPr>
-            <a:r>
-              <a:rPr lang="en-GB" dirty="0"/>
-              <a:t>A: The embedded soft keyboards were written by me, so you don’t have to download any. Now you can input Cyrillic (</a:t>
-            </a:r>
-            <a:r>
-              <a:rPr lang="ru-RU" dirty="0"/>
-              <a:t>А Б В Г Д Е Ж</a:t>
-            </a:r>
-            <a:r>
-              <a:rPr lang="en-US" dirty="0"/>
-              <a:t>…</a:t>
-            </a:r>
-            <a:r>
-              <a:rPr lang="en-GB" dirty="0"/>
-              <a:t>).</a:t>
-            </a:r>
-          </a:p>
-          <a:p>
-            <a:pPr marL="68580" indent="0">
-              <a:buNone/>
-            </a:pPr>
-            <a:r>
-              <a:rPr lang="en-GB" dirty="0"/>
-              <a:t>My French keyboard has dead keys to minimise the keyboard size.</a:t>
-            </a:r>
-          </a:p>
-          <a:p>
-            <a:pPr marL="68580" indent="0">
-              <a:buNone/>
-            </a:pPr>
-            <a:endParaRPr lang="en-GB" dirty="0"/>
-          </a:p>
-          <a:p>
-            <a:pPr marL="68580" indent="0">
-              <a:buNone/>
-            </a:pPr>
-            <a:r>
-              <a:rPr lang="en-GB" dirty="0"/>
-              <a:t>Q: I am a beginner in German. I want to learn German but if I change the language, I don’t understand the UI instructions?</a:t>
-            </a:r>
-          </a:p>
-          <a:p>
-            <a:pPr marL="68580" indent="0">
-              <a:buNone/>
-            </a:pPr>
-            <a:r>
-              <a:rPr lang="en-GB" dirty="0"/>
-              <a:t>A: </a:t>
-            </a:r>
-            <a:r>
-              <a:rPr lang="en-US" dirty="0"/>
-              <a:t>Don’t worry! UI language and Gameplay language are separated settings. You will see in a moment.</a:t>
-            </a:r>
-            <a:endParaRPr lang="en-GB" dirty="0"/>
-          </a:p>
-          <a:p>
-            <a:endParaRPr lang="en-GB" dirty="0"/>
-          </a:p>
-        </p:txBody>
-      </p:sp>
-    </p:spTree>
-    <p:extLst>
-      <p:ext uri="{BB962C8B-B14F-4D97-AF65-F5344CB8AC3E}">
-        <p14:creationId xmlns:p14="http://schemas.microsoft.com/office/powerpoint/2010/main" val="2846944107"/>
-      </p:ext>
-    </p:extLst>
-  </p:cSld>
-  <p:clrMapOvr>
-    <a:masterClrMapping/>
-  </p:clrMapOvr>
-  <mc:AlternateContent xmlns:mc="http://schemas.openxmlformats.org/markup-compatibility/2006" xmlns:p14="http://schemas.microsoft.com/office/powerpoint/2010/main">
-    <mc:Choice Requires="p14">
-      <p:transition spd="med" p14:dur="700">
-        <p:fade/>
-      </p:transition>
-    </mc:Choice>
-    <mc:Fallback xmlns="">
-      <p:transition spd="med">
-        <p:fade/>
-      </p:transition>
-    </mc:Fallback>
-  </mc:AlternateContent>
-</p:sld>
-</file>
-
-<file path=ppt/slides/slide13.xml><?xml version="1.0" encoding="utf-8"?>
-<p:sld xmlns:a="http://schemas.openxmlformats.org/drawingml/2006/main" xmlns:r="http://schemas.openxmlformats.org/officeDocument/2006/relationships" xmlns:p="http://schemas.openxmlformats.org/presentationml/2006/main">
-  <p:cSld>
-    <p:spTree>
-      <p:nvGrpSpPr>
-        <p:cNvPr id="1" name=""/>
-        <p:cNvGrpSpPr/>
-        <p:nvPr/>
-      </p:nvGrpSpPr>
-      <p:grpSpPr>
-        <a:xfrm>
-          <a:off x="0" y="0"/>
-          <a:ext cx="0" cy="0"/>
-          <a:chOff x="0" y="0"/>
-          <a:chExt cx="0" cy="0"/>
-        </a:xfrm>
-      </p:grpSpPr>
-      <p:sp>
-        <p:nvSpPr>
-          <p:cNvPr id="2" name="Título 1">
-            <a:extLst>
-              <a:ext uri="{FF2B5EF4-FFF2-40B4-BE49-F238E27FC236}">
-                <a16:creationId xmlns:a16="http://schemas.microsoft.com/office/drawing/2014/main" id="{6FAE2DE1-A5DC-4897-9E05-803CEB29B605}"/>
-              </a:ext>
-            </a:extLst>
-          </p:cNvPr>
-          <p:cNvSpPr>
-            <a:spLocks noGrp="1"/>
-          </p:cNvSpPr>
-          <p:nvPr>
-            <p:ph type="title"/>
-          </p:nvPr>
-        </p:nvSpPr>
-        <p:spPr/>
-        <p:txBody>
-          <a:bodyPr/>
-          <a:lstStyle/>
-          <a:p>
-            <a:r>
-              <a:rPr lang="en-GB" sz="2000" dirty="0"/>
-              <a:t>Language Challenges</a:t>
-            </a:r>
-            <a:br>
-              <a:rPr lang="en-GB" sz="2400" dirty="0"/>
-            </a:br>
-            <a:r>
-              <a:rPr lang="en-GB" sz="3600" dirty="0"/>
-              <a:t>Pretend that there are two cursors</a:t>
-            </a:r>
-            <a:endParaRPr lang="en-GB" sz="2000" dirty="0"/>
-          </a:p>
-        </p:txBody>
-      </p:sp>
-      <p:sp>
-        <p:nvSpPr>
-          <p:cNvPr id="3" name="Marcador de contenido 2">
-            <a:extLst>
-              <a:ext uri="{FF2B5EF4-FFF2-40B4-BE49-F238E27FC236}">
-                <a16:creationId xmlns:a16="http://schemas.microsoft.com/office/drawing/2014/main" id="{C3848D22-3565-4705-AC3A-2E0DDBFEEFBB}"/>
-              </a:ext>
-            </a:extLst>
-          </p:cNvPr>
-          <p:cNvSpPr>
-            <a:spLocks noGrp="1"/>
-          </p:cNvSpPr>
-          <p:nvPr>
-            <p:ph idx="1"/>
-          </p:nvPr>
-        </p:nvSpPr>
-        <p:spPr/>
-        <p:txBody>
-          <a:bodyPr/>
-          <a:lstStyle/>
-          <a:p>
-            <a:pPr marL="68580" indent="0">
-              <a:buNone/>
-            </a:pPr>
-            <a:r>
-              <a:rPr lang="en-GB" dirty="0"/>
-              <a:t>Q: In the ‘fill in the blanks’ game, how do you mimic that there are two cursors?</a:t>
-            </a:r>
-          </a:p>
-          <a:p>
-            <a:pPr marL="68580" indent="0">
-              <a:buNone/>
-            </a:pPr>
-            <a:r>
-              <a:rPr lang="en-GB" dirty="0"/>
-              <a:t>A: The so-called ‘cursor being inactive’ is just visually inactive. The JavaScript engine will still consider the text field to be the active element.</a:t>
-            </a:r>
-          </a:p>
-          <a:p>
-            <a:pPr marL="68580" indent="0">
-              <a:buNone/>
-            </a:pPr>
-            <a:r>
-              <a:rPr lang="en-GB" dirty="0"/>
-              <a:t>There is also a reason why I hide the default keyboard and make my own keyboards. In this way keyboards on each side will call JavaScript to the WebView on the same side only. It does not actually input a character.</a:t>
-            </a:r>
-          </a:p>
-        </p:txBody>
-      </p:sp>
-    </p:spTree>
-    <p:extLst>
-      <p:ext uri="{BB962C8B-B14F-4D97-AF65-F5344CB8AC3E}">
-        <p14:creationId xmlns:p14="http://schemas.microsoft.com/office/powerpoint/2010/main" val="841503701"/>
-      </p:ext>
-    </p:extLst>
-  </p:cSld>
-  <p:clrMapOvr>
-    <a:masterClrMapping/>
-  </p:clrMapOvr>
-  <mc:AlternateContent xmlns:mc="http://schemas.openxmlformats.org/markup-compatibility/2006" xmlns:p14="http://schemas.microsoft.com/office/powerpoint/2010/main">
-    <mc:Choice Requires="p14">
-      <p:transition spd="med" p14:dur="700">
-        <p:fade/>
-      </p:transition>
-    </mc:Choice>
-    <mc:Fallback xmlns="">
-      <p:transition spd="med">
-        <p:fade/>
-      </p:transition>
-    </mc:Fallback>
-  </mc:AlternateContent>
-</p:sld>
-</file>
-
-<file path=ppt/slides/slide14.xml><?xml version="1.0" encoding="utf-8"?>
-<p:sld xmlns:a="http://schemas.openxmlformats.org/drawingml/2006/main" xmlns:r="http://schemas.openxmlformats.org/officeDocument/2006/relationships" xmlns:p="http://schemas.openxmlformats.org/presentationml/2006/main">
-  <p:cSld>
-    <p:spTree>
-      <p:nvGrpSpPr>
-        <p:cNvPr id="1" name=""/>
-        <p:cNvGrpSpPr/>
-        <p:nvPr/>
-      </p:nvGrpSpPr>
-      <p:grpSpPr>
-        <a:xfrm>
-          <a:off x="0" y="0"/>
-          <a:ext cx="0" cy="0"/>
-          <a:chOff x="0" y="0"/>
-          <a:chExt cx="0" cy="0"/>
-        </a:xfrm>
-      </p:grpSpPr>
-      <p:sp>
-        <p:nvSpPr>
-          <p:cNvPr id="2" name="Título 1">
-            <a:extLst>
-              <a:ext uri="{FF2B5EF4-FFF2-40B4-BE49-F238E27FC236}">
-                <a16:creationId xmlns:a16="http://schemas.microsoft.com/office/drawing/2014/main" id="{3835C49F-1AE5-451E-B1F1-673D798EE714}"/>
-              </a:ext>
-            </a:extLst>
-          </p:cNvPr>
-          <p:cNvSpPr>
-            <a:spLocks noGrp="1"/>
-          </p:cNvSpPr>
-          <p:nvPr>
-            <p:ph type="title"/>
-          </p:nvPr>
-        </p:nvSpPr>
-        <p:spPr/>
-        <p:txBody>
-          <a:bodyPr/>
-          <a:lstStyle/>
-          <a:p>
-            <a:r>
-              <a:rPr lang="en-GB" dirty="0"/>
-              <a:t>Other challenges</a:t>
-            </a:r>
-          </a:p>
-        </p:txBody>
-      </p:sp>
-      <p:sp>
-        <p:nvSpPr>
-          <p:cNvPr id="3" name="Marcador de contenido 2">
-            <a:extLst>
-              <a:ext uri="{FF2B5EF4-FFF2-40B4-BE49-F238E27FC236}">
-                <a16:creationId xmlns:a16="http://schemas.microsoft.com/office/drawing/2014/main" id="{68253B17-9802-4126-95F1-90C7D480C4DB}"/>
-              </a:ext>
-            </a:extLst>
-          </p:cNvPr>
-          <p:cNvSpPr>
-            <a:spLocks noGrp="1"/>
-          </p:cNvSpPr>
-          <p:nvPr>
-            <p:ph idx="1"/>
-          </p:nvPr>
-        </p:nvSpPr>
-        <p:spPr/>
-        <p:txBody>
-          <a:bodyPr/>
-          <a:lstStyle/>
-          <a:p>
-            <a:r>
-              <a:rPr lang="en-GB" dirty="0" err="1"/>
-              <a:t>Async</a:t>
-            </a:r>
-            <a:r>
-              <a:rPr lang="en-GB" dirty="0"/>
-              <a:t> everywhere</a:t>
-            </a:r>
-          </a:p>
-          <a:p>
-            <a:pPr lvl="1"/>
-            <a:r>
-              <a:rPr lang="en-GB" dirty="0"/>
-              <a:t>You cannot do any networking on the main thread</a:t>
-            </a:r>
-          </a:p>
-          <a:p>
-            <a:pPr lvl="1"/>
-            <a:r>
-              <a:rPr lang="en-GB" dirty="0"/>
-              <a:t>Pausing the game needs Semaphore (</a:t>
-            </a:r>
-            <a:r>
-              <a:rPr lang="en-GB" dirty="0" err="1"/>
-              <a:t>CountdownLatch</a:t>
-            </a:r>
-            <a:r>
-              <a:rPr lang="en-GB" dirty="0"/>
-              <a:t>)</a:t>
-            </a:r>
-          </a:p>
-          <a:p>
-            <a:pPr lvl="1"/>
-            <a:r>
-              <a:rPr lang="en-GB" dirty="0"/>
-              <a:t>Timer needs Semaphore</a:t>
-            </a:r>
-          </a:p>
-          <a:p>
-            <a:pPr lvl="1"/>
-            <a:r>
-              <a:rPr lang="en-GB" dirty="0"/>
-              <a:t>Interacting with the WebView needs Sleep and </a:t>
-            </a:r>
-            <a:r>
-              <a:rPr lang="en-GB" dirty="0" err="1"/>
-              <a:t>CountdownLatch</a:t>
-            </a:r>
-            <a:endParaRPr lang="en-GB" dirty="0"/>
-          </a:p>
-          <a:p>
-            <a:pPr lvl="1"/>
-            <a:r>
-              <a:rPr lang="en-GB" dirty="0"/>
-              <a:t>…</a:t>
-            </a:r>
-          </a:p>
-          <a:p>
-            <a:r>
-              <a:rPr lang="en-GB" dirty="0"/>
-              <a:t>Loading SVG</a:t>
-            </a:r>
-          </a:p>
-          <a:p>
-            <a:pPr lvl="1"/>
-            <a:endParaRPr lang="en-GB" dirty="0"/>
-          </a:p>
-        </p:txBody>
-      </p:sp>
-    </p:spTree>
-    <p:extLst>
-      <p:ext uri="{BB962C8B-B14F-4D97-AF65-F5344CB8AC3E}">
-        <p14:creationId xmlns:p14="http://schemas.microsoft.com/office/powerpoint/2010/main" val="4173701584"/>
-      </p:ext>
-    </p:extLst>
-  </p:cSld>
-  <p:clrMapOvr>
-    <a:masterClrMapping/>
-  </p:clrMapOvr>
-  <mc:AlternateContent xmlns:mc="http://schemas.openxmlformats.org/markup-compatibility/2006" xmlns:p14="http://schemas.microsoft.com/office/powerpoint/2010/main">
-    <mc:Choice Requires="p14">
-      <p:transition spd="med" p14:dur="700">
-        <p:fade/>
-      </p:transition>
-    </mc:Choice>
-    <mc:Fallback xmlns="">
-      <p:transition spd="med">
-        <p:fade/>
-      </p:transition>
-    </mc:Fallback>
-  </mc:AlternateContent>
-</p:sld>
-</file>
-
-<file path=ppt/slides/slide2.xml><?xml version="1.0" encoding="utf-8"?>
-<p:sld xmlns:a="http://schemas.openxmlformats.org/drawingml/2006/main" xmlns:r="http://schemas.openxmlformats.org/officeDocument/2006/relationships" xmlns:p="http://schemas.openxmlformats.org/presentationml/2006/main">
-  <p:cSld>
-    <p:spTree>
-      <p:nvGrpSpPr>
-        <p:cNvPr id="1" name=""/>
-        <p:cNvGrpSpPr/>
-        <p:nvPr/>
-      </p:nvGrpSpPr>
-      <p:grpSpPr>
-        <a:xfrm>
-          <a:off x="0" y="0"/>
-          <a:ext cx="0" cy="0"/>
-          <a:chOff x="0" y="0"/>
-          <a:chExt cx="0" cy="0"/>
-        </a:xfrm>
-      </p:grpSpPr>
-      <p:sp>
-        <p:nvSpPr>
-          <p:cNvPr id="2" name="Título 1">
-            <a:extLst>
-              <a:ext uri="{FF2B5EF4-FFF2-40B4-BE49-F238E27FC236}">
-                <a16:creationId xmlns:a16="http://schemas.microsoft.com/office/drawing/2014/main" id="{CEE1776C-514F-4EF1-A9ED-DF794292B376}"/>
-              </a:ext>
-            </a:extLst>
-          </p:cNvPr>
-          <p:cNvSpPr>
-            <a:spLocks noGrp="1"/>
-          </p:cNvSpPr>
-          <p:nvPr>
-            <p:ph type="title"/>
-          </p:nvPr>
-        </p:nvSpPr>
-        <p:spPr/>
-        <p:txBody>
-          <a:bodyPr/>
-          <a:lstStyle/>
-          <a:p>
-            <a:r>
-              <a:rPr lang="en-GB" dirty="0"/>
-              <a:t>Download APK</a:t>
-            </a:r>
-          </a:p>
-        </p:txBody>
-      </p:sp>
-      <p:sp>
-        <p:nvSpPr>
-          <p:cNvPr id="3" name="Marcador de contenido 2">
-            <a:extLst>
-              <a:ext uri="{FF2B5EF4-FFF2-40B4-BE49-F238E27FC236}">
-                <a16:creationId xmlns:a16="http://schemas.microsoft.com/office/drawing/2014/main" id="{B6F426EA-BE50-4ED3-819D-8886097F902E}"/>
-              </a:ext>
-            </a:extLst>
-          </p:cNvPr>
-          <p:cNvSpPr>
-            <a:spLocks noGrp="1"/>
-          </p:cNvSpPr>
-          <p:nvPr>
-            <p:ph idx="1"/>
-          </p:nvPr>
-        </p:nvSpPr>
-        <p:spPr/>
-        <p:txBody>
-          <a:bodyPr/>
-          <a:lstStyle/>
-          <a:p>
-            <a:r>
-              <a:rPr lang="en-GB" dirty="0"/>
-              <a:t>Since I don’t have a Google Play dev account, visit this page to download the APK:</a:t>
-            </a:r>
-          </a:p>
-          <a:p>
-            <a:r>
-              <a:rPr lang="en-GB" dirty="0">
-                <a:hlinkClick r:id="rId2"/>
-              </a:rPr>
-              <a:t>https://github.com/SoftFeta/tempusespatium/releases</a:t>
-            </a:r>
-            <a:r>
-              <a:rPr lang="en-GB" dirty="0"/>
-              <a:t> </a:t>
-            </a:r>
-          </a:p>
-        </p:txBody>
-      </p:sp>
-    </p:spTree>
-    <p:extLst>
-      <p:ext uri="{BB962C8B-B14F-4D97-AF65-F5344CB8AC3E}">
-        <p14:creationId xmlns:p14="http://schemas.microsoft.com/office/powerpoint/2010/main" val="3136967422"/>
-      </p:ext>
-    </p:extLst>
-  </p:cSld>
-  <p:clrMapOvr>
-    <a:masterClrMapping/>
-  </p:clrMapOvr>
-  <mc:AlternateContent xmlns:mc="http://schemas.openxmlformats.org/markup-compatibility/2006" xmlns:p14="http://schemas.microsoft.com/office/powerpoint/2010/main">
-    <mc:Choice Requires="p14">
-      <p:transition spd="med" p14:dur="700">
-        <p:fade/>
-      </p:transition>
-    </mc:Choice>
-    <mc:Fallback xmlns="">
-      <p:transition spd="med">
-        <p:fade/>
-      </p:transition>
-    </mc:Fallback>
-  </mc:AlternateContent>
-</p:sld>
-</file>
-
-<file path=ppt/slides/slide3.xml><?xml version="1.0" encoding="utf-8"?>
-<p:sld xmlns:a="http://schemas.openxmlformats.org/drawingml/2006/main" xmlns:r="http://schemas.openxmlformats.org/officeDocument/2006/relationships" xmlns:p="http://schemas.openxmlformats.org/presentationml/2006/main">
-  <p:cSld>
-    <p:spTree>
-      <p:nvGrpSpPr>
-        <p:cNvPr id="1" name=""/>
-        <p:cNvGrpSpPr/>
-        <p:nvPr/>
-      </p:nvGrpSpPr>
-      <p:grpSpPr>
-        <a:xfrm>
-          <a:off x="0" y="0"/>
-          <a:ext cx="0" cy="0"/>
-          <a:chOff x="0" y="0"/>
-          <a:chExt cx="0" cy="0"/>
-        </a:xfrm>
-      </p:grpSpPr>
-      <p:sp>
-        <p:nvSpPr>
-          <p:cNvPr id="2" name="Título 1">
-            <a:extLst>
-              <a:ext uri="{FF2B5EF4-FFF2-40B4-BE49-F238E27FC236}">
-                <a16:creationId xmlns:a16="http://schemas.microsoft.com/office/drawing/2014/main" id="{0D1E5BFE-FBC4-474E-9D5F-7776382AAC00}"/>
-              </a:ext>
-            </a:extLst>
-          </p:cNvPr>
-          <p:cNvSpPr>
-            <a:spLocks noGrp="1"/>
-          </p:cNvSpPr>
-          <p:nvPr>
-            <p:ph type="title"/>
-          </p:nvPr>
-        </p:nvSpPr>
-        <p:spPr>
-          <a:xfrm>
-            <a:off x="740229" y="584635"/>
-            <a:ext cx="10363200" cy="914400"/>
-          </a:xfrm>
-        </p:spPr>
-        <p:txBody>
-          <a:bodyPr/>
-          <a:lstStyle/>
-          <a:p>
-            <a:r>
-              <a:rPr lang="en-GB" dirty="0"/>
-              <a:t>Why?</a:t>
-            </a:r>
-          </a:p>
-        </p:txBody>
-      </p:sp>
-      <p:sp>
-        <p:nvSpPr>
-          <p:cNvPr id="3" name="Marcador de contenido 2">
-            <a:extLst>
-              <a:ext uri="{FF2B5EF4-FFF2-40B4-BE49-F238E27FC236}">
-                <a16:creationId xmlns:a16="http://schemas.microsoft.com/office/drawing/2014/main" id="{6D3C9751-F8D5-4161-8109-D741F76C3EC8}"/>
-              </a:ext>
-            </a:extLst>
-          </p:cNvPr>
-          <p:cNvSpPr>
-            <a:spLocks noGrp="1"/>
-          </p:cNvSpPr>
-          <p:nvPr>
-            <p:ph idx="1"/>
-          </p:nvPr>
-        </p:nvSpPr>
-        <p:spPr>
-          <a:xfrm>
-            <a:off x="348343" y="1623903"/>
-            <a:ext cx="11713029" cy="4572000"/>
-          </a:xfrm>
-        </p:spPr>
-        <p:txBody>
-          <a:bodyPr>
-            <a:normAutofit/>
-          </a:bodyPr>
-          <a:lstStyle/>
-          <a:p>
-            <a:r>
-              <a:rPr lang="en-GB" sz="2800" dirty="0"/>
-              <a:t>Most </a:t>
-            </a:r>
-            <a:r>
-              <a:rPr lang="en-GB" sz="3200" b="1" dirty="0"/>
-              <a:t>edutainment</a:t>
-            </a:r>
-            <a:r>
-              <a:rPr lang="en-GB" sz="2800" dirty="0"/>
-              <a:t> apps are for </a:t>
-            </a:r>
-            <a:r>
-              <a:rPr lang="en-GB" sz="3200" b="1" dirty="0"/>
-              <a:t>kids</a:t>
-            </a:r>
-            <a:r>
-              <a:rPr lang="en-GB" sz="2800" dirty="0"/>
-              <a:t> and specialise in some topics, too </a:t>
-            </a:r>
-            <a:r>
-              <a:rPr lang="en-GB" sz="3200" b="1" dirty="0"/>
-              <a:t>easy</a:t>
-            </a:r>
-            <a:r>
-              <a:rPr lang="en-GB" sz="3200" dirty="0"/>
-              <a:t>,</a:t>
-            </a:r>
-            <a:r>
-              <a:rPr lang="en-GB" sz="3200" b="1" dirty="0"/>
-              <a:t> </a:t>
-            </a:r>
-            <a:r>
-              <a:rPr lang="en-GB" sz="2800" dirty="0"/>
-              <a:t>not so </a:t>
-            </a:r>
-            <a:r>
-              <a:rPr lang="en-GB" sz="3200" b="1" dirty="0"/>
-              <a:t>educative</a:t>
-            </a:r>
-            <a:endParaRPr lang="en-GB" sz="2800" b="1" dirty="0"/>
-          </a:p>
-          <a:p>
-            <a:r>
-              <a:rPr lang="en-GB" sz="2800" dirty="0"/>
-              <a:t>Never heard of a game that uses </a:t>
-            </a:r>
-            <a:r>
-              <a:rPr lang="en-GB" sz="3200" b="1" dirty="0"/>
-              <a:t>natural language processing</a:t>
-            </a:r>
-          </a:p>
-          <a:p>
-            <a:r>
-              <a:rPr lang="en-GB" sz="2800" dirty="0"/>
-              <a:t>Never heard of a game that </a:t>
-            </a:r>
-            <a:r>
-              <a:rPr lang="en-GB" sz="3200" b="1" dirty="0"/>
-              <a:t>generates levels real-time using external resources </a:t>
-            </a:r>
-            <a:r>
-              <a:rPr lang="en-GB" sz="2000" b="1" dirty="0">
-                <a:solidFill>
-                  <a:srgbClr val="FFFF00"/>
-                </a:solidFill>
-              </a:rPr>
-              <a:t>(hmm… Wikipedia has tens of thousands of articles…)</a:t>
-            </a:r>
-            <a:endParaRPr lang="en-GB" sz="2800" b="1" dirty="0">
-              <a:solidFill>
-                <a:srgbClr val="FFFF00"/>
-              </a:solidFill>
-            </a:endParaRPr>
-          </a:p>
-          <a:p>
-            <a:r>
-              <a:rPr lang="en-GB" sz="2400" dirty="0"/>
-              <a:t>Never heard of a game that has multi-lingual actual </a:t>
-            </a:r>
-            <a:r>
-              <a:rPr lang="en-GB" sz="2800" b="1" dirty="0"/>
-              <a:t>content</a:t>
-            </a:r>
-            <a:r>
-              <a:rPr lang="en-GB" sz="2400" b="1" dirty="0">
-                <a:solidFill>
-                  <a:srgbClr val="FFFF00"/>
-                </a:solidFill>
-              </a:rPr>
-              <a:t> </a:t>
-            </a:r>
-            <a:r>
-              <a:rPr lang="en-GB" sz="1800" b="1" dirty="0">
-                <a:solidFill>
-                  <a:srgbClr val="FFFF00"/>
-                </a:solidFill>
-              </a:rPr>
-              <a:t>(NOT interface) </a:t>
-            </a:r>
-            <a:endParaRPr lang="en-GB" sz="2800" dirty="0"/>
-          </a:p>
-          <a:p>
-            <a:r>
-              <a:rPr lang="en-GB" sz="2400" dirty="0"/>
-              <a:t>Most multi-player games are </a:t>
-            </a:r>
-            <a:r>
-              <a:rPr lang="en-GB" sz="2800" b="1" dirty="0"/>
-              <a:t>pass-and-play,</a:t>
-            </a:r>
-            <a:r>
-              <a:rPr lang="en-GB" sz="2400" dirty="0"/>
-              <a:t> don’t make use of </a:t>
-            </a:r>
-            <a:r>
-              <a:rPr lang="en-GB" sz="2800" b="1" dirty="0"/>
-              <a:t>multi-touch</a:t>
-            </a:r>
-          </a:p>
-          <a:p>
-            <a:endParaRPr lang="en-GB" sz="2800" dirty="0"/>
-          </a:p>
-          <a:p>
-            <a:endParaRPr lang="en-GB" sz="2800" dirty="0"/>
-          </a:p>
-          <a:p>
-            <a:endParaRPr lang="en-GB" sz="2800" dirty="0"/>
-          </a:p>
-        </p:txBody>
-      </p:sp>
-    </p:spTree>
-    <p:extLst>
-      <p:ext uri="{BB962C8B-B14F-4D97-AF65-F5344CB8AC3E}">
-        <p14:creationId xmlns:p14="http://schemas.microsoft.com/office/powerpoint/2010/main" val="1009486797"/>
-      </p:ext>
-    </p:extLst>
-  </p:cSld>
-  <p:clrMapOvr>
-    <a:masterClrMapping/>
-  </p:clrMapOvr>
-  <mc:AlternateContent xmlns:mc="http://schemas.openxmlformats.org/markup-compatibility/2006" xmlns:p14="http://schemas.microsoft.com/office/powerpoint/2010/main">
-    <mc:Choice Requires="p14">
-      <p:transition spd="med" p14:dur="700">
-        <p:fade/>
-      </p:transition>
-    </mc:Choice>
-    <mc:Fallback xmlns="">
-      <p:transition spd="med">
-        <p:fade/>
-      </p:transition>
-    </mc:Fallback>
-  </mc:AlternateContent>
-</p:sld>
-</file>
-
-<file path=ppt/slides/slide4.xml><?xml version="1.0" encoding="utf-8"?>
-<p:sld xmlns:a="http://schemas.openxmlformats.org/drawingml/2006/main" xmlns:r="http://schemas.openxmlformats.org/officeDocument/2006/relationships" xmlns:p="http://schemas.openxmlformats.org/presentationml/2006/main">
-  <p:cSld>
-    <p:spTree>
-      <p:nvGrpSpPr>
-        <p:cNvPr id="1" name=""/>
-        <p:cNvGrpSpPr/>
-        <p:nvPr/>
-      </p:nvGrpSpPr>
-      <p:grpSpPr>
-        <a:xfrm>
-          <a:off x="0" y="0"/>
-          <a:ext cx="0" cy="0"/>
-          <a:chOff x="0" y="0"/>
-          <a:chExt cx="0" cy="0"/>
-        </a:xfrm>
-      </p:grpSpPr>
-      <p:sp>
-        <p:nvSpPr>
-          <p:cNvPr id="2" name="Título 1">
-            <a:extLst>
-              <a:ext uri="{FF2B5EF4-FFF2-40B4-BE49-F238E27FC236}">
-                <a16:creationId xmlns:a16="http://schemas.microsoft.com/office/drawing/2014/main" id="{B0B69AEA-9620-4CAD-91D4-1E7F3F37115B}"/>
-              </a:ext>
-            </a:extLst>
-          </p:cNvPr>
-          <p:cNvSpPr>
-            <a:spLocks noGrp="1"/>
-          </p:cNvSpPr>
-          <p:nvPr>
-            <p:ph type="title"/>
-          </p:nvPr>
-        </p:nvSpPr>
-        <p:spPr/>
-        <p:txBody>
-          <a:bodyPr/>
-          <a:lstStyle/>
-          <a:p>
-            <a:r>
-              <a:rPr lang="en-GB" dirty="0" err="1"/>
-              <a:t>Wikipedias</a:t>
-            </a:r>
-            <a:endParaRPr lang="en-GB" dirty="0"/>
-          </a:p>
-        </p:txBody>
-      </p:sp>
-      <p:sp>
-        <p:nvSpPr>
-          <p:cNvPr id="3" name="Marcador de contenido 2">
-            <a:extLst>
-              <a:ext uri="{FF2B5EF4-FFF2-40B4-BE49-F238E27FC236}">
-                <a16:creationId xmlns:a16="http://schemas.microsoft.com/office/drawing/2014/main" id="{B491E654-43DC-4F8C-B24F-C6C3D22E776C}"/>
-              </a:ext>
-            </a:extLst>
-          </p:cNvPr>
-          <p:cNvSpPr>
-            <a:spLocks noGrp="1"/>
-          </p:cNvSpPr>
-          <p:nvPr>
-            <p:ph idx="1"/>
-          </p:nvPr>
-        </p:nvSpPr>
-        <p:spPr>
-          <a:xfrm>
-            <a:off x="647700" y="1683649"/>
-            <a:ext cx="10363200" cy="5074441"/>
-          </a:xfrm>
-        </p:spPr>
-        <p:txBody>
-          <a:bodyPr>
-            <a:normAutofit fontScale="92500" lnSpcReduction="20000"/>
-          </a:bodyPr>
-          <a:lstStyle/>
-          <a:p>
-            <a:r>
-              <a:rPr lang="en-GB" dirty="0"/>
-              <a:t>Not just English Wikipedia</a:t>
-            </a:r>
-          </a:p>
-          <a:p>
-            <a:endParaRPr lang="en-GB" dirty="0"/>
-          </a:p>
-          <a:p>
-            <a:r>
-              <a:rPr lang="en-GB" dirty="0"/>
-              <a:t>Tens of thousands of articles</a:t>
-            </a:r>
-          </a:p>
-          <a:p>
-            <a:r>
-              <a:rPr lang="en-GB" dirty="0"/>
-              <a:t>Thousands of </a:t>
-            </a:r>
-            <a:r>
-              <a:rPr lang="en-GB" dirty="0" err="1"/>
-              <a:t>WikiProjects</a:t>
-            </a:r>
-            <a:endParaRPr lang="en-GB" dirty="0"/>
-          </a:p>
-          <a:p>
-            <a:endParaRPr lang="en-GB" dirty="0"/>
-          </a:p>
-          <a:p>
-            <a:r>
-              <a:rPr lang="en-GB" dirty="0"/>
-              <a:t>You can learn whatever you want</a:t>
-            </a:r>
-          </a:p>
-          <a:p>
-            <a:endParaRPr lang="en-GB" dirty="0"/>
-          </a:p>
-          <a:p>
-            <a:endParaRPr lang="en-GB" dirty="0"/>
-          </a:p>
-          <a:p>
-            <a:endParaRPr lang="en-GB" dirty="0"/>
-          </a:p>
-          <a:p>
-            <a:r>
-              <a:rPr lang="en-GB" dirty="0"/>
-              <a:t>Why does an Wikipedia article has so many hyperlinks? Even ‘animal’ is a link? Readers are not that stupid aren’t they?                  ►Semantic web</a:t>
-            </a:r>
-          </a:p>
-        </p:txBody>
-      </p:sp>
-      <p:pic>
-        <p:nvPicPr>
-          <p:cNvPr id="4" name="Imagen 3">
-            <a:extLst>
-              <a:ext uri="{FF2B5EF4-FFF2-40B4-BE49-F238E27FC236}">
-                <a16:creationId xmlns:a16="http://schemas.microsoft.com/office/drawing/2014/main" id="{2060CC6F-1DE2-487B-A41E-63DEED3E4C58}"/>
-              </a:ext>
-            </a:extLst>
-          </p:cNvPr>
-          <p:cNvPicPr>
-            <a:picLocks noChangeAspect="1"/>
-          </p:cNvPicPr>
-          <p:nvPr/>
-        </p:nvPicPr>
-        <p:blipFill>
-          <a:blip r:embed="rId2"/>
-          <a:stretch>
-            <a:fillRect/>
-          </a:stretch>
-        </p:blipFill>
-        <p:spPr>
-          <a:xfrm>
-            <a:off x="6765080" y="130321"/>
-            <a:ext cx="5963949" cy="3708806"/>
-          </a:xfrm>
-          <a:prstGeom prst="rect">
-            <a:avLst/>
-          </a:prstGeom>
-        </p:spPr>
-      </p:pic>
-      <p:cxnSp>
-        <p:nvCxnSpPr>
-          <p:cNvPr id="6" name="Conector recto de flecha 5">
-            <a:extLst>
-              <a:ext uri="{FF2B5EF4-FFF2-40B4-BE49-F238E27FC236}">
-                <a16:creationId xmlns:a16="http://schemas.microsoft.com/office/drawing/2014/main" id="{FAFCED91-C7B9-4EA0-B0E6-2946779E45CF}"/>
-              </a:ext>
-            </a:extLst>
-          </p:cNvPr>
-          <p:cNvCxnSpPr>
-            <a:cxnSpLocks/>
-            <a:stCxn id="8" idx="3"/>
-          </p:cNvCxnSpPr>
-          <p:nvPr/>
-        </p:nvCxnSpPr>
-        <p:spPr>
-          <a:xfrm flipV="1">
-            <a:off x="6281400" y="1180507"/>
-            <a:ext cx="1452900" cy="952292"/>
-          </a:xfrm>
-          <a:prstGeom prst="straightConnector1">
-            <a:avLst/>
-          </a:prstGeom>
-          <a:ln>
-            <a:tailEnd type="triangle"/>
-          </a:ln>
-        </p:spPr>
-        <p:style>
-          <a:lnRef idx="1">
-            <a:schemeClr val="accent1"/>
-          </a:lnRef>
-          <a:fillRef idx="0">
-            <a:schemeClr val="accent1"/>
-          </a:fillRef>
-          <a:effectRef idx="0">
-            <a:schemeClr val="accent1"/>
-          </a:effectRef>
-          <a:fontRef idx="minor">
-            <a:schemeClr val="tx1"/>
-          </a:fontRef>
-        </p:style>
-      </p:cxnSp>
-      <p:sp>
-        <p:nvSpPr>
-          <p:cNvPr id="8" name="CuadroTexto 7">
-            <a:extLst>
-              <a:ext uri="{FF2B5EF4-FFF2-40B4-BE49-F238E27FC236}">
-                <a16:creationId xmlns:a16="http://schemas.microsoft.com/office/drawing/2014/main" id="{8E363090-789E-4681-A8AF-BAEE58831E5A}"/>
-              </a:ext>
-            </a:extLst>
-          </p:cNvPr>
-          <p:cNvSpPr txBox="1"/>
-          <p:nvPr/>
-        </p:nvSpPr>
-        <p:spPr>
-          <a:xfrm>
-            <a:off x="3559629" y="1948133"/>
-            <a:ext cx="2721771" cy="369332"/>
-          </a:xfrm>
-          <a:prstGeom prst="rect">
-            <a:avLst/>
-          </a:prstGeom>
-          <a:noFill/>
-        </p:spPr>
-        <p:txBody>
-          <a:bodyPr wrap="none" rtlCol="0">
-            <a:spAutoFit/>
-          </a:bodyPr>
-          <a:lstStyle/>
-          <a:p>
-            <a:r>
-              <a:rPr lang="en-GB" b="1" dirty="0"/>
-              <a:t>This is a real Wikipedia</a:t>
-            </a:r>
-          </a:p>
-        </p:txBody>
-      </p:sp>
-    </p:spTree>
-    <p:extLst>
-      <p:ext uri="{BB962C8B-B14F-4D97-AF65-F5344CB8AC3E}">
-        <p14:creationId xmlns:p14="http://schemas.microsoft.com/office/powerpoint/2010/main" val="1382313683"/>
-      </p:ext>
-    </p:extLst>
-  </p:cSld>
-  <p:clrMapOvr>
-    <a:masterClrMapping/>
-  </p:clrMapOvr>
-  <mc:AlternateContent xmlns:mc="http://schemas.openxmlformats.org/markup-compatibility/2006" xmlns:p14="http://schemas.microsoft.com/office/powerpoint/2010/main">
-    <mc:Choice Requires="p14">
-      <p:transition spd="med" p14:dur="700">
-        <p:fade/>
-      </p:transition>
-    </mc:Choice>
-    <mc:Fallback xmlns="">
-      <p:transition spd="med">
-        <p:fade/>
-      </p:transition>
-    </mc:Fallback>
-  </mc:AlternateContent>
-</p:sld>
-</file>
-
-<file path=ppt/slides/slide5.xml><?xml version="1.0" encoding="utf-8"?>
-<p:sld xmlns:a="http://schemas.openxmlformats.org/drawingml/2006/main" xmlns:r="http://schemas.openxmlformats.org/officeDocument/2006/relationships" xmlns:p="http://schemas.openxmlformats.org/presentationml/2006/main">
-  <p:cSld>
-    <p:spTree>
-      <p:nvGrpSpPr>
-        <p:cNvPr id="1" name=""/>
-        <p:cNvGrpSpPr/>
-        <p:nvPr/>
-      </p:nvGrpSpPr>
-      <p:grpSpPr>
-        <a:xfrm>
-          <a:off x="0" y="0"/>
-          <a:ext cx="0" cy="0"/>
-          <a:chOff x="0" y="0"/>
-          <a:chExt cx="0" cy="0"/>
-        </a:xfrm>
-      </p:grpSpPr>
-      <p:sp>
-        <p:nvSpPr>
-          <p:cNvPr id="3" name="Marcador de contenido 2">
-            <a:extLst>
-              <a:ext uri="{FF2B5EF4-FFF2-40B4-BE49-F238E27FC236}">
-                <a16:creationId xmlns:a16="http://schemas.microsoft.com/office/drawing/2014/main" id="{E1AFD4AB-1A48-4A8B-8D55-4A8935466E3B}"/>
-              </a:ext>
-            </a:extLst>
-          </p:cNvPr>
-          <p:cNvSpPr>
-            <a:spLocks noGrp="1"/>
-          </p:cNvSpPr>
-          <p:nvPr>
-            <p:ph idx="1"/>
-          </p:nvPr>
-        </p:nvSpPr>
-        <p:spPr>
-          <a:xfrm>
-            <a:off x="914400" y="931164"/>
-            <a:ext cx="10528300" cy="4572000"/>
-          </a:xfrm>
-        </p:spPr>
-        <p:txBody>
-          <a:bodyPr>
-            <a:normAutofit fontScale="85000" lnSpcReduction="20000"/>
-          </a:bodyPr>
-          <a:lstStyle/>
-          <a:p>
-            <a:pPr marL="68580" indent="0" algn="r">
-              <a:buNone/>
-            </a:pPr>
-            <a:r>
-              <a:rPr lang="en-US" dirty="0"/>
-              <a:t>Why was &lt;</a:t>
-            </a:r>
-            <a:r>
-              <a:rPr lang="en-US" dirty="0" err="1"/>
-              <a:t>i</a:t>
-            </a:r>
-            <a:r>
-              <a:rPr lang="en-US" dirty="0"/>
-              <a:t>&gt; replaced by &lt;</a:t>
-            </a:r>
-            <a:r>
-              <a:rPr lang="en-US" dirty="0" err="1"/>
-              <a:t>em</a:t>
-            </a:r>
-            <a:r>
-              <a:rPr lang="en-US" dirty="0"/>
-              <a:t>&gt; (emphasis)?           </a:t>
-            </a:r>
-            <a:r>
-              <a:rPr lang="en-GB" dirty="0"/>
-              <a:t>► </a:t>
-            </a:r>
-            <a:r>
-              <a:rPr lang="en-US" dirty="0"/>
-              <a:t>Semantic web </a:t>
-            </a:r>
-            <a:r>
-              <a:rPr lang="en-US" sz="1700" b="1" dirty="0">
-                <a:solidFill>
-                  <a:srgbClr val="FFFF00"/>
-                </a:solidFill>
-              </a:rPr>
-              <a:t>(to discourage people using italics not for emphasis)</a:t>
-            </a:r>
-          </a:p>
-          <a:p>
-            <a:endParaRPr lang="en-US" dirty="0"/>
-          </a:p>
-          <a:p>
-            <a:pPr marL="68580" indent="0">
-              <a:buNone/>
-            </a:pPr>
-            <a:r>
-              <a:rPr lang="en-US" dirty="0"/>
-              <a:t>In Wikipedia, hyperlinked terms are important terms!</a:t>
-            </a:r>
-          </a:p>
-          <a:p>
-            <a:endParaRPr lang="en-US" dirty="0"/>
-          </a:p>
-          <a:p>
-            <a:endParaRPr lang="en-US" dirty="0"/>
-          </a:p>
-          <a:p>
-            <a:pPr marL="68580" indent="0">
-              <a:buNone/>
-            </a:pPr>
-            <a:endParaRPr lang="en-US" dirty="0"/>
-          </a:p>
-          <a:p>
-            <a:pPr marL="68580" indent="0">
-              <a:buNone/>
-            </a:pPr>
-            <a:endParaRPr lang="en-US" dirty="0"/>
-          </a:p>
-          <a:p>
-            <a:pPr marL="68580" indent="0">
-              <a:buNone/>
-            </a:pPr>
-            <a:r>
-              <a:rPr lang="en-US" dirty="0"/>
-              <a:t>A web of data (or data web)  that can be processed by machines—that is, one in which much of the meaning is machine-readable.</a:t>
-            </a:r>
-          </a:p>
-          <a:p>
-            <a:endParaRPr lang="en-US" dirty="0"/>
-          </a:p>
-          <a:p>
-            <a:pPr marL="68580" indent="0">
-              <a:buNone/>
-            </a:pPr>
-            <a:r>
-              <a:rPr lang="en-US" dirty="0"/>
-              <a:t>I use 2 approaches in my app</a:t>
-            </a:r>
-          </a:p>
-        </p:txBody>
-      </p:sp>
-      <p:sp>
-        <p:nvSpPr>
-          <p:cNvPr id="2" name="Título 1">
-            <a:extLst>
-              <a:ext uri="{FF2B5EF4-FFF2-40B4-BE49-F238E27FC236}">
-                <a16:creationId xmlns:a16="http://schemas.microsoft.com/office/drawing/2014/main" id="{20BAF431-DD8A-42D4-890B-50D61B4BFB10}"/>
-              </a:ext>
-            </a:extLst>
-          </p:cNvPr>
-          <p:cNvSpPr>
-            <a:spLocks noGrp="1"/>
-          </p:cNvSpPr>
-          <p:nvPr>
-            <p:ph type="title"/>
-          </p:nvPr>
-        </p:nvSpPr>
-        <p:spPr>
-          <a:xfrm>
-            <a:off x="914400" y="2759964"/>
-            <a:ext cx="10363200" cy="914400"/>
-          </a:xfrm>
-        </p:spPr>
-        <p:txBody>
-          <a:bodyPr/>
-          <a:lstStyle/>
-          <a:p>
-            <a:r>
-              <a:rPr lang="es-ES" sz="2400" dirty="0" err="1"/>
-              <a:t>Semantic</a:t>
-            </a:r>
-            <a:r>
-              <a:rPr lang="es-ES" sz="2400" dirty="0"/>
-              <a:t> Web</a:t>
-            </a:r>
-            <a:br>
-              <a:rPr lang="en-GB" sz="3600" dirty="0"/>
-            </a:br>
-            <a:r>
-              <a:rPr lang="en-GB" sz="3600" dirty="0"/>
-              <a:t>Definition from Wikipedia</a:t>
-            </a:r>
-          </a:p>
-        </p:txBody>
-      </p:sp>
-    </p:spTree>
-    <p:extLst>
-      <p:ext uri="{BB962C8B-B14F-4D97-AF65-F5344CB8AC3E}">
-        <p14:creationId xmlns:p14="http://schemas.microsoft.com/office/powerpoint/2010/main" val="101950916"/>
-      </p:ext>
-    </p:extLst>
-  </p:cSld>
-  <p:clrMapOvr>
-    <a:masterClrMapping/>
-  </p:clrMapOvr>
-  <mc:AlternateContent xmlns:mc="http://schemas.openxmlformats.org/markup-compatibility/2006" xmlns:p14="http://schemas.microsoft.com/office/powerpoint/2010/main">
-    <mc:Choice Requires="p14">
-      <p:transition spd="med" p14:dur="700">
-        <p:fade/>
-      </p:transition>
-    </mc:Choice>
-    <mc:Fallback xmlns="">
-      <p:transition spd="med">
-        <p:fade/>
-      </p:transition>
-    </mc:Fallback>
-  </mc:AlternateContent>
-</p:sld>
-</file>
-
-<file path=ppt/slides/slide6.xml><?xml version="1.0" encoding="utf-8"?>
-<p:sld xmlns:a="http://schemas.openxmlformats.org/drawingml/2006/main" xmlns:r="http://schemas.openxmlformats.org/officeDocument/2006/relationships" xmlns:p="http://schemas.openxmlformats.org/presentationml/2006/main">
-  <p:cSld>
-    <p:spTree>
-      <p:nvGrpSpPr>
-        <p:cNvPr id="1" name=""/>
-        <p:cNvGrpSpPr/>
-        <p:nvPr/>
-      </p:nvGrpSpPr>
-      <p:grpSpPr>
-        <a:xfrm>
-          <a:off x="0" y="0"/>
-          <a:ext cx="0" cy="0"/>
-          <a:chOff x="0" y="0"/>
-          <a:chExt cx="0" cy="0"/>
-        </a:xfrm>
-      </p:grpSpPr>
-      <p:sp>
-        <p:nvSpPr>
-          <p:cNvPr id="13" name="Título 12"/>
-          <p:cNvSpPr>
-            <a:spLocks noGrp="1"/>
-          </p:cNvSpPr>
-          <p:nvPr>
-            <p:ph type="title"/>
-          </p:nvPr>
-        </p:nvSpPr>
-        <p:spPr/>
-        <p:txBody>
-          <a:bodyPr rtlCol="0"/>
-          <a:lstStyle/>
-          <a:p>
-            <a:pPr rtl="0"/>
-            <a:r>
-              <a:rPr lang="es-ES" sz="1800" dirty="0" err="1"/>
-              <a:t>Semantic</a:t>
-            </a:r>
-            <a:r>
-              <a:rPr lang="es-ES" sz="1800" dirty="0"/>
-              <a:t> Web</a:t>
-            </a:r>
-            <a:br>
-              <a:rPr lang="es-ES" sz="2000" dirty="0"/>
-            </a:br>
-            <a:r>
-              <a:rPr lang="es-ES" sz="3600" dirty="0"/>
-              <a:t>1. </a:t>
-            </a:r>
-            <a:r>
-              <a:rPr lang="es-ES" sz="3600" dirty="0" err="1"/>
-              <a:t>The</a:t>
-            </a:r>
-            <a:r>
-              <a:rPr lang="es-ES" sz="3600" dirty="0"/>
-              <a:t> </a:t>
-            </a:r>
-            <a:r>
-              <a:rPr lang="es-ES" b="1" dirty="0" err="1"/>
-              <a:t>traditional</a:t>
-            </a:r>
-            <a:r>
-              <a:rPr lang="es-ES" sz="3600" dirty="0"/>
-              <a:t> </a:t>
-            </a:r>
-            <a:r>
-              <a:rPr lang="es-ES" sz="3600" dirty="0" err="1"/>
-              <a:t>way</a:t>
-            </a:r>
-            <a:r>
-              <a:rPr lang="es-ES" sz="3600" dirty="0"/>
-              <a:t> – Web </a:t>
-            </a:r>
-            <a:r>
-              <a:rPr lang="es-ES" sz="3600" dirty="0" err="1"/>
-              <a:t>scraping</a:t>
-            </a:r>
-            <a:endParaRPr lang="es-ES" sz="2000" dirty="0"/>
-          </a:p>
-        </p:txBody>
-      </p:sp>
-      <p:sp>
-        <p:nvSpPr>
-          <p:cNvPr id="14" name="Marcador de posición de contenido 13"/>
-          <p:cNvSpPr>
-            <a:spLocks noGrp="1"/>
-          </p:cNvSpPr>
-          <p:nvPr>
-            <p:ph idx="1"/>
-          </p:nvPr>
-        </p:nvSpPr>
-        <p:spPr/>
-        <p:txBody>
-          <a:bodyPr rtlCol="0">
-            <a:normAutofit fontScale="85000" lnSpcReduction="20000"/>
-          </a:bodyPr>
-          <a:lstStyle/>
-          <a:p>
-            <a:pPr marL="68580" lvl="0" indent="0" rtl="0">
-              <a:buNone/>
-            </a:pPr>
-            <a:r>
-              <a:rPr lang="es-ES" sz="2400" dirty="0"/>
-              <a:t>Q: </a:t>
-            </a:r>
-            <a:r>
-              <a:rPr lang="es-ES" sz="2400" dirty="0" err="1"/>
-              <a:t>What</a:t>
-            </a:r>
-            <a:r>
-              <a:rPr lang="es-ES" sz="2400" dirty="0"/>
-              <a:t> </a:t>
-            </a:r>
-            <a:r>
-              <a:rPr lang="es-ES" sz="2400" dirty="0" err="1"/>
-              <a:t>is</a:t>
-            </a:r>
-            <a:r>
-              <a:rPr lang="es-ES" sz="2400" dirty="0"/>
-              <a:t> web </a:t>
-            </a:r>
-            <a:r>
-              <a:rPr lang="es-ES" sz="2400" dirty="0" err="1"/>
-              <a:t>scraping</a:t>
-            </a:r>
-            <a:r>
-              <a:rPr lang="es-ES" sz="2400" dirty="0"/>
-              <a:t>?</a:t>
-            </a:r>
-          </a:p>
-          <a:p>
-            <a:pPr marL="68580" lvl="0" indent="0" rtl="0">
-              <a:buNone/>
-            </a:pPr>
-            <a:r>
-              <a:rPr lang="es-ES" sz="2400" dirty="0"/>
-              <a:t>A: In short, </a:t>
-            </a:r>
-            <a:r>
-              <a:rPr lang="es-ES" sz="2400" dirty="0" err="1"/>
-              <a:t>we</a:t>
-            </a:r>
-            <a:r>
-              <a:rPr lang="es-ES" sz="2400" dirty="0"/>
-              <a:t> </a:t>
-            </a:r>
-            <a:r>
-              <a:rPr lang="es-ES" sz="2400" dirty="0" err="1"/>
-              <a:t>specify</a:t>
-            </a:r>
-            <a:r>
-              <a:rPr lang="es-ES" sz="2400" dirty="0"/>
-              <a:t> a ‘base </a:t>
-            </a:r>
-            <a:r>
-              <a:rPr lang="es-ES" sz="2400" dirty="0" err="1"/>
-              <a:t>website</a:t>
-            </a:r>
-            <a:r>
-              <a:rPr lang="es-ES" sz="2400" dirty="0"/>
-              <a:t>’ and </a:t>
-            </a:r>
-            <a:r>
-              <a:rPr lang="es-ES" sz="2400" dirty="0" err="1"/>
-              <a:t>get</a:t>
-            </a:r>
-            <a:r>
-              <a:rPr lang="es-ES" sz="2400" dirty="0"/>
-              <a:t> </a:t>
-            </a:r>
-            <a:r>
-              <a:rPr lang="es-ES" sz="2400" dirty="0" err="1"/>
-              <a:t>its</a:t>
-            </a:r>
-            <a:r>
-              <a:rPr lang="es-ES" sz="2400" dirty="0"/>
-              <a:t> </a:t>
-            </a:r>
-            <a:r>
-              <a:rPr lang="es-ES" sz="2400" dirty="0" err="1"/>
-              <a:t>content</a:t>
-            </a:r>
-            <a:r>
-              <a:rPr lang="es-ES" sz="2400" dirty="0"/>
-              <a:t>, </a:t>
-            </a:r>
-            <a:r>
-              <a:rPr lang="es-ES" sz="2400" dirty="0" err="1"/>
-              <a:t>then</a:t>
-            </a:r>
-            <a:r>
-              <a:rPr lang="es-ES" sz="2400" dirty="0"/>
-              <a:t> </a:t>
-            </a:r>
-            <a:r>
-              <a:rPr lang="es-ES" sz="2400" dirty="0" err="1"/>
-              <a:t>follow</a:t>
-            </a:r>
-            <a:r>
-              <a:rPr lang="es-ES" sz="2400" dirty="0"/>
-              <a:t> </a:t>
-            </a:r>
-            <a:r>
-              <a:rPr lang="es-ES" sz="2400" dirty="0" err="1"/>
-              <a:t>its</a:t>
-            </a:r>
-            <a:r>
-              <a:rPr lang="es-ES" sz="2400" dirty="0"/>
-              <a:t> </a:t>
-            </a:r>
-            <a:r>
-              <a:rPr lang="es-ES" sz="2400" dirty="0" err="1"/>
-              <a:t>hyperlinks</a:t>
-            </a:r>
-            <a:r>
-              <a:rPr lang="es-ES" sz="2400" dirty="0"/>
-              <a:t> </a:t>
-            </a:r>
-            <a:r>
-              <a:rPr lang="es-ES" sz="2400" dirty="0" err="1"/>
-              <a:t>until</a:t>
-            </a:r>
-            <a:r>
-              <a:rPr lang="es-ES" sz="2400" dirty="0"/>
-              <a:t> </a:t>
-            </a:r>
-            <a:r>
-              <a:rPr lang="es-ES" sz="2400" dirty="0" err="1"/>
-              <a:t>some</a:t>
-            </a:r>
-            <a:r>
-              <a:rPr lang="es-ES" sz="2400" dirty="0"/>
-              <a:t> </a:t>
-            </a:r>
-            <a:r>
-              <a:rPr lang="es-ES" sz="2400" dirty="0" err="1"/>
-              <a:t>useful</a:t>
-            </a:r>
-            <a:r>
-              <a:rPr lang="es-ES" sz="2400" dirty="0"/>
-              <a:t> data </a:t>
-            </a:r>
-            <a:r>
-              <a:rPr lang="es-ES" sz="2400" dirty="0" err="1"/>
-              <a:t>is</a:t>
-            </a:r>
-            <a:r>
-              <a:rPr lang="es-ES" sz="2400" dirty="0"/>
-              <a:t> </a:t>
-            </a:r>
-            <a:r>
-              <a:rPr lang="es-ES" sz="2400" dirty="0" err="1"/>
-              <a:t>found</a:t>
-            </a:r>
-            <a:r>
-              <a:rPr lang="es-ES" sz="2400" dirty="0"/>
-              <a:t>.</a:t>
-            </a:r>
-          </a:p>
-          <a:p>
-            <a:pPr marL="68580" lvl="0" indent="0" rtl="0">
-              <a:buNone/>
-            </a:pPr>
-            <a:endParaRPr lang="es-ES" sz="2400" dirty="0"/>
-          </a:p>
-          <a:p>
-            <a:pPr marL="68580" lvl="0" indent="0" rtl="0">
-              <a:buNone/>
-            </a:pPr>
-            <a:r>
-              <a:rPr lang="es-ES" sz="2400" dirty="0"/>
-              <a:t>Q: </a:t>
-            </a:r>
-            <a:r>
-              <a:rPr lang="es-ES" sz="2400" dirty="0" err="1"/>
-              <a:t>How</a:t>
-            </a:r>
-            <a:r>
-              <a:rPr lang="es-ES" sz="2400" dirty="0"/>
-              <a:t> </a:t>
-            </a:r>
-            <a:r>
-              <a:rPr lang="es-ES" sz="2400" dirty="0" err="1"/>
-              <a:t>is</a:t>
-            </a:r>
-            <a:r>
-              <a:rPr lang="es-ES" sz="2400" dirty="0"/>
-              <a:t> web </a:t>
-            </a:r>
-            <a:r>
-              <a:rPr lang="es-ES" sz="2400" dirty="0" err="1"/>
-              <a:t>scraping</a:t>
-            </a:r>
-            <a:r>
-              <a:rPr lang="es-ES" sz="2400" dirty="0"/>
-              <a:t> done </a:t>
-            </a:r>
-            <a:r>
-              <a:rPr lang="es-ES" sz="2400" dirty="0" err="1"/>
-              <a:t>on</a:t>
-            </a:r>
-            <a:r>
-              <a:rPr lang="es-ES" sz="2400" dirty="0"/>
-              <a:t> Android?</a:t>
-            </a:r>
-          </a:p>
-          <a:p>
-            <a:pPr marL="68580" indent="0">
-              <a:buNone/>
-            </a:pPr>
-            <a:r>
-              <a:rPr lang="es-ES" sz="2400" dirty="0"/>
-              <a:t>A: </a:t>
-            </a:r>
-            <a:r>
-              <a:rPr lang="es-ES" sz="2400" dirty="0" err="1"/>
-              <a:t>Obscure</a:t>
-            </a:r>
-            <a:r>
-              <a:rPr lang="es-ES" sz="2400" dirty="0"/>
-              <a:t>, </a:t>
-            </a:r>
-            <a:r>
-              <a:rPr lang="es-ES" sz="2400" dirty="0" err="1"/>
-              <a:t>but</a:t>
-            </a:r>
-            <a:r>
-              <a:rPr lang="es-ES" sz="2400" dirty="0"/>
-              <a:t> </a:t>
-            </a:r>
-            <a:r>
-              <a:rPr lang="es-ES" sz="2400" dirty="0" err="1"/>
-              <a:t>there</a:t>
-            </a:r>
-            <a:r>
-              <a:rPr lang="es-ES" sz="2400" dirty="0"/>
-              <a:t> are 2 </a:t>
-            </a:r>
-            <a:r>
-              <a:rPr lang="es-ES" sz="2400" dirty="0" err="1"/>
-              <a:t>libraries</a:t>
-            </a:r>
-            <a:r>
-              <a:rPr lang="es-ES" sz="2400" dirty="0"/>
-              <a:t> </a:t>
-            </a:r>
-            <a:r>
-              <a:rPr lang="es-ES" sz="2400" i="1" dirty="0"/>
-              <a:t>org.w3c.dom</a:t>
-            </a:r>
-            <a:r>
-              <a:rPr lang="es-ES" sz="2400" dirty="0"/>
-              <a:t> and </a:t>
-            </a:r>
-            <a:r>
-              <a:rPr lang="es-ES" sz="2400" i="1" dirty="0" err="1"/>
-              <a:t>javax.xml.xpath.xpath</a:t>
-            </a:r>
-            <a:r>
-              <a:rPr lang="es-ES" sz="2400" dirty="0"/>
-              <a:t> </a:t>
-            </a:r>
-            <a:r>
-              <a:rPr lang="es-ES" sz="2400" dirty="0" err="1"/>
-              <a:t>on</a:t>
-            </a:r>
-            <a:r>
-              <a:rPr lang="es-ES" sz="2400" dirty="0"/>
-              <a:t> Android </a:t>
-            </a:r>
-            <a:r>
-              <a:rPr lang="es-ES" sz="2400" dirty="0" err="1"/>
-              <a:t>for</a:t>
-            </a:r>
-            <a:r>
-              <a:rPr lang="es-ES" sz="2400" dirty="0"/>
-              <a:t> </a:t>
-            </a:r>
-            <a:r>
-              <a:rPr lang="es-ES" sz="2400" dirty="0" err="1"/>
-              <a:t>writing</a:t>
-            </a:r>
-            <a:r>
-              <a:rPr lang="es-ES" sz="2400" dirty="0"/>
-              <a:t> </a:t>
-            </a:r>
-            <a:r>
-              <a:rPr lang="es-ES" sz="2400" dirty="0" err="1"/>
-              <a:t>your</a:t>
-            </a:r>
-            <a:r>
-              <a:rPr lang="es-ES" sz="2400" dirty="0"/>
-              <a:t> </a:t>
-            </a:r>
-            <a:r>
-              <a:rPr lang="es-ES" sz="2400" dirty="0" err="1"/>
-              <a:t>own</a:t>
-            </a:r>
-            <a:r>
-              <a:rPr lang="es-ES" sz="2400" dirty="0"/>
-              <a:t> </a:t>
-            </a:r>
-            <a:r>
-              <a:rPr lang="es-ES" sz="2400" dirty="0" err="1"/>
-              <a:t>crawlers</a:t>
-            </a:r>
-            <a:r>
-              <a:rPr lang="es-ES" sz="2400" dirty="0"/>
-              <a:t>. I </a:t>
-            </a:r>
-            <a:r>
-              <a:rPr lang="es-ES" sz="2400" dirty="0" err="1"/>
-              <a:t>send</a:t>
-            </a:r>
-            <a:r>
-              <a:rPr lang="es-ES" sz="2400" dirty="0"/>
-              <a:t> GET </a:t>
-            </a:r>
-            <a:r>
-              <a:rPr lang="es-ES" sz="2400" dirty="0" err="1"/>
-              <a:t>requests</a:t>
-            </a:r>
-            <a:r>
-              <a:rPr lang="es-ES" sz="2400" dirty="0"/>
-              <a:t> </a:t>
-            </a:r>
-            <a:r>
-              <a:rPr lang="es-ES" sz="2400" dirty="0" err="1"/>
-              <a:t>to</a:t>
-            </a:r>
-            <a:r>
-              <a:rPr lang="es-ES" sz="2400" dirty="0"/>
-              <a:t> </a:t>
-            </a:r>
-            <a:r>
-              <a:rPr lang="es-ES" sz="2400" dirty="0" err="1"/>
-              <a:t>get</a:t>
-            </a:r>
-            <a:r>
-              <a:rPr lang="es-ES" sz="2400" dirty="0"/>
-              <a:t> </a:t>
-            </a:r>
-            <a:r>
-              <a:rPr lang="es-ES" sz="2400" dirty="0" err="1"/>
-              <a:t>webpages</a:t>
-            </a:r>
-            <a:r>
-              <a:rPr lang="es-ES" sz="2400" dirty="0"/>
-              <a:t> </a:t>
-            </a:r>
-            <a:r>
-              <a:rPr lang="es-ES" sz="2400" dirty="0" err="1"/>
-              <a:t>using</a:t>
-            </a:r>
-            <a:r>
-              <a:rPr lang="es-ES" sz="2400" dirty="0"/>
-              <a:t> </a:t>
-            </a:r>
-            <a:r>
-              <a:rPr lang="es-ES" sz="2400" dirty="0" err="1"/>
-              <a:t>the</a:t>
-            </a:r>
-            <a:r>
-              <a:rPr lang="es-ES" sz="2400" dirty="0"/>
-              <a:t> </a:t>
-            </a:r>
-            <a:r>
-              <a:rPr lang="es-ES" sz="2400" dirty="0" err="1"/>
-              <a:t>OKHttp</a:t>
-            </a:r>
-            <a:r>
-              <a:rPr lang="es-ES" sz="2400" dirty="0"/>
-              <a:t> </a:t>
-            </a:r>
-            <a:r>
-              <a:rPr lang="es-ES" sz="2400" dirty="0" err="1"/>
-              <a:t>library</a:t>
-            </a:r>
-            <a:r>
-              <a:rPr lang="es-ES" sz="2400" dirty="0"/>
-              <a:t>. I use </a:t>
-            </a:r>
-            <a:r>
-              <a:rPr lang="es-ES" sz="2400" dirty="0" err="1"/>
-              <a:t>RegEx</a:t>
-            </a:r>
-            <a:r>
-              <a:rPr lang="es-ES" sz="2400" dirty="0"/>
-              <a:t> </a:t>
-            </a:r>
-            <a:r>
-              <a:rPr lang="es-ES" sz="2400" dirty="0" err="1"/>
-              <a:t>too</a:t>
-            </a:r>
-            <a:r>
-              <a:rPr lang="es-ES" sz="2400" dirty="0"/>
-              <a:t> </a:t>
-            </a:r>
-            <a:r>
-              <a:rPr lang="es-ES" sz="2400" dirty="0" err="1"/>
-              <a:t>to</a:t>
-            </a:r>
-            <a:r>
-              <a:rPr lang="es-ES" sz="2400" dirty="0"/>
-              <a:t> look </a:t>
-            </a:r>
-            <a:r>
-              <a:rPr lang="es-ES" sz="2400" dirty="0" err="1"/>
-              <a:t>for</a:t>
-            </a:r>
-            <a:r>
-              <a:rPr lang="es-ES" sz="2400" dirty="0"/>
-              <a:t> </a:t>
-            </a:r>
-            <a:r>
-              <a:rPr lang="es-ES" sz="2400" dirty="0" err="1"/>
-              <a:t>interesting</a:t>
-            </a:r>
-            <a:r>
-              <a:rPr lang="es-ES" sz="2400" dirty="0"/>
-              <a:t> data.</a:t>
-            </a:r>
-          </a:p>
-          <a:p>
-            <a:pPr marL="68580" indent="0">
-              <a:buNone/>
-            </a:pPr>
-            <a:endParaRPr lang="es-ES" sz="2400" dirty="0"/>
-          </a:p>
-          <a:p>
-            <a:pPr marL="68580" indent="0">
-              <a:buNone/>
-            </a:pPr>
-            <a:r>
-              <a:rPr lang="es-ES" sz="2400" dirty="0"/>
-              <a:t>Q: </a:t>
-            </a:r>
-            <a:r>
-              <a:rPr lang="es-ES" sz="2400" dirty="0" err="1"/>
-              <a:t>What</a:t>
-            </a:r>
-            <a:r>
-              <a:rPr lang="es-ES" sz="2400" dirty="0"/>
-              <a:t> </a:t>
-            </a:r>
-            <a:r>
-              <a:rPr lang="es-ES" sz="2400" dirty="0" err="1"/>
-              <a:t>is</a:t>
-            </a:r>
-            <a:r>
-              <a:rPr lang="es-ES" sz="2400" dirty="0"/>
-              <a:t> </a:t>
-            </a:r>
-            <a:r>
-              <a:rPr lang="es-ES" sz="2400" dirty="0" err="1"/>
-              <a:t>XPath</a:t>
-            </a:r>
-            <a:r>
-              <a:rPr lang="es-ES" sz="2400" dirty="0"/>
-              <a:t>? </a:t>
-            </a:r>
-            <a:r>
-              <a:rPr lang="es-ES" sz="2400" dirty="0" err="1"/>
-              <a:t>Any</a:t>
-            </a:r>
-            <a:r>
-              <a:rPr lang="es-ES" sz="2400" dirty="0"/>
-              <a:t> </a:t>
-            </a:r>
-            <a:r>
-              <a:rPr lang="es-ES" sz="2400" dirty="0" err="1"/>
-              <a:t>example</a:t>
-            </a:r>
-            <a:r>
-              <a:rPr lang="es-ES" sz="2400" dirty="0"/>
-              <a:t>?</a:t>
-            </a:r>
-          </a:p>
-          <a:p>
-            <a:pPr marL="68580" indent="0">
-              <a:buNone/>
-            </a:pPr>
-            <a:r>
-              <a:rPr lang="es-ES" sz="2400" dirty="0"/>
-              <a:t>A: </a:t>
-            </a:r>
-            <a:r>
-              <a:rPr lang="es-ES" sz="2400" dirty="0" err="1"/>
-              <a:t>XPath</a:t>
-            </a:r>
-            <a:r>
-              <a:rPr lang="es-ES" sz="2400" dirty="0"/>
-              <a:t> </a:t>
-            </a:r>
-            <a:r>
-              <a:rPr lang="es-ES" sz="2400" dirty="0" err="1"/>
-              <a:t>is</a:t>
-            </a:r>
-            <a:r>
-              <a:rPr lang="es-ES" sz="2400" dirty="0"/>
-              <a:t> a </a:t>
-            </a:r>
-            <a:r>
-              <a:rPr lang="es-ES" sz="2400" dirty="0" err="1"/>
-              <a:t>query</a:t>
-            </a:r>
-            <a:r>
-              <a:rPr lang="es-ES" sz="2400" dirty="0"/>
-              <a:t> </a:t>
-            </a:r>
-            <a:r>
-              <a:rPr lang="es-ES" sz="2400" dirty="0" err="1"/>
-              <a:t>language</a:t>
-            </a:r>
-            <a:r>
-              <a:rPr lang="es-ES" sz="2400" dirty="0"/>
-              <a:t>, </a:t>
-            </a:r>
-            <a:r>
-              <a:rPr lang="es-ES" sz="2400" dirty="0" err="1"/>
-              <a:t>like</a:t>
-            </a:r>
-            <a:r>
-              <a:rPr lang="es-ES" sz="2400" dirty="0"/>
-              <a:t> a DOM selector </a:t>
-            </a:r>
-            <a:r>
-              <a:rPr lang="es-ES" sz="2400" dirty="0" err="1"/>
-              <a:t>but</a:t>
-            </a:r>
-            <a:r>
-              <a:rPr lang="es-ES" sz="2400" dirty="0"/>
-              <a:t> </a:t>
-            </a:r>
-            <a:r>
-              <a:rPr lang="es-ES" sz="2400" dirty="0" err="1"/>
-              <a:t>with</a:t>
-            </a:r>
-            <a:r>
-              <a:rPr lang="es-ES" sz="2400" dirty="0"/>
-              <a:t> </a:t>
-            </a:r>
-            <a:r>
-              <a:rPr lang="es-ES" sz="2400" dirty="0" err="1">
-                <a:solidFill>
-                  <a:schemeClr val="accent2"/>
-                </a:solidFill>
-              </a:rPr>
-              <a:t>predicates</a:t>
-            </a:r>
-            <a:r>
-              <a:rPr lang="es-ES" sz="2400" dirty="0"/>
-              <a:t>, </a:t>
-            </a:r>
-            <a:r>
-              <a:rPr lang="es-ES" sz="2400" dirty="0" err="1">
-                <a:solidFill>
-                  <a:srgbClr val="FFFF00"/>
-                </a:solidFill>
-              </a:rPr>
-              <a:t>wildcards</a:t>
-            </a:r>
-            <a:r>
-              <a:rPr lang="es-ES" sz="2400" dirty="0"/>
-              <a:t>, </a:t>
-            </a:r>
-            <a:r>
-              <a:rPr lang="es-ES" sz="2400" dirty="0" err="1"/>
-              <a:t>math</a:t>
-            </a:r>
-            <a:r>
-              <a:rPr lang="es-ES" sz="2400" dirty="0"/>
-              <a:t> </a:t>
-            </a:r>
-            <a:r>
-              <a:rPr lang="es-ES" sz="2400" dirty="0" err="1"/>
-              <a:t>functions</a:t>
-            </a:r>
-            <a:r>
-              <a:rPr lang="es-ES" sz="2400" dirty="0"/>
-              <a:t> and </a:t>
-            </a:r>
-            <a:r>
-              <a:rPr lang="es-ES" sz="2400" dirty="0" err="1"/>
-              <a:t>operators</a:t>
-            </a:r>
-            <a:r>
-              <a:rPr lang="es-ES" sz="2400" dirty="0"/>
-              <a:t>. </a:t>
-            </a:r>
-          </a:p>
-          <a:p>
-            <a:pPr marL="68580" indent="0">
-              <a:buNone/>
-            </a:pPr>
-            <a:r>
-              <a:rPr lang="es-ES" sz="2400" dirty="0">
-                <a:solidFill>
-                  <a:srgbClr val="FFFF00"/>
-                </a:solidFill>
-              </a:rPr>
-              <a:t>//*</a:t>
-            </a:r>
-            <a:r>
-              <a:rPr lang="es-ES" sz="2400" dirty="0">
-                <a:solidFill>
-                  <a:schemeClr val="accent5"/>
-                </a:solidFill>
-              </a:rPr>
-              <a:t>[@id="</a:t>
-            </a:r>
-            <a:r>
-              <a:rPr lang="es-ES" sz="2400" dirty="0" err="1">
-                <a:solidFill>
-                  <a:schemeClr val="accent5"/>
-                </a:solidFill>
-              </a:rPr>
-              <a:t>mw-content-text</a:t>
-            </a:r>
-            <a:r>
-              <a:rPr lang="es-ES" sz="2400" dirty="0">
-                <a:solidFill>
-                  <a:schemeClr val="accent5"/>
-                </a:solidFill>
-              </a:rPr>
-              <a:t>"]</a:t>
-            </a:r>
-            <a:r>
-              <a:rPr lang="es-ES" sz="2400" dirty="0"/>
-              <a:t>/div/table/</a:t>
-            </a:r>
-            <a:r>
-              <a:rPr lang="es-ES" sz="2400" dirty="0" err="1"/>
-              <a:t>tbody</a:t>
-            </a:r>
-            <a:r>
-              <a:rPr lang="es-ES" sz="2400" dirty="0"/>
-              <a:t>/</a:t>
-            </a:r>
-            <a:r>
-              <a:rPr lang="es-ES" sz="2400" dirty="0" err="1"/>
-              <a:t>tr</a:t>
-            </a:r>
-            <a:r>
-              <a:rPr lang="es-ES" sz="2400" dirty="0"/>
-              <a:t>/</a:t>
-            </a:r>
-            <a:r>
-              <a:rPr lang="es-ES" sz="2400" dirty="0" err="1"/>
-              <a:t>td</a:t>
-            </a:r>
-            <a:r>
-              <a:rPr lang="es-ES" sz="2400" dirty="0"/>
-              <a:t>/table/</a:t>
-            </a:r>
-            <a:r>
-              <a:rPr lang="es-ES" sz="2400" dirty="0" err="1"/>
-              <a:t>tbody</a:t>
-            </a:r>
-            <a:r>
-              <a:rPr lang="es-ES" sz="2400" dirty="0"/>
-              <a:t>/</a:t>
-            </a:r>
-            <a:r>
-              <a:rPr lang="es-ES" sz="2400" dirty="0" err="1"/>
-              <a:t>tr</a:t>
-            </a:r>
-            <a:r>
-              <a:rPr lang="es-ES" sz="2400" dirty="0"/>
-              <a:t>/</a:t>
-            </a:r>
-            <a:r>
-              <a:rPr lang="es-ES" sz="2400" dirty="0" err="1"/>
-              <a:t>td</a:t>
-            </a:r>
-            <a:r>
-              <a:rPr lang="es-ES" sz="2400" dirty="0"/>
-              <a:t>/table/</a:t>
-            </a:r>
-            <a:r>
-              <a:rPr lang="es-ES" sz="2400" dirty="0" err="1"/>
-              <a:t>tbody</a:t>
-            </a:r>
-            <a:r>
-              <a:rPr lang="es-ES" sz="2400" dirty="0"/>
-              <a:t>/</a:t>
-            </a:r>
-            <a:r>
-              <a:rPr lang="es-ES" sz="2400" dirty="0" err="1"/>
-              <a:t>tr</a:t>
-            </a:r>
-            <a:r>
-              <a:rPr lang="es-ES" sz="2400" dirty="0"/>
-              <a:t>/</a:t>
-            </a:r>
-            <a:r>
-              <a:rPr lang="es-ES" sz="2400" dirty="0" err="1"/>
-              <a:t>td</a:t>
-            </a:r>
-            <a:r>
-              <a:rPr lang="es-ES" sz="2400" dirty="0">
-                <a:solidFill>
-                  <a:srgbClr val="FFFF00"/>
-                </a:solidFill>
-              </a:rPr>
-              <a:t>//</a:t>
-            </a:r>
-            <a:r>
-              <a:rPr lang="es-ES" sz="2400" dirty="0"/>
-              <a:t>p</a:t>
-            </a:r>
-            <a:r>
-              <a:rPr lang="es-ES" sz="2400" dirty="0">
-                <a:solidFill>
-                  <a:schemeClr val="accent2"/>
-                </a:solidFill>
-              </a:rPr>
-              <a:t>[b/</a:t>
-            </a:r>
-            <a:r>
-              <a:rPr lang="es-ES" sz="2400" dirty="0" err="1">
-                <a:solidFill>
-                  <a:schemeClr val="accent2"/>
-                </a:solidFill>
-              </a:rPr>
-              <a:t>text</a:t>
-            </a:r>
-            <a:r>
-              <a:rPr lang="es-ES" sz="2400" dirty="0">
-                <a:solidFill>
-                  <a:schemeClr val="accent2"/>
-                </a:solidFill>
-              </a:rPr>
-              <a:t>()=“</a:t>
-            </a:r>
-            <a:r>
-              <a:rPr lang="es-ES" sz="2400" dirty="0" err="1">
-                <a:solidFill>
-                  <a:schemeClr val="accent2"/>
-                </a:solidFill>
-              </a:rPr>
-              <a:t>fr</a:t>
-            </a:r>
-            <a:r>
-              <a:rPr lang="es-ES" sz="2400" dirty="0">
-                <a:solidFill>
-                  <a:schemeClr val="accent2"/>
-                </a:solidFill>
-              </a:rPr>
-              <a:t>"]</a:t>
-            </a:r>
-            <a:r>
-              <a:rPr lang="es-ES" sz="2400" dirty="0"/>
-              <a:t>/a</a:t>
-            </a:r>
-            <a:r>
-              <a:rPr lang="es-ES" sz="2400" dirty="0">
-                <a:solidFill>
-                  <a:schemeClr val="accent2"/>
-                </a:solidFill>
-              </a:rPr>
-              <a:t>[</a:t>
-            </a:r>
-            <a:r>
-              <a:rPr lang="es-ES" sz="2400" dirty="0" err="1">
-                <a:solidFill>
-                  <a:schemeClr val="accent2"/>
-                </a:solidFill>
-              </a:rPr>
-              <a:t>not</a:t>
-            </a:r>
-            <a:r>
-              <a:rPr lang="es-ES" sz="2400" dirty="0">
-                <a:solidFill>
-                  <a:schemeClr val="accent2"/>
-                </a:solidFill>
-              </a:rPr>
-              <a:t>(.//</a:t>
-            </a:r>
-            <a:r>
-              <a:rPr lang="es-ES" sz="2400" dirty="0" err="1">
-                <a:solidFill>
-                  <a:schemeClr val="accent2"/>
-                </a:solidFill>
-              </a:rPr>
-              <a:t>img</a:t>
-            </a:r>
-            <a:r>
-              <a:rPr lang="es-ES" sz="2400" dirty="0">
-                <a:solidFill>
-                  <a:schemeClr val="accent2"/>
-                </a:solidFill>
-              </a:rPr>
-              <a:t>)]</a:t>
-            </a:r>
-            <a:r>
-              <a:rPr lang="es-ES" sz="2400" dirty="0"/>
-              <a:t>[1]</a:t>
-            </a:r>
-          </a:p>
-          <a:p>
-            <a:endParaRPr lang="es-ES" dirty="0"/>
-          </a:p>
-        </p:txBody>
-      </p:sp>
-      <p:pic>
-        <p:nvPicPr>
-          <p:cNvPr id="5" name="Picture 6" descr="https://bangladroid.files.wordpress.com/2017/03/xpath_logo2.jpg?w=1400">
-            <a:extLst>
-              <a:ext uri="{FF2B5EF4-FFF2-40B4-BE49-F238E27FC236}">
-                <a16:creationId xmlns:a16="http://schemas.microsoft.com/office/drawing/2014/main" id="{267CE06E-3AC5-4F3D-B6A1-E9D847215400}"/>
-              </a:ext>
-            </a:extLst>
-          </p:cNvPr>
-          <p:cNvPicPr>
-            <a:picLocks noChangeAspect="1" noChangeArrowheads="1"/>
-          </p:cNvPicPr>
-          <p:nvPr/>
-        </p:nvPicPr>
-        <p:blipFill>
-          <a:blip r:embed="rId3" cstate="print">
-            <a:extLst>
-              <a:ext uri="{28A0092B-C50C-407E-A947-70E740481C1C}">
-                <a14:useLocalDpi xmlns:a14="http://schemas.microsoft.com/office/drawing/2010/main" val="0"/>
-              </a:ext>
-            </a:extLst>
-          </a:blip>
-          <a:srcRect/>
-          <a:stretch>
-            <a:fillRect/>
-          </a:stretch>
-        </p:blipFill>
-        <p:spPr bwMode="auto">
-          <a:xfrm>
-            <a:off x="8953772" y="119985"/>
-            <a:ext cx="1676128" cy="784157"/>
-          </a:xfrm>
-          <a:prstGeom prst="rect">
-            <a:avLst/>
-          </a:prstGeom>
-          <a:noFill/>
-          <a:extLst>
-            <a:ext uri="{909E8E84-426E-40DD-AFC4-6F175D3DCCD1}">
-              <a14:hiddenFill xmlns:a14="http://schemas.microsoft.com/office/drawing/2010/main">
-                <a:solidFill>
-                  <a:srgbClr val="FFFFFF"/>
-                </a:solidFill>
-              </a14:hiddenFill>
-            </a:ext>
-          </a:extLst>
-        </p:spPr>
-      </p:pic>
-      <p:pic>
-        <p:nvPicPr>
-          <p:cNvPr id="2051" name="Picture 3" descr="ç¸éåç">
-            <a:extLst>
-              <a:ext uri="{FF2B5EF4-FFF2-40B4-BE49-F238E27FC236}">
-                <a16:creationId xmlns:a16="http://schemas.microsoft.com/office/drawing/2014/main" id="{B3209FCD-1755-4BBD-8EC5-C06BDE4B6557}"/>
-              </a:ext>
-            </a:extLst>
-          </p:cNvPr>
-          <p:cNvPicPr>
-            <a:picLocks noChangeAspect="1" noChangeArrowheads="1"/>
-          </p:cNvPicPr>
-          <p:nvPr/>
-        </p:nvPicPr>
-        <p:blipFill>
-          <a:blip r:embed="rId4">
-            <a:extLst>
-              <a:ext uri="{28A0092B-C50C-407E-A947-70E740481C1C}">
-                <a14:useLocalDpi xmlns:a14="http://schemas.microsoft.com/office/drawing/2010/main" val="0"/>
-              </a:ext>
-            </a:extLst>
-          </a:blip>
-          <a:srcRect/>
-          <a:stretch>
-            <a:fillRect/>
-          </a:stretch>
-        </p:blipFill>
-        <p:spPr bwMode="auto">
-          <a:xfrm>
-            <a:off x="10629900" y="271548"/>
-            <a:ext cx="1402443" cy="1395431"/>
-          </a:xfrm>
-          <a:prstGeom prst="rect">
-            <a:avLst/>
-          </a:prstGeom>
-          <a:noFill/>
-          <a:extLst>
-            <a:ext uri="{909E8E84-426E-40DD-AFC4-6F175D3DCCD1}">
-              <a14:hiddenFill xmlns:a14="http://schemas.microsoft.com/office/drawing/2010/main">
-                <a:solidFill>
-                  <a:srgbClr val="FFFFFF"/>
-                </a:solidFill>
-              </a14:hiddenFill>
-            </a:ext>
-          </a:extLst>
-        </p:spPr>
-      </p:pic>
-      <p:sp>
-        <p:nvSpPr>
-          <p:cNvPr id="3" name="CuadroTexto 2">
-            <a:extLst>
-              <a:ext uri="{FF2B5EF4-FFF2-40B4-BE49-F238E27FC236}">
-                <a16:creationId xmlns:a16="http://schemas.microsoft.com/office/drawing/2014/main" id="{F71B58C2-2450-4C37-ABC6-5EFC2503908A}"/>
-              </a:ext>
-            </a:extLst>
-          </p:cNvPr>
-          <p:cNvSpPr txBox="1"/>
-          <p:nvPr/>
-        </p:nvSpPr>
-        <p:spPr>
-          <a:xfrm>
-            <a:off x="10972800" y="1633876"/>
-            <a:ext cx="928459" cy="369332"/>
-          </a:xfrm>
-          <a:prstGeom prst="rect">
-            <a:avLst/>
-          </a:prstGeom>
-          <a:noFill/>
-        </p:spPr>
-        <p:txBody>
-          <a:bodyPr wrap="none" rtlCol="0">
-            <a:spAutoFit/>
-          </a:bodyPr>
-          <a:lstStyle/>
-          <a:p>
-            <a:r>
-              <a:rPr lang="en-GB" dirty="0"/>
-              <a:t>crawler</a:t>
-            </a:r>
-          </a:p>
-        </p:txBody>
-      </p:sp>
-    </p:spTree>
-    <p:extLst>
-      <p:ext uri="{BB962C8B-B14F-4D97-AF65-F5344CB8AC3E}">
-        <p14:creationId xmlns:p14="http://schemas.microsoft.com/office/powerpoint/2010/main" val="2409311953"/>
-      </p:ext>
-    </p:extLst>
-  </p:cSld>
-  <p:clrMapOvr>
-    <a:masterClrMapping/>
-  </p:clrMapOvr>
-  <mc:AlternateContent xmlns:mc="http://schemas.openxmlformats.org/markup-compatibility/2006" xmlns:p14="http://schemas.microsoft.com/office/powerpoint/2010/main">
-    <mc:Choice Requires="p14">
-      <p:transition spd="med" p14:dur="700">
-        <p:fade/>
-      </p:transition>
-    </mc:Choice>
-    <mc:Fallback xmlns="">
-      <p:transition spd="med">
-        <p:fade/>
-      </p:transition>
-    </mc:Fallback>
-  </mc:AlternateContent>
-</p:sld>
-</file>
-
-<file path=ppt/slides/slide7.xml><?xml version="1.0" encoding="utf-8"?>
-<p:sld xmlns:a="http://schemas.openxmlformats.org/drawingml/2006/main" xmlns:r="http://schemas.openxmlformats.org/officeDocument/2006/relationships" xmlns:p="http://schemas.openxmlformats.org/presentationml/2006/main">
-  <p:cSld>
-    <p:spTree>
-      <p:nvGrpSpPr>
-        <p:cNvPr id="1" name=""/>
-        <p:cNvGrpSpPr/>
-        <p:nvPr/>
-      </p:nvGrpSpPr>
-      <p:grpSpPr>
-        <a:xfrm>
-          <a:off x="0" y="0"/>
-          <a:ext cx="0" cy="0"/>
-          <a:chOff x="0" y="0"/>
-          <a:chExt cx="0" cy="0"/>
-        </a:xfrm>
-      </p:grpSpPr>
-      <p:sp>
-        <p:nvSpPr>
-          <p:cNvPr id="2" name="Título 1">
-            <a:extLst>
-              <a:ext uri="{FF2B5EF4-FFF2-40B4-BE49-F238E27FC236}">
-                <a16:creationId xmlns:a16="http://schemas.microsoft.com/office/drawing/2014/main" id="{6A9EBEC9-9DAA-486E-A096-DF4B77E0E150}"/>
-              </a:ext>
-            </a:extLst>
-          </p:cNvPr>
-          <p:cNvSpPr>
-            <a:spLocks noGrp="1"/>
-          </p:cNvSpPr>
-          <p:nvPr>
-            <p:ph type="title"/>
-          </p:nvPr>
-        </p:nvSpPr>
-        <p:spPr/>
-        <p:txBody>
-          <a:bodyPr/>
-          <a:lstStyle/>
-          <a:p>
-            <a:r>
-              <a:rPr lang="es-ES" sz="2000" dirty="0" err="1"/>
-              <a:t>Semantic</a:t>
-            </a:r>
-            <a:r>
-              <a:rPr lang="es-ES" sz="2000" dirty="0"/>
-              <a:t> Web</a:t>
-            </a:r>
-            <a:br>
-              <a:rPr lang="es-ES" sz="2400" dirty="0"/>
-            </a:br>
-            <a:r>
-              <a:rPr lang="es-ES" dirty="0"/>
-              <a:t>1. </a:t>
-            </a:r>
-            <a:r>
-              <a:rPr lang="es-ES" dirty="0" err="1"/>
-              <a:t>The</a:t>
-            </a:r>
-            <a:r>
-              <a:rPr lang="es-ES" dirty="0"/>
-              <a:t> </a:t>
-            </a:r>
-            <a:r>
-              <a:rPr lang="es-ES" b="1" dirty="0" err="1"/>
-              <a:t>traditional</a:t>
-            </a:r>
-            <a:r>
-              <a:rPr lang="es-ES" dirty="0"/>
-              <a:t> </a:t>
-            </a:r>
-            <a:r>
-              <a:rPr lang="es-ES" dirty="0" err="1"/>
-              <a:t>way</a:t>
-            </a:r>
-            <a:r>
-              <a:rPr lang="es-ES" dirty="0"/>
-              <a:t> – Web </a:t>
-            </a:r>
-            <a:r>
-              <a:rPr lang="es-ES" dirty="0" err="1"/>
-              <a:t>scraping</a:t>
-            </a:r>
-            <a:endParaRPr lang="en-GB" dirty="0"/>
-          </a:p>
-        </p:txBody>
-      </p:sp>
-      <p:sp>
-        <p:nvSpPr>
-          <p:cNvPr id="3" name="Marcador de contenido 2">
-            <a:extLst>
-              <a:ext uri="{FF2B5EF4-FFF2-40B4-BE49-F238E27FC236}">
-                <a16:creationId xmlns:a16="http://schemas.microsoft.com/office/drawing/2014/main" id="{D9981285-260A-4360-A305-2729D1CDAF38}"/>
-              </a:ext>
-            </a:extLst>
-          </p:cNvPr>
-          <p:cNvSpPr>
-            <a:spLocks noGrp="1"/>
-          </p:cNvSpPr>
-          <p:nvPr>
-            <p:ph idx="1"/>
-          </p:nvPr>
-        </p:nvSpPr>
-        <p:spPr/>
-        <p:txBody>
-          <a:bodyPr>
-            <a:normAutofit/>
-          </a:bodyPr>
-          <a:lstStyle/>
-          <a:p>
-            <a:pPr marL="68580" indent="0">
-              <a:buNone/>
-            </a:pPr>
-            <a:r>
-              <a:rPr lang="en-GB" sz="2400" dirty="0"/>
-              <a:t>Q: How do you group Wikipedia articles by topics?</a:t>
-            </a:r>
-          </a:p>
-          <a:p>
-            <a:pPr marL="68580" indent="0">
-              <a:buNone/>
-            </a:pPr>
-            <a:r>
-              <a:rPr lang="en-GB" sz="2400" dirty="0"/>
-              <a:t>A: Depending on the language of Wikipedia. In English and French Wikipedia, I use </a:t>
-            </a:r>
-            <a:r>
-              <a:rPr lang="en-GB" sz="2400" b="1" dirty="0" err="1"/>
-              <a:t>WikiProjects</a:t>
-            </a:r>
-            <a:r>
-              <a:rPr lang="en-GB" sz="2400" dirty="0"/>
-              <a:t>. In German and Ukrainian Wikipedia, I use </a:t>
-            </a:r>
-            <a:r>
-              <a:rPr lang="en-GB" sz="2400" b="1" dirty="0"/>
-              <a:t>Portals</a:t>
-            </a:r>
-            <a:r>
-              <a:rPr lang="en-GB" sz="2400" dirty="0"/>
-              <a:t>.</a:t>
-            </a:r>
-          </a:p>
-          <a:p>
-            <a:pPr marL="68580" indent="0">
-              <a:buNone/>
-            </a:pPr>
-            <a:endParaRPr lang="en-GB" sz="2400" dirty="0"/>
-          </a:p>
-          <a:p>
-            <a:pPr marL="68580" indent="0">
-              <a:buNone/>
-            </a:pPr>
-            <a:r>
-              <a:rPr lang="en-GB" sz="2400" dirty="0"/>
-              <a:t>Q: How do you ensure the articles are significant enough?</a:t>
-            </a:r>
-          </a:p>
-          <a:p>
-            <a:pPr marL="68580" indent="0">
-              <a:buNone/>
-            </a:pPr>
-            <a:r>
-              <a:rPr lang="en-GB" sz="2400" dirty="0"/>
-              <a:t>A: Depending on the language of Wikipedia. In English Wikipedia, I sort articles by recent </a:t>
-            </a:r>
-            <a:r>
-              <a:rPr lang="en-GB" sz="2400" b="1" dirty="0"/>
-              <a:t>popularity</a:t>
-            </a:r>
-            <a:r>
-              <a:rPr lang="en-GB" sz="2400" dirty="0"/>
-              <a:t> since the info is available. In other </a:t>
-            </a:r>
-            <a:r>
-              <a:rPr lang="en-GB" sz="2400" dirty="0" err="1"/>
-              <a:t>Wikipedias</a:t>
-            </a:r>
-            <a:r>
-              <a:rPr lang="en-GB" sz="2400" dirty="0"/>
-              <a:t>, I sort articles by the </a:t>
-            </a:r>
-            <a:r>
-              <a:rPr lang="en-GB" sz="2400" b="1" dirty="0" err="1"/>
-              <a:t>WikiProject</a:t>
-            </a:r>
-            <a:r>
-              <a:rPr lang="en-GB" sz="2400" b="1" dirty="0"/>
-              <a:t> quality scale </a:t>
-            </a:r>
-            <a:r>
-              <a:rPr lang="en-GB" sz="2400" dirty="0"/>
-              <a:t>(Featured &gt; A &gt; Good &gt; B…) or sieve by </a:t>
-            </a:r>
-            <a:r>
-              <a:rPr lang="en-GB" sz="2400" b="1" dirty="0"/>
-              <a:t>importance scale </a:t>
-            </a:r>
-            <a:r>
-              <a:rPr lang="en-GB" sz="2400" dirty="0"/>
-              <a:t>(Top &gt; High &gt; </a:t>
-            </a:r>
-            <a:r>
-              <a:rPr lang="en-GB" sz="2400" strike="sngStrike" dirty="0">
-                <a:solidFill>
-                  <a:schemeClr val="tx1">
-                    <a:lumMod val="65000"/>
-                  </a:schemeClr>
-                </a:solidFill>
-              </a:rPr>
-              <a:t>Mid &gt; Start &gt; Stub</a:t>
-            </a:r>
-            <a:r>
-              <a:rPr lang="en-GB" sz="2400" dirty="0"/>
-              <a:t>). </a:t>
-            </a:r>
-          </a:p>
-        </p:txBody>
-      </p:sp>
-      <p:pic>
-        <p:nvPicPr>
-          <p:cNvPr id="4" name="Picture 6" descr="https://bangladroid.files.wordpress.com/2017/03/xpath_logo2.jpg?w=1400">
-            <a:extLst>
-              <a:ext uri="{FF2B5EF4-FFF2-40B4-BE49-F238E27FC236}">
-                <a16:creationId xmlns:a16="http://schemas.microsoft.com/office/drawing/2014/main" id="{AFFA898B-36FD-4883-802E-078FA8089353}"/>
-              </a:ext>
-            </a:extLst>
-          </p:cNvPr>
-          <p:cNvPicPr>
-            <a:picLocks noChangeAspect="1" noChangeArrowheads="1"/>
-          </p:cNvPicPr>
-          <p:nvPr/>
-        </p:nvPicPr>
-        <p:blipFill>
-          <a:blip r:embed="rId2" cstate="print">
-            <a:extLst>
-              <a:ext uri="{28A0092B-C50C-407E-A947-70E740481C1C}">
-                <a14:useLocalDpi xmlns:a14="http://schemas.microsoft.com/office/drawing/2010/main" val="0"/>
-              </a:ext>
-            </a:extLst>
-          </a:blip>
-          <a:srcRect/>
-          <a:stretch>
-            <a:fillRect/>
-          </a:stretch>
-        </p:blipFill>
-        <p:spPr bwMode="auto">
-          <a:xfrm>
-            <a:off x="8953772" y="119985"/>
-            <a:ext cx="1676128" cy="784157"/>
-          </a:xfrm>
-          <a:prstGeom prst="rect">
-            <a:avLst/>
-          </a:prstGeom>
-          <a:noFill/>
-          <a:extLst>
-            <a:ext uri="{909E8E84-426E-40DD-AFC4-6F175D3DCCD1}">
-              <a14:hiddenFill xmlns:a14="http://schemas.microsoft.com/office/drawing/2010/main">
-                <a:solidFill>
-                  <a:srgbClr val="FFFFFF"/>
-                </a:solidFill>
-              </a14:hiddenFill>
-            </a:ext>
-          </a:extLst>
-        </p:spPr>
-      </p:pic>
-      <p:pic>
-        <p:nvPicPr>
-          <p:cNvPr id="5" name="Picture 3" descr="ç¸éåç">
-            <a:extLst>
-              <a:ext uri="{FF2B5EF4-FFF2-40B4-BE49-F238E27FC236}">
-                <a16:creationId xmlns:a16="http://schemas.microsoft.com/office/drawing/2014/main" id="{311626FB-D68D-44AB-B392-496C5F1A5EC1}"/>
-              </a:ext>
-            </a:extLst>
-          </p:cNvPr>
-          <p:cNvPicPr>
-            <a:picLocks noChangeAspect="1" noChangeArrowheads="1"/>
-          </p:cNvPicPr>
-          <p:nvPr/>
-        </p:nvPicPr>
-        <p:blipFill>
-          <a:blip r:embed="rId3">
-            <a:extLst>
-              <a:ext uri="{28A0092B-C50C-407E-A947-70E740481C1C}">
-                <a14:useLocalDpi xmlns:a14="http://schemas.microsoft.com/office/drawing/2010/main" val="0"/>
-              </a:ext>
-            </a:extLst>
-          </a:blip>
-          <a:srcRect/>
-          <a:stretch>
-            <a:fillRect/>
-          </a:stretch>
-        </p:blipFill>
-        <p:spPr bwMode="auto">
-          <a:xfrm>
-            <a:off x="10629900" y="271548"/>
-            <a:ext cx="1402443" cy="1395431"/>
-          </a:xfrm>
-          <a:prstGeom prst="rect">
-            <a:avLst/>
-          </a:prstGeom>
-          <a:noFill/>
-          <a:extLst>
-            <a:ext uri="{909E8E84-426E-40DD-AFC4-6F175D3DCCD1}">
-              <a14:hiddenFill xmlns:a14="http://schemas.microsoft.com/office/drawing/2010/main">
-                <a:solidFill>
-                  <a:srgbClr val="FFFFFF"/>
-                </a:solidFill>
-              </a14:hiddenFill>
-            </a:ext>
-          </a:extLst>
-        </p:spPr>
-      </p:pic>
-      <p:sp>
-        <p:nvSpPr>
-          <p:cNvPr id="6" name="CuadroTexto 5">
-            <a:extLst>
-              <a:ext uri="{FF2B5EF4-FFF2-40B4-BE49-F238E27FC236}">
-                <a16:creationId xmlns:a16="http://schemas.microsoft.com/office/drawing/2014/main" id="{9AF35BFD-63C4-4848-8FF5-92319E800356}"/>
-              </a:ext>
-            </a:extLst>
-          </p:cNvPr>
-          <p:cNvSpPr txBox="1"/>
-          <p:nvPr/>
-        </p:nvSpPr>
-        <p:spPr>
-          <a:xfrm>
-            <a:off x="10972800" y="1633876"/>
-            <a:ext cx="928459" cy="369332"/>
-          </a:xfrm>
-          <a:prstGeom prst="rect">
-            <a:avLst/>
-          </a:prstGeom>
-          <a:noFill/>
-        </p:spPr>
-        <p:txBody>
-          <a:bodyPr wrap="none" rtlCol="0">
-            <a:spAutoFit/>
-          </a:bodyPr>
-          <a:lstStyle/>
-          <a:p>
-            <a:r>
-              <a:rPr lang="en-GB" dirty="0"/>
-              <a:t>crawler</a:t>
-            </a:r>
-          </a:p>
-        </p:txBody>
-      </p:sp>
-    </p:spTree>
-    <p:extLst>
-      <p:ext uri="{BB962C8B-B14F-4D97-AF65-F5344CB8AC3E}">
-        <p14:creationId xmlns:p14="http://schemas.microsoft.com/office/powerpoint/2010/main" val="830190468"/>
-      </p:ext>
-    </p:extLst>
-  </p:cSld>
-  <p:clrMapOvr>
-    <a:masterClrMapping/>
-  </p:clrMapOvr>
-  <mc:AlternateContent xmlns:mc="http://schemas.openxmlformats.org/markup-compatibility/2006" xmlns:p14="http://schemas.microsoft.com/office/powerpoint/2010/main">
-    <mc:Choice Requires="p14">
-      <p:transition spd="med" p14:dur="700">
-        <p:fade/>
-      </p:transition>
-    </mc:Choice>
-    <mc:Fallback xmlns="">
-      <p:transition spd="med">
-        <p:fade/>
-      </p:transition>
-    </mc:Fallback>
-  </mc:AlternateContent>
-</p:sld>
-</file>
-
-<file path=ppt/slides/slide8.xml><?xml version="1.0" encoding="utf-8"?>
-<p:sld xmlns:a="http://schemas.openxmlformats.org/drawingml/2006/main" xmlns:r="http://schemas.openxmlformats.org/officeDocument/2006/relationships" xmlns:p="http://schemas.openxmlformats.org/presentationml/2006/main">
-  <p:cSld>
-    <p:spTree>
-      <p:nvGrpSpPr>
-        <p:cNvPr id="1" name=""/>
-        <p:cNvGrpSpPr/>
-        <p:nvPr/>
-      </p:nvGrpSpPr>
-      <p:grpSpPr>
-        <a:xfrm>
-          <a:off x="0" y="0"/>
-          <a:ext cx="0" cy="0"/>
-          <a:chOff x="0" y="0"/>
-          <a:chExt cx="0" cy="0"/>
-        </a:xfrm>
-      </p:grpSpPr>
-      <p:sp>
-        <p:nvSpPr>
-          <p:cNvPr id="2" name="Título 1">
-            <a:extLst>
-              <a:ext uri="{FF2B5EF4-FFF2-40B4-BE49-F238E27FC236}">
                 <a16:creationId xmlns:a16="http://schemas.microsoft.com/office/drawing/2014/main" id="{37BFB4AF-4352-44B8-BDB0-37C980FF675F}"/>
               </a:ext>
             </a:extLst>
@@ -7947,7 +4969,7 @@
 </p:sld>
 </file>
 
-<file path=ppt/slides/slide9.xml><?xml version="1.0" encoding="utf-8"?>
+<file path=ppt/slides/slide11.xml><?xml version="1.0" encoding="utf-8"?>
 <p:sld xmlns:a="http://schemas.openxmlformats.org/drawingml/2006/main" xmlns:r="http://schemas.openxmlformats.org/officeDocument/2006/relationships" xmlns:p="http://schemas.openxmlformats.org/presentationml/2006/main">
   <p:cSld>
     <p:spTree>
@@ -8349,6 +5371,4086 @@
     <p:extLst>
       <p:ext uri="{BB962C8B-B14F-4D97-AF65-F5344CB8AC3E}">
         <p14:creationId xmlns:p14="http://schemas.microsoft.com/office/powerpoint/2010/main" val="2801018951"/>
+      </p:ext>
+    </p:extLst>
+  </p:cSld>
+  <p:clrMapOvr>
+    <a:masterClrMapping/>
+  </p:clrMapOvr>
+  <mc:AlternateContent xmlns:mc="http://schemas.openxmlformats.org/markup-compatibility/2006" xmlns:p14="http://schemas.microsoft.com/office/powerpoint/2010/main">
+    <mc:Choice Requires="p14">
+      <p:transition spd="med" p14:dur="700">
+        <p:fade/>
+      </p:transition>
+    </mc:Choice>
+    <mc:Fallback xmlns="">
+      <p:transition spd="med">
+        <p:fade/>
+      </p:transition>
+    </mc:Fallback>
+  </mc:AlternateContent>
+</p:sld>
+</file>
+
+<file path=ppt/slides/slide12.xml><?xml version="1.0" encoding="utf-8"?>
+<p:sld xmlns:a="http://schemas.openxmlformats.org/drawingml/2006/main" xmlns:r="http://schemas.openxmlformats.org/officeDocument/2006/relationships" xmlns:p="http://schemas.openxmlformats.org/presentationml/2006/main">
+  <p:cSld>
+    <p:spTree>
+      <p:nvGrpSpPr>
+        <p:cNvPr id="1" name=""/>
+        <p:cNvGrpSpPr/>
+        <p:nvPr/>
+      </p:nvGrpSpPr>
+      <p:grpSpPr>
+        <a:xfrm>
+          <a:off x="0" y="0"/>
+          <a:ext cx="0" cy="0"/>
+          <a:chOff x="0" y="0"/>
+          <a:chExt cx="0" cy="0"/>
+        </a:xfrm>
+      </p:grpSpPr>
+      <p:sp>
+        <p:nvSpPr>
+          <p:cNvPr id="2" name="Título 1">
+            <a:extLst>
+              <a:ext uri="{FF2B5EF4-FFF2-40B4-BE49-F238E27FC236}">
+                <a16:creationId xmlns:a16="http://schemas.microsoft.com/office/drawing/2014/main" id="{EA1F3DD0-B28E-4F1A-9310-391019141B05}"/>
+              </a:ext>
+            </a:extLst>
+          </p:cNvPr>
+          <p:cNvSpPr>
+            <a:spLocks noGrp="1"/>
+          </p:cNvSpPr>
+          <p:nvPr>
+            <p:ph type="title"/>
+          </p:nvPr>
+        </p:nvSpPr>
+        <p:spPr/>
+        <p:txBody>
+          <a:bodyPr/>
+          <a:lstStyle/>
+          <a:p>
+            <a:r>
+              <a:rPr lang="en-GB" sz="2000" dirty="0"/>
+              <a:t>Language Challenges</a:t>
+            </a:r>
+            <a:br>
+              <a:rPr lang="en-GB" sz="2400" dirty="0"/>
+            </a:br>
+            <a:r>
+              <a:rPr lang="en-GB" sz="3600" dirty="0"/>
+              <a:t>Stemming</a:t>
+            </a:r>
+            <a:endParaRPr lang="en-GB" sz="2400" dirty="0"/>
+          </a:p>
+        </p:txBody>
+      </p:sp>
+      <p:sp>
+        <p:nvSpPr>
+          <p:cNvPr id="3" name="Marcador de contenido 2">
+            <a:extLst>
+              <a:ext uri="{FF2B5EF4-FFF2-40B4-BE49-F238E27FC236}">
+                <a16:creationId xmlns:a16="http://schemas.microsoft.com/office/drawing/2014/main" id="{F3D95A82-FCBF-4BB0-BC18-2AC02969C5B1}"/>
+              </a:ext>
+            </a:extLst>
+          </p:cNvPr>
+          <p:cNvSpPr>
+            <a:spLocks noGrp="1"/>
+          </p:cNvSpPr>
+          <p:nvPr>
+            <p:ph idx="1"/>
+          </p:nvPr>
+        </p:nvSpPr>
+        <p:spPr>
+          <a:xfrm>
+            <a:off x="1030514" y="1710988"/>
+            <a:ext cx="10740571" cy="4572000"/>
+          </a:xfrm>
+        </p:spPr>
+        <p:txBody>
+          <a:bodyPr>
+            <a:normAutofit/>
+          </a:bodyPr>
+          <a:lstStyle/>
+          <a:p>
+            <a:pPr marL="68580" indent="0">
+              <a:buNone/>
+            </a:pPr>
+            <a:r>
+              <a:rPr lang="en-GB" dirty="0"/>
+              <a:t>Used in 1 of my mini-games:</a:t>
+            </a:r>
+          </a:p>
+          <a:p>
+            <a:r>
+              <a:rPr lang="es-ES" dirty="0"/>
+              <a:t>Match </a:t>
+            </a:r>
+            <a:r>
+              <a:rPr lang="es-ES" dirty="0" err="1"/>
+              <a:t>the</a:t>
+            </a:r>
+            <a:r>
+              <a:rPr lang="es-ES" dirty="0"/>
+              <a:t> </a:t>
+            </a:r>
+            <a:r>
+              <a:rPr lang="es-ES" dirty="0" err="1"/>
+              <a:t>category</a:t>
+            </a:r>
+            <a:r>
+              <a:rPr lang="es-ES" dirty="0"/>
+              <a:t> </a:t>
+            </a:r>
+            <a:r>
+              <a:rPr lang="es-ES" dirty="0" err="1"/>
+              <a:t>to</a:t>
+            </a:r>
+            <a:r>
+              <a:rPr lang="es-ES" dirty="0"/>
+              <a:t> </a:t>
+            </a:r>
+            <a:r>
+              <a:rPr lang="es-ES" dirty="0" err="1"/>
+              <a:t>the</a:t>
+            </a:r>
+            <a:r>
+              <a:rPr lang="es-ES" dirty="0"/>
+              <a:t> </a:t>
+            </a:r>
+            <a:r>
+              <a:rPr lang="es-ES" dirty="0" err="1"/>
+              <a:t>most</a:t>
+            </a:r>
+            <a:r>
+              <a:rPr lang="es-ES" dirty="0"/>
+              <a:t> </a:t>
+            </a:r>
+            <a:r>
+              <a:rPr lang="es-ES" dirty="0" err="1"/>
+              <a:t>relevant</a:t>
+            </a:r>
+            <a:r>
+              <a:rPr lang="es-ES" dirty="0"/>
+              <a:t> </a:t>
+            </a:r>
+            <a:r>
+              <a:rPr lang="es-ES" dirty="0" err="1"/>
+              <a:t>words</a:t>
+            </a:r>
+            <a:endParaRPr lang="es-ES" dirty="0"/>
+          </a:p>
+        </p:txBody>
+      </p:sp>
+      <p:pic>
+        <p:nvPicPr>
+          <p:cNvPr id="1026" name="Picture 2" descr="ç¸éåç">
+            <a:extLst>
+              <a:ext uri="{FF2B5EF4-FFF2-40B4-BE49-F238E27FC236}">
+                <a16:creationId xmlns:a16="http://schemas.microsoft.com/office/drawing/2014/main" id="{A779C582-9067-46E1-878B-7E98D9711D48}"/>
+              </a:ext>
+            </a:extLst>
+          </p:cNvPr>
+          <p:cNvPicPr>
+            <a:picLocks noChangeAspect="1" noChangeArrowheads="1"/>
+          </p:cNvPicPr>
+          <p:nvPr/>
+        </p:nvPicPr>
+        <p:blipFill>
+          <a:blip r:embed="rId2">
+            <a:extLst>
+              <a:ext uri="{28A0092B-C50C-407E-A947-70E740481C1C}">
+                <a14:useLocalDpi xmlns:a14="http://schemas.microsoft.com/office/drawing/2010/main" val="0"/>
+              </a:ext>
+            </a:extLst>
+          </a:blip>
+          <a:srcRect/>
+          <a:stretch>
+            <a:fillRect/>
+          </a:stretch>
+        </p:blipFill>
+        <p:spPr bwMode="auto">
+          <a:xfrm>
+            <a:off x="8534400" y="53638"/>
+            <a:ext cx="3371850" cy="1657350"/>
+          </a:xfrm>
+          <a:prstGeom prst="rect">
+            <a:avLst/>
+          </a:prstGeom>
+          <a:noFill/>
+          <a:extLst>
+            <a:ext uri="{909E8E84-426E-40DD-AFC4-6F175D3DCCD1}">
+              <a14:hiddenFill xmlns:a14="http://schemas.microsoft.com/office/drawing/2010/main">
+                <a:solidFill>
+                  <a:srgbClr val="FFFFFF"/>
+                </a:solidFill>
+              </a14:hiddenFill>
+            </a:ext>
+          </a:extLst>
+        </p:spPr>
+      </p:pic>
+    </p:spTree>
+    <p:extLst>
+      <p:ext uri="{BB962C8B-B14F-4D97-AF65-F5344CB8AC3E}">
+        <p14:creationId xmlns:p14="http://schemas.microsoft.com/office/powerpoint/2010/main" val="4215296432"/>
+      </p:ext>
+    </p:extLst>
+  </p:cSld>
+  <p:clrMapOvr>
+    <a:masterClrMapping/>
+  </p:clrMapOvr>
+  <mc:AlternateContent xmlns:mc="http://schemas.openxmlformats.org/markup-compatibility/2006" xmlns:p14="http://schemas.microsoft.com/office/powerpoint/2010/main">
+    <mc:Choice Requires="p14">
+      <p:transition spd="med" p14:dur="700">
+        <p:fade/>
+      </p:transition>
+    </mc:Choice>
+    <mc:Fallback xmlns="">
+      <p:transition spd="med">
+        <p:fade/>
+      </p:transition>
+    </mc:Fallback>
+  </mc:AlternateContent>
+</p:sld>
+</file>
+
+<file path=ppt/slides/slide13.xml><?xml version="1.0" encoding="utf-8"?>
+<p:sld xmlns:a="http://schemas.openxmlformats.org/drawingml/2006/main" xmlns:r="http://schemas.openxmlformats.org/officeDocument/2006/relationships" xmlns:p="http://schemas.openxmlformats.org/presentationml/2006/main">
+  <p:cSld>
+    <p:spTree>
+      <p:nvGrpSpPr>
+        <p:cNvPr id="1" name=""/>
+        <p:cNvGrpSpPr/>
+        <p:nvPr/>
+      </p:nvGrpSpPr>
+      <p:grpSpPr>
+        <a:xfrm>
+          <a:off x="0" y="0"/>
+          <a:ext cx="0" cy="0"/>
+          <a:chOff x="0" y="0"/>
+          <a:chExt cx="0" cy="0"/>
+        </a:xfrm>
+      </p:grpSpPr>
+      <p:sp>
+        <p:nvSpPr>
+          <p:cNvPr id="2" name="Título 1">
+            <a:extLst>
+              <a:ext uri="{FF2B5EF4-FFF2-40B4-BE49-F238E27FC236}">
+                <a16:creationId xmlns:a16="http://schemas.microsoft.com/office/drawing/2014/main" id="{EA1F3DD0-B28E-4F1A-9310-391019141B05}"/>
+              </a:ext>
+            </a:extLst>
+          </p:cNvPr>
+          <p:cNvSpPr>
+            <a:spLocks noGrp="1"/>
+          </p:cNvSpPr>
+          <p:nvPr>
+            <p:ph type="title"/>
+          </p:nvPr>
+        </p:nvSpPr>
+        <p:spPr/>
+        <p:txBody>
+          <a:bodyPr/>
+          <a:lstStyle/>
+          <a:p>
+            <a:r>
+              <a:rPr lang="en-GB" sz="2000" dirty="0"/>
+              <a:t>Language Challenges</a:t>
+            </a:r>
+            <a:br>
+              <a:rPr lang="en-GB" sz="2400" dirty="0"/>
+            </a:br>
+            <a:r>
+              <a:rPr lang="en-GB" sz="3600" dirty="0"/>
+              <a:t>Stemming</a:t>
+            </a:r>
+            <a:endParaRPr lang="en-GB" sz="2400" dirty="0"/>
+          </a:p>
+        </p:txBody>
+      </p:sp>
+      <p:sp>
+        <p:nvSpPr>
+          <p:cNvPr id="3" name="Marcador de contenido 2">
+            <a:extLst>
+              <a:ext uri="{FF2B5EF4-FFF2-40B4-BE49-F238E27FC236}">
+                <a16:creationId xmlns:a16="http://schemas.microsoft.com/office/drawing/2014/main" id="{F3D95A82-FCBF-4BB0-BC18-2AC02969C5B1}"/>
+              </a:ext>
+            </a:extLst>
+          </p:cNvPr>
+          <p:cNvSpPr>
+            <a:spLocks noGrp="1"/>
+          </p:cNvSpPr>
+          <p:nvPr>
+            <p:ph idx="1"/>
+          </p:nvPr>
+        </p:nvSpPr>
+        <p:spPr>
+          <a:xfrm>
+            <a:off x="1030514" y="1710988"/>
+            <a:ext cx="10740571" cy="4572000"/>
+          </a:xfrm>
+        </p:spPr>
+        <p:txBody>
+          <a:bodyPr>
+            <a:normAutofit fontScale="85000" lnSpcReduction="20000"/>
+          </a:bodyPr>
+          <a:lstStyle/>
+          <a:p>
+            <a:pPr marL="68580" indent="0">
+              <a:buNone/>
+            </a:pPr>
+            <a:r>
+              <a:rPr lang="en-GB" dirty="0"/>
+              <a:t>Q: How do I count the occurrence of words (or find word relevance) on a page?</a:t>
+            </a:r>
+          </a:p>
+          <a:p>
+            <a:pPr marL="68580" indent="0">
+              <a:buNone/>
+            </a:pPr>
+            <a:r>
+              <a:rPr lang="en-GB" dirty="0"/>
+              <a:t>A: Difficult because of </a:t>
+            </a:r>
+            <a:r>
+              <a:rPr lang="en-GB" sz="3200" b="1" dirty="0"/>
+              <a:t>grammar</a:t>
+            </a:r>
+            <a:r>
+              <a:rPr lang="en-GB" dirty="0"/>
+              <a:t>. The most accurate way is to have a corpus </a:t>
+            </a:r>
+            <a:r>
+              <a:rPr lang="en-GB" sz="2000" b="1" dirty="0">
+                <a:solidFill>
+                  <a:srgbClr val="FFFF00"/>
+                </a:solidFill>
+              </a:rPr>
+              <a:t>(huge data!)</a:t>
+            </a:r>
+            <a:r>
+              <a:rPr lang="en-GB" dirty="0"/>
+              <a:t>, and you convert every word to its noun form and count them.</a:t>
+            </a:r>
+          </a:p>
+          <a:p>
+            <a:pPr marL="68580" indent="0">
+              <a:buNone/>
+            </a:pPr>
+            <a:r>
+              <a:rPr lang="en-GB" dirty="0"/>
+              <a:t>Or maybe you can try </a:t>
+            </a:r>
+            <a:r>
+              <a:rPr lang="en-GB" sz="3200" b="1" dirty="0"/>
+              <a:t>lemmatisation</a:t>
+            </a:r>
+            <a:r>
+              <a:rPr lang="en-GB" dirty="0"/>
+              <a:t>, which many lemma rules are hardcoded </a:t>
+            </a:r>
+            <a:r>
+              <a:rPr lang="en-GB" sz="2000" b="1" dirty="0">
+                <a:solidFill>
+                  <a:srgbClr val="FFFF00"/>
+                </a:solidFill>
+              </a:rPr>
+              <a:t>(still big! But it’s the only way you can know that the original form of ‘bought’ is ‘buy’</a:t>
+            </a:r>
+            <a:r>
+              <a:rPr lang="en-GB" sz="2000" dirty="0">
+                <a:solidFill>
+                  <a:srgbClr val="FFFF00"/>
+                </a:solidFill>
+              </a:rPr>
+              <a:t>)</a:t>
+            </a:r>
+          </a:p>
+          <a:p>
+            <a:pPr marL="68580" indent="0">
+              <a:buNone/>
+            </a:pPr>
+            <a:r>
+              <a:rPr lang="en-GB" dirty="0"/>
+              <a:t>The naïve way is </a:t>
+            </a:r>
+            <a:r>
+              <a:rPr lang="en-GB" sz="3200" b="1" dirty="0"/>
+              <a:t>stemming</a:t>
+            </a:r>
+            <a:r>
+              <a:rPr lang="en-GB" sz="3200" dirty="0"/>
+              <a:t>, but since we want speed and storage over accuracy, it is the best!</a:t>
+            </a:r>
+          </a:p>
+          <a:p>
+            <a:pPr marL="68580" indent="0">
+              <a:buNone/>
+            </a:pPr>
+            <a:r>
+              <a:rPr lang="en-GB" sz="3200" dirty="0"/>
+              <a:t>Also, you have to skip </a:t>
+            </a:r>
+            <a:r>
+              <a:rPr lang="en-GB" sz="3300" b="1" dirty="0"/>
+              <a:t>‘stop words’ </a:t>
+            </a:r>
+            <a:r>
+              <a:rPr lang="en-GB" sz="3200" dirty="0"/>
+              <a:t>like ‘the’, ‘and, ‘because’, ‘among’… since they are meaningless!</a:t>
+            </a:r>
+          </a:p>
+          <a:p>
+            <a:pPr marL="68580" indent="0">
+              <a:buNone/>
+            </a:pPr>
+            <a:r>
+              <a:rPr lang="en-GB" sz="3200" dirty="0"/>
+              <a:t>Do it for French, Spanish and German as well!</a:t>
+            </a:r>
+            <a:endParaRPr lang="en-GB" dirty="0"/>
+          </a:p>
+        </p:txBody>
+      </p:sp>
+      <p:pic>
+        <p:nvPicPr>
+          <p:cNvPr id="1026" name="Picture 2" descr="ç¸éåç">
+            <a:extLst>
+              <a:ext uri="{FF2B5EF4-FFF2-40B4-BE49-F238E27FC236}">
+                <a16:creationId xmlns:a16="http://schemas.microsoft.com/office/drawing/2014/main" id="{A779C582-9067-46E1-878B-7E98D9711D48}"/>
+              </a:ext>
+            </a:extLst>
+          </p:cNvPr>
+          <p:cNvPicPr>
+            <a:picLocks noChangeAspect="1" noChangeArrowheads="1"/>
+          </p:cNvPicPr>
+          <p:nvPr/>
+        </p:nvPicPr>
+        <p:blipFill>
+          <a:blip r:embed="rId2">
+            <a:extLst>
+              <a:ext uri="{28A0092B-C50C-407E-A947-70E740481C1C}">
+                <a14:useLocalDpi xmlns:a14="http://schemas.microsoft.com/office/drawing/2010/main" val="0"/>
+              </a:ext>
+            </a:extLst>
+          </a:blip>
+          <a:srcRect/>
+          <a:stretch>
+            <a:fillRect/>
+          </a:stretch>
+        </p:blipFill>
+        <p:spPr bwMode="auto">
+          <a:xfrm>
+            <a:off x="8534400" y="53638"/>
+            <a:ext cx="3371850" cy="1657350"/>
+          </a:xfrm>
+          <a:prstGeom prst="rect">
+            <a:avLst/>
+          </a:prstGeom>
+          <a:noFill/>
+          <a:extLst>
+            <a:ext uri="{909E8E84-426E-40DD-AFC4-6F175D3DCCD1}">
+              <a14:hiddenFill xmlns:a14="http://schemas.microsoft.com/office/drawing/2010/main">
+                <a:solidFill>
+                  <a:srgbClr val="FFFFFF"/>
+                </a:solidFill>
+              </a14:hiddenFill>
+            </a:ext>
+          </a:extLst>
+        </p:spPr>
+      </p:pic>
+    </p:spTree>
+    <p:extLst>
+      <p:ext uri="{BB962C8B-B14F-4D97-AF65-F5344CB8AC3E}">
+        <p14:creationId xmlns:p14="http://schemas.microsoft.com/office/powerpoint/2010/main" val="3295614012"/>
+      </p:ext>
+    </p:extLst>
+  </p:cSld>
+  <p:clrMapOvr>
+    <a:masterClrMapping/>
+  </p:clrMapOvr>
+  <mc:AlternateContent xmlns:mc="http://schemas.openxmlformats.org/markup-compatibility/2006" xmlns:p14="http://schemas.microsoft.com/office/powerpoint/2010/main">
+    <mc:Choice Requires="p14">
+      <p:transition spd="med" p14:dur="700">
+        <p:fade/>
+      </p:transition>
+    </mc:Choice>
+    <mc:Fallback xmlns="">
+      <p:transition spd="med">
+        <p:fade/>
+      </p:transition>
+    </mc:Fallback>
+  </mc:AlternateContent>
+</p:sld>
+</file>
+
+<file path=ppt/slides/slide14.xml><?xml version="1.0" encoding="utf-8"?>
+<p:sld xmlns:a="http://schemas.openxmlformats.org/drawingml/2006/main" xmlns:r="http://schemas.openxmlformats.org/officeDocument/2006/relationships" xmlns:p="http://schemas.openxmlformats.org/presentationml/2006/main">
+  <p:cSld>
+    <p:spTree>
+      <p:nvGrpSpPr>
+        <p:cNvPr id="1" name=""/>
+        <p:cNvGrpSpPr/>
+        <p:nvPr/>
+      </p:nvGrpSpPr>
+      <p:grpSpPr>
+        <a:xfrm>
+          <a:off x="0" y="0"/>
+          <a:ext cx="0" cy="0"/>
+          <a:chOff x="0" y="0"/>
+          <a:chExt cx="0" cy="0"/>
+        </a:xfrm>
+      </p:grpSpPr>
+      <p:sp>
+        <p:nvSpPr>
+          <p:cNvPr id="2" name="Título 1">
+            <a:extLst>
+              <a:ext uri="{FF2B5EF4-FFF2-40B4-BE49-F238E27FC236}">
+                <a16:creationId xmlns:a16="http://schemas.microsoft.com/office/drawing/2014/main" id="{DB03DD8E-EF87-4238-8E97-8D1DA106FE87}"/>
+              </a:ext>
+            </a:extLst>
+          </p:cNvPr>
+          <p:cNvSpPr>
+            <a:spLocks noGrp="1"/>
+          </p:cNvSpPr>
+          <p:nvPr>
+            <p:ph type="title"/>
+          </p:nvPr>
+        </p:nvSpPr>
+        <p:spPr/>
+        <p:txBody>
+          <a:bodyPr/>
+          <a:lstStyle/>
+          <a:p>
+            <a:r>
+              <a:rPr lang="en-GB" sz="2000" dirty="0"/>
+              <a:t>Language Challenges</a:t>
+            </a:r>
+            <a:br>
+              <a:rPr lang="en-GB" sz="2400" dirty="0"/>
+            </a:br>
+            <a:r>
+              <a:rPr lang="en-GB" sz="3600" dirty="0"/>
+              <a:t>Stemming</a:t>
+            </a:r>
+            <a:endParaRPr lang="en-GB" sz="2000" dirty="0"/>
+          </a:p>
+        </p:txBody>
+      </p:sp>
+      <p:sp>
+        <p:nvSpPr>
+          <p:cNvPr id="3" name="Marcador de contenido 2">
+            <a:extLst>
+              <a:ext uri="{FF2B5EF4-FFF2-40B4-BE49-F238E27FC236}">
+                <a16:creationId xmlns:a16="http://schemas.microsoft.com/office/drawing/2014/main" id="{66852AD6-E2FD-421E-A5B1-C72DFD6D99E3}"/>
+              </a:ext>
+            </a:extLst>
+          </p:cNvPr>
+          <p:cNvSpPr>
+            <a:spLocks noGrp="1"/>
+          </p:cNvSpPr>
+          <p:nvPr>
+            <p:ph idx="1"/>
+          </p:nvPr>
+        </p:nvSpPr>
+        <p:spPr/>
+        <p:txBody>
+          <a:bodyPr/>
+          <a:lstStyle/>
+          <a:p>
+            <a:pPr marL="68580" indent="0">
+              <a:buNone/>
+            </a:pPr>
+            <a:r>
+              <a:rPr lang="en-GB" dirty="0"/>
+              <a:t>Q: How do you stem on Android?</a:t>
+            </a:r>
+          </a:p>
+          <a:p>
+            <a:pPr marL="68580" indent="0">
+              <a:buNone/>
+            </a:pPr>
+            <a:r>
+              <a:rPr lang="en-GB" dirty="0"/>
+              <a:t>A: The only way seems to be Snowball stemmer generator </a:t>
+            </a:r>
+            <a:r>
+              <a:rPr lang="en-GB" sz="2000" dirty="0">
+                <a:solidFill>
+                  <a:srgbClr val="FFFF00"/>
+                </a:solidFill>
+              </a:rPr>
+              <a:t>(which is old software since 2002!)</a:t>
+            </a:r>
+            <a:r>
+              <a:rPr lang="en-GB" dirty="0"/>
+              <a:t>. You can’t use spacy, </a:t>
+            </a:r>
+            <a:r>
+              <a:rPr lang="en-GB" dirty="0" err="1"/>
+              <a:t>nltk</a:t>
+            </a:r>
+            <a:r>
+              <a:rPr lang="en-GB" dirty="0"/>
+              <a:t> (obviously), even Apache Lucene on Android… </a:t>
+            </a:r>
+            <a:r>
+              <a:rPr lang="en-GB" sz="1800" dirty="0">
+                <a:solidFill>
+                  <a:srgbClr val="FFFF00"/>
+                </a:solidFill>
+              </a:rPr>
+              <a:t>(learn some linguistics dude.)</a:t>
+            </a:r>
+            <a:endParaRPr lang="en-GB" dirty="0"/>
+          </a:p>
+        </p:txBody>
+      </p:sp>
+    </p:spTree>
+    <p:extLst>
+      <p:ext uri="{BB962C8B-B14F-4D97-AF65-F5344CB8AC3E}">
+        <p14:creationId xmlns:p14="http://schemas.microsoft.com/office/powerpoint/2010/main" val="6982542"/>
+      </p:ext>
+    </p:extLst>
+  </p:cSld>
+  <p:clrMapOvr>
+    <a:masterClrMapping/>
+  </p:clrMapOvr>
+  <mc:AlternateContent xmlns:mc="http://schemas.openxmlformats.org/markup-compatibility/2006" xmlns:p14="http://schemas.microsoft.com/office/powerpoint/2010/main">
+    <mc:Choice Requires="p14">
+      <p:transition spd="med" p14:dur="700">
+        <p:fade/>
+      </p:transition>
+    </mc:Choice>
+    <mc:Fallback xmlns="">
+      <p:transition spd="med">
+        <p:fade/>
+      </p:transition>
+    </mc:Fallback>
+  </mc:AlternateContent>
+</p:sld>
+</file>
+
+<file path=ppt/slides/slide15.xml><?xml version="1.0" encoding="utf-8"?>
+<p:sld xmlns:a="http://schemas.openxmlformats.org/drawingml/2006/main" xmlns:r="http://schemas.openxmlformats.org/officeDocument/2006/relationships" xmlns:p="http://schemas.openxmlformats.org/presentationml/2006/main">
+  <p:cSld>
+    <p:spTree>
+      <p:nvGrpSpPr>
+        <p:cNvPr id="1" name=""/>
+        <p:cNvGrpSpPr/>
+        <p:nvPr/>
+      </p:nvGrpSpPr>
+      <p:grpSpPr>
+        <a:xfrm>
+          <a:off x="0" y="0"/>
+          <a:ext cx="0" cy="0"/>
+          <a:chOff x="0" y="0"/>
+          <a:chExt cx="0" cy="0"/>
+        </a:xfrm>
+      </p:grpSpPr>
+      <p:sp>
+        <p:nvSpPr>
+          <p:cNvPr id="2" name="Título 1">
+            <a:extLst>
+              <a:ext uri="{FF2B5EF4-FFF2-40B4-BE49-F238E27FC236}">
+                <a16:creationId xmlns:a16="http://schemas.microsoft.com/office/drawing/2014/main" id="{A91B5EEA-A33E-4620-AA41-C99F6A44ACF4}"/>
+              </a:ext>
+            </a:extLst>
+          </p:cNvPr>
+          <p:cNvSpPr>
+            <a:spLocks noGrp="1"/>
+          </p:cNvSpPr>
+          <p:nvPr>
+            <p:ph type="title"/>
+          </p:nvPr>
+        </p:nvSpPr>
+        <p:spPr/>
+        <p:txBody>
+          <a:bodyPr/>
+          <a:lstStyle/>
+          <a:p>
+            <a:r>
+              <a:rPr lang="en-GB" sz="2000" dirty="0"/>
+              <a:t>Language Challenges</a:t>
+            </a:r>
+            <a:br>
+              <a:rPr lang="en-GB" sz="2400" dirty="0"/>
+            </a:br>
+            <a:r>
+              <a:rPr lang="en-GB" sz="3600" dirty="0"/>
+              <a:t>Keyboards</a:t>
+            </a:r>
+            <a:endParaRPr lang="en-GB" sz="2000" dirty="0"/>
+          </a:p>
+        </p:txBody>
+      </p:sp>
+      <p:sp>
+        <p:nvSpPr>
+          <p:cNvPr id="3" name="Marcador de contenido 2">
+            <a:extLst>
+              <a:ext uri="{FF2B5EF4-FFF2-40B4-BE49-F238E27FC236}">
+                <a16:creationId xmlns:a16="http://schemas.microsoft.com/office/drawing/2014/main" id="{C3BC65B7-4E9F-498E-ABF5-982070D5B910}"/>
+              </a:ext>
+            </a:extLst>
+          </p:cNvPr>
+          <p:cNvSpPr>
+            <a:spLocks noGrp="1"/>
+          </p:cNvSpPr>
+          <p:nvPr>
+            <p:ph idx="1"/>
+          </p:nvPr>
+        </p:nvSpPr>
+        <p:spPr/>
+        <p:txBody>
+          <a:bodyPr>
+            <a:normAutofit fontScale="85000" lnSpcReduction="10000"/>
+          </a:bodyPr>
+          <a:lstStyle/>
+          <a:p>
+            <a:pPr marL="68580" indent="0">
+              <a:buNone/>
+            </a:pPr>
+            <a:r>
+              <a:rPr lang="en-GB" dirty="0"/>
+              <a:t>Q: I don’t want to install a Ukrainian keyboard, but I want to learn in Ukrainian?</a:t>
+            </a:r>
+          </a:p>
+          <a:p>
+            <a:pPr marL="68580" indent="0">
+              <a:buNone/>
+            </a:pPr>
+            <a:r>
+              <a:rPr lang="en-GB" dirty="0"/>
+              <a:t>A: The embedded soft keyboards were written by me, so you don’t have to download any. Now you can input Cyrillic (</a:t>
+            </a:r>
+            <a:r>
+              <a:rPr lang="ru-RU" dirty="0"/>
+              <a:t>А Б В Г Д Е Ж</a:t>
+            </a:r>
+            <a:r>
+              <a:rPr lang="en-US" dirty="0"/>
+              <a:t>…</a:t>
+            </a:r>
+            <a:r>
+              <a:rPr lang="en-GB" dirty="0"/>
+              <a:t>).</a:t>
+            </a:r>
+          </a:p>
+          <a:p>
+            <a:pPr marL="68580" indent="0">
+              <a:buNone/>
+            </a:pPr>
+            <a:r>
+              <a:rPr lang="en-GB" dirty="0"/>
+              <a:t>My French keyboard has dead keys to minimise the keyboard size.</a:t>
+            </a:r>
+          </a:p>
+          <a:p>
+            <a:pPr marL="68580" indent="0">
+              <a:buNone/>
+            </a:pPr>
+            <a:endParaRPr lang="en-GB" dirty="0"/>
+          </a:p>
+          <a:p>
+            <a:pPr marL="68580" indent="0">
+              <a:buNone/>
+            </a:pPr>
+            <a:r>
+              <a:rPr lang="en-GB" dirty="0"/>
+              <a:t>Q: I am a beginner in German. I want to learn German but if I change the language, I don’t understand the UI instructions?</a:t>
+            </a:r>
+          </a:p>
+          <a:p>
+            <a:pPr marL="68580" indent="0">
+              <a:buNone/>
+            </a:pPr>
+            <a:r>
+              <a:rPr lang="en-GB" dirty="0"/>
+              <a:t>A: </a:t>
+            </a:r>
+            <a:r>
+              <a:rPr lang="en-US" dirty="0"/>
+              <a:t>Don’t worry! UI language and Gameplay language are separated settings. You will see in a moment.</a:t>
+            </a:r>
+            <a:endParaRPr lang="en-GB" dirty="0"/>
+          </a:p>
+          <a:p>
+            <a:endParaRPr lang="en-GB" dirty="0"/>
+          </a:p>
+        </p:txBody>
+      </p:sp>
+    </p:spTree>
+    <p:extLst>
+      <p:ext uri="{BB962C8B-B14F-4D97-AF65-F5344CB8AC3E}">
+        <p14:creationId xmlns:p14="http://schemas.microsoft.com/office/powerpoint/2010/main" val="2846944107"/>
+      </p:ext>
+    </p:extLst>
+  </p:cSld>
+  <p:clrMapOvr>
+    <a:masterClrMapping/>
+  </p:clrMapOvr>
+  <mc:AlternateContent xmlns:mc="http://schemas.openxmlformats.org/markup-compatibility/2006" xmlns:p14="http://schemas.microsoft.com/office/powerpoint/2010/main">
+    <mc:Choice Requires="p14">
+      <p:transition spd="med" p14:dur="700">
+        <p:fade/>
+      </p:transition>
+    </mc:Choice>
+    <mc:Fallback xmlns="">
+      <p:transition spd="med">
+        <p:fade/>
+      </p:transition>
+    </mc:Fallback>
+  </mc:AlternateContent>
+</p:sld>
+</file>
+
+<file path=ppt/slides/slide16.xml><?xml version="1.0" encoding="utf-8"?>
+<p:sld xmlns:a="http://schemas.openxmlformats.org/drawingml/2006/main" xmlns:r="http://schemas.openxmlformats.org/officeDocument/2006/relationships" xmlns:p="http://schemas.openxmlformats.org/presentationml/2006/main">
+  <p:cSld>
+    <p:spTree>
+      <p:nvGrpSpPr>
+        <p:cNvPr id="1" name=""/>
+        <p:cNvGrpSpPr/>
+        <p:nvPr/>
+      </p:nvGrpSpPr>
+      <p:grpSpPr>
+        <a:xfrm>
+          <a:off x="0" y="0"/>
+          <a:ext cx="0" cy="0"/>
+          <a:chOff x="0" y="0"/>
+          <a:chExt cx="0" cy="0"/>
+        </a:xfrm>
+      </p:grpSpPr>
+      <p:sp>
+        <p:nvSpPr>
+          <p:cNvPr id="2" name="Título 1">
+            <a:extLst>
+              <a:ext uri="{FF2B5EF4-FFF2-40B4-BE49-F238E27FC236}">
+                <a16:creationId xmlns:a16="http://schemas.microsoft.com/office/drawing/2014/main" id="{6FAE2DE1-A5DC-4897-9E05-803CEB29B605}"/>
+              </a:ext>
+            </a:extLst>
+          </p:cNvPr>
+          <p:cNvSpPr>
+            <a:spLocks noGrp="1"/>
+          </p:cNvSpPr>
+          <p:nvPr>
+            <p:ph type="title"/>
+          </p:nvPr>
+        </p:nvSpPr>
+        <p:spPr/>
+        <p:txBody>
+          <a:bodyPr/>
+          <a:lstStyle/>
+          <a:p>
+            <a:r>
+              <a:rPr lang="en-GB" sz="2000" dirty="0"/>
+              <a:t>Language Challenges</a:t>
+            </a:r>
+            <a:br>
+              <a:rPr lang="en-GB" sz="2400" dirty="0"/>
+            </a:br>
+            <a:r>
+              <a:rPr lang="en-GB" sz="3600" dirty="0"/>
+              <a:t>Pretend that there are two cursors</a:t>
+            </a:r>
+            <a:endParaRPr lang="en-GB" sz="2000" dirty="0"/>
+          </a:p>
+        </p:txBody>
+      </p:sp>
+      <p:sp>
+        <p:nvSpPr>
+          <p:cNvPr id="3" name="Marcador de contenido 2">
+            <a:extLst>
+              <a:ext uri="{FF2B5EF4-FFF2-40B4-BE49-F238E27FC236}">
+                <a16:creationId xmlns:a16="http://schemas.microsoft.com/office/drawing/2014/main" id="{C3848D22-3565-4705-AC3A-2E0DDBFEEFBB}"/>
+              </a:ext>
+            </a:extLst>
+          </p:cNvPr>
+          <p:cNvSpPr>
+            <a:spLocks noGrp="1"/>
+          </p:cNvSpPr>
+          <p:nvPr>
+            <p:ph idx="1"/>
+          </p:nvPr>
+        </p:nvSpPr>
+        <p:spPr/>
+        <p:txBody>
+          <a:bodyPr/>
+          <a:lstStyle/>
+          <a:p>
+            <a:pPr marL="68580" indent="0">
+              <a:buNone/>
+            </a:pPr>
+            <a:r>
+              <a:rPr lang="en-GB" dirty="0"/>
+              <a:t>Q: In the ‘fill in the blanks’ game, how do you mimic that there are two cursors?</a:t>
+            </a:r>
+          </a:p>
+          <a:p>
+            <a:pPr marL="68580" indent="0">
+              <a:buNone/>
+            </a:pPr>
+            <a:r>
+              <a:rPr lang="en-GB" dirty="0"/>
+              <a:t>A: The so-called ‘cursor being inactive’ is just visually inactive. The JavaScript engine will still consider the text field to be the active element.</a:t>
+            </a:r>
+          </a:p>
+          <a:p>
+            <a:pPr marL="68580" indent="0">
+              <a:buNone/>
+            </a:pPr>
+            <a:r>
+              <a:rPr lang="en-GB" dirty="0"/>
+              <a:t>There is also a reason why I hide the default keyboard and make my own keyboards. In this way keyboards on each side will call JavaScript to the WebView on the same side only. It does not actually input a character.</a:t>
+            </a:r>
+          </a:p>
+        </p:txBody>
+      </p:sp>
+    </p:spTree>
+    <p:extLst>
+      <p:ext uri="{BB962C8B-B14F-4D97-AF65-F5344CB8AC3E}">
+        <p14:creationId xmlns:p14="http://schemas.microsoft.com/office/powerpoint/2010/main" val="841503701"/>
+      </p:ext>
+    </p:extLst>
+  </p:cSld>
+  <p:clrMapOvr>
+    <a:masterClrMapping/>
+  </p:clrMapOvr>
+  <mc:AlternateContent xmlns:mc="http://schemas.openxmlformats.org/markup-compatibility/2006" xmlns:p14="http://schemas.microsoft.com/office/powerpoint/2010/main">
+    <mc:Choice Requires="p14">
+      <p:transition spd="med" p14:dur="700">
+        <p:fade/>
+      </p:transition>
+    </mc:Choice>
+    <mc:Fallback xmlns="">
+      <p:transition spd="med">
+        <p:fade/>
+      </p:transition>
+    </mc:Fallback>
+  </mc:AlternateContent>
+</p:sld>
+</file>
+
+<file path=ppt/slides/slide17.xml><?xml version="1.0" encoding="utf-8"?>
+<p:sld xmlns:a="http://schemas.openxmlformats.org/drawingml/2006/main" xmlns:r="http://schemas.openxmlformats.org/officeDocument/2006/relationships" xmlns:p="http://schemas.openxmlformats.org/presentationml/2006/main">
+  <p:cSld>
+    <p:spTree>
+      <p:nvGrpSpPr>
+        <p:cNvPr id="1" name=""/>
+        <p:cNvGrpSpPr/>
+        <p:nvPr/>
+      </p:nvGrpSpPr>
+      <p:grpSpPr>
+        <a:xfrm>
+          <a:off x="0" y="0"/>
+          <a:ext cx="0" cy="0"/>
+          <a:chOff x="0" y="0"/>
+          <a:chExt cx="0" cy="0"/>
+        </a:xfrm>
+      </p:grpSpPr>
+      <p:sp>
+        <p:nvSpPr>
+          <p:cNvPr id="2" name="Título 1">
+            <a:extLst>
+              <a:ext uri="{FF2B5EF4-FFF2-40B4-BE49-F238E27FC236}">
+                <a16:creationId xmlns:a16="http://schemas.microsoft.com/office/drawing/2014/main" id="{3835C49F-1AE5-451E-B1F1-673D798EE714}"/>
+              </a:ext>
+            </a:extLst>
+          </p:cNvPr>
+          <p:cNvSpPr>
+            <a:spLocks noGrp="1"/>
+          </p:cNvSpPr>
+          <p:nvPr>
+            <p:ph type="title"/>
+          </p:nvPr>
+        </p:nvSpPr>
+        <p:spPr/>
+        <p:txBody>
+          <a:bodyPr/>
+          <a:lstStyle/>
+          <a:p>
+            <a:r>
+              <a:rPr lang="en-GB" dirty="0"/>
+              <a:t>Other challenges</a:t>
+            </a:r>
+          </a:p>
+        </p:txBody>
+      </p:sp>
+      <p:sp>
+        <p:nvSpPr>
+          <p:cNvPr id="3" name="Marcador de contenido 2">
+            <a:extLst>
+              <a:ext uri="{FF2B5EF4-FFF2-40B4-BE49-F238E27FC236}">
+                <a16:creationId xmlns:a16="http://schemas.microsoft.com/office/drawing/2014/main" id="{68253B17-9802-4126-95F1-90C7D480C4DB}"/>
+              </a:ext>
+            </a:extLst>
+          </p:cNvPr>
+          <p:cNvSpPr>
+            <a:spLocks noGrp="1"/>
+          </p:cNvSpPr>
+          <p:nvPr>
+            <p:ph idx="1"/>
+          </p:nvPr>
+        </p:nvSpPr>
+        <p:spPr/>
+        <p:txBody>
+          <a:bodyPr/>
+          <a:lstStyle/>
+          <a:p>
+            <a:r>
+              <a:rPr lang="en-GB" dirty="0" err="1"/>
+              <a:t>Async</a:t>
+            </a:r>
+            <a:r>
+              <a:rPr lang="en-GB" dirty="0"/>
+              <a:t> everywhere</a:t>
+            </a:r>
+          </a:p>
+          <a:p>
+            <a:pPr lvl="1"/>
+            <a:r>
+              <a:rPr lang="en-GB" dirty="0"/>
+              <a:t>You cannot do any networking on the main thread</a:t>
+            </a:r>
+          </a:p>
+          <a:p>
+            <a:pPr lvl="1"/>
+            <a:r>
+              <a:rPr lang="en-GB" dirty="0"/>
+              <a:t>Pausing the game needs Semaphore </a:t>
+            </a:r>
+            <a:r>
+              <a:rPr lang="en-GB" sz="2000" b="1" dirty="0">
+                <a:solidFill>
+                  <a:srgbClr val="FFFF00"/>
+                </a:solidFill>
+              </a:rPr>
+              <a:t>(</a:t>
+            </a:r>
+            <a:r>
+              <a:rPr lang="en-GB" sz="2000" b="1" dirty="0" err="1">
+                <a:solidFill>
+                  <a:srgbClr val="FFFF00"/>
+                </a:solidFill>
+              </a:rPr>
+              <a:t>CountdownLatch</a:t>
+            </a:r>
+            <a:r>
+              <a:rPr lang="en-GB" sz="2000" b="1" dirty="0">
+                <a:solidFill>
+                  <a:srgbClr val="FFFF00"/>
+                </a:solidFill>
+              </a:rPr>
+              <a:t>)</a:t>
+            </a:r>
+          </a:p>
+          <a:p>
+            <a:pPr lvl="1"/>
+            <a:r>
+              <a:rPr lang="en-GB" dirty="0"/>
+              <a:t>Timer needs Semaphore</a:t>
+            </a:r>
+          </a:p>
+          <a:p>
+            <a:pPr lvl="1"/>
+            <a:r>
+              <a:rPr lang="en-GB" dirty="0"/>
+              <a:t>Exchanging data with the WebView needs </a:t>
+            </a:r>
+            <a:r>
+              <a:rPr lang="en-GB" dirty="0" err="1"/>
+              <a:t>SystemClock.sleep</a:t>
+            </a:r>
+            <a:r>
+              <a:rPr lang="en-GB" dirty="0"/>
+              <a:t> and </a:t>
+            </a:r>
+            <a:r>
+              <a:rPr lang="en-GB" dirty="0" err="1"/>
+              <a:t>CountdownLatch</a:t>
+            </a:r>
+            <a:r>
+              <a:rPr lang="en-GB" dirty="0"/>
+              <a:t> </a:t>
+            </a:r>
+            <a:r>
+              <a:rPr lang="en-GB" sz="1600" b="1" dirty="0">
+                <a:solidFill>
+                  <a:srgbClr val="FFFF00"/>
+                </a:solidFill>
+              </a:rPr>
+              <a:t>(cannot exchange data directly even with @</a:t>
+            </a:r>
+            <a:r>
+              <a:rPr lang="en-GB" sz="1600" b="1" dirty="0" err="1">
+                <a:solidFill>
+                  <a:srgbClr val="FFFF00"/>
+                </a:solidFill>
+              </a:rPr>
+              <a:t>JavaScriptInterface</a:t>
+            </a:r>
+            <a:r>
+              <a:rPr lang="en-GB" sz="1600" b="1" dirty="0">
+                <a:solidFill>
+                  <a:srgbClr val="FFFF00"/>
+                </a:solidFill>
+              </a:rPr>
+              <a:t>)</a:t>
+            </a:r>
+            <a:endParaRPr lang="en-GB" sz="1600" dirty="0"/>
+          </a:p>
+          <a:p>
+            <a:pPr lvl="1"/>
+            <a:r>
+              <a:rPr lang="en-GB" dirty="0"/>
+              <a:t>…</a:t>
+            </a:r>
+          </a:p>
+          <a:p>
+            <a:r>
+              <a:rPr lang="en-GB" dirty="0"/>
+              <a:t>Loading SVG</a:t>
+            </a:r>
+          </a:p>
+          <a:p>
+            <a:pPr lvl="1"/>
+            <a:endParaRPr lang="en-GB" dirty="0"/>
+          </a:p>
+        </p:txBody>
+      </p:sp>
+    </p:spTree>
+    <p:extLst>
+      <p:ext uri="{BB962C8B-B14F-4D97-AF65-F5344CB8AC3E}">
+        <p14:creationId xmlns:p14="http://schemas.microsoft.com/office/powerpoint/2010/main" val="4173701584"/>
+      </p:ext>
+    </p:extLst>
+  </p:cSld>
+  <p:clrMapOvr>
+    <a:masterClrMapping/>
+  </p:clrMapOvr>
+  <mc:AlternateContent xmlns:mc="http://schemas.openxmlformats.org/markup-compatibility/2006" xmlns:p14="http://schemas.microsoft.com/office/powerpoint/2010/main">
+    <mc:Choice Requires="p14">
+      <p:transition spd="med" p14:dur="700">
+        <p:fade/>
+      </p:transition>
+    </mc:Choice>
+    <mc:Fallback xmlns="">
+      <p:transition spd="med">
+        <p:fade/>
+      </p:transition>
+    </mc:Fallback>
+  </mc:AlternateContent>
+</p:sld>
+</file>
+
+<file path=ppt/slides/slide2.xml><?xml version="1.0" encoding="utf-8"?>
+<p:sld xmlns:a="http://schemas.openxmlformats.org/drawingml/2006/main" xmlns:r="http://schemas.openxmlformats.org/officeDocument/2006/relationships" xmlns:p="http://schemas.openxmlformats.org/presentationml/2006/main">
+  <p:cSld>
+    <p:spTree>
+      <p:nvGrpSpPr>
+        <p:cNvPr id="1" name=""/>
+        <p:cNvGrpSpPr/>
+        <p:nvPr/>
+      </p:nvGrpSpPr>
+      <p:grpSpPr>
+        <a:xfrm>
+          <a:off x="0" y="0"/>
+          <a:ext cx="0" cy="0"/>
+          <a:chOff x="0" y="0"/>
+          <a:chExt cx="0" cy="0"/>
+        </a:xfrm>
+      </p:grpSpPr>
+      <p:sp>
+        <p:nvSpPr>
+          <p:cNvPr id="2" name="Título 1">
+            <a:extLst>
+              <a:ext uri="{FF2B5EF4-FFF2-40B4-BE49-F238E27FC236}">
+                <a16:creationId xmlns:a16="http://schemas.microsoft.com/office/drawing/2014/main" id="{CEE1776C-514F-4EF1-A9ED-DF794292B376}"/>
+              </a:ext>
+            </a:extLst>
+          </p:cNvPr>
+          <p:cNvSpPr>
+            <a:spLocks noGrp="1"/>
+          </p:cNvSpPr>
+          <p:nvPr>
+            <p:ph type="title"/>
+          </p:nvPr>
+        </p:nvSpPr>
+        <p:spPr/>
+        <p:txBody>
+          <a:bodyPr/>
+          <a:lstStyle/>
+          <a:p>
+            <a:r>
+              <a:rPr lang="en-GB" dirty="0"/>
+              <a:t>Download APK</a:t>
+            </a:r>
+          </a:p>
+        </p:txBody>
+      </p:sp>
+      <p:sp>
+        <p:nvSpPr>
+          <p:cNvPr id="3" name="Marcador de contenido 2">
+            <a:extLst>
+              <a:ext uri="{FF2B5EF4-FFF2-40B4-BE49-F238E27FC236}">
+                <a16:creationId xmlns:a16="http://schemas.microsoft.com/office/drawing/2014/main" id="{B6F426EA-BE50-4ED3-819D-8886097F902E}"/>
+              </a:ext>
+            </a:extLst>
+          </p:cNvPr>
+          <p:cNvSpPr>
+            <a:spLocks noGrp="1"/>
+          </p:cNvSpPr>
+          <p:nvPr>
+            <p:ph idx="1"/>
+          </p:nvPr>
+        </p:nvSpPr>
+        <p:spPr/>
+        <p:txBody>
+          <a:bodyPr/>
+          <a:lstStyle/>
+          <a:p>
+            <a:r>
+              <a:rPr lang="en-GB" dirty="0"/>
+              <a:t>Since I don’t have a Google Play dev account, visit this page to download the APK:</a:t>
+            </a:r>
+          </a:p>
+          <a:p>
+            <a:r>
+              <a:rPr lang="en-GB" dirty="0">
+                <a:hlinkClick r:id="rId2"/>
+              </a:rPr>
+              <a:t>https://github.com/SoftFeta/tempusespatium/releases</a:t>
+            </a:r>
+            <a:r>
+              <a:rPr lang="en-GB" dirty="0"/>
+              <a:t> </a:t>
+            </a:r>
+          </a:p>
+        </p:txBody>
+      </p:sp>
+    </p:spTree>
+    <p:extLst>
+      <p:ext uri="{BB962C8B-B14F-4D97-AF65-F5344CB8AC3E}">
+        <p14:creationId xmlns:p14="http://schemas.microsoft.com/office/powerpoint/2010/main" val="3136967422"/>
+      </p:ext>
+    </p:extLst>
+  </p:cSld>
+  <p:clrMapOvr>
+    <a:masterClrMapping/>
+  </p:clrMapOvr>
+  <mc:AlternateContent xmlns:mc="http://schemas.openxmlformats.org/markup-compatibility/2006" xmlns:p14="http://schemas.microsoft.com/office/powerpoint/2010/main">
+    <mc:Choice Requires="p14">
+      <p:transition spd="med" p14:dur="700">
+        <p:fade/>
+      </p:transition>
+    </mc:Choice>
+    <mc:Fallback xmlns="">
+      <p:transition spd="med">
+        <p:fade/>
+      </p:transition>
+    </mc:Fallback>
+  </mc:AlternateContent>
+</p:sld>
+</file>
+
+<file path=ppt/slides/slide3.xml><?xml version="1.0" encoding="utf-8"?>
+<p:sld xmlns:a="http://schemas.openxmlformats.org/drawingml/2006/main" xmlns:r="http://schemas.openxmlformats.org/officeDocument/2006/relationships" xmlns:p="http://schemas.openxmlformats.org/presentationml/2006/main">
+  <p:cSld>
+    <p:spTree>
+      <p:nvGrpSpPr>
+        <p:cNvPr id="1" name=""/>
+        <p:cNvGrpSpPr/>
+        <p:nvPr/>
+      </p:nvGrpSpPr>
+      <p:grpSpPr>
+        <a:xfrm>
+          <a:off x="0" y="0"/>
+          <a:ext cx="0" cy="0"/>
+          <a:chOff x="0" y="0"/>
+          <a:chExt cx="0" cy="0"/>
+        </a:xfrm>
+      </p:grpSpPr>
+      <p:sp>
+        <p:nvSpPr>
+          <p:cNvPr id="2" name="Título 1">
+            <a:extLst>
+              <a:ext uri="{FF2B5EF4-FFF2-40B4-BE49-F238E27FC236}">
+                <a16:creationId xmlns:a16="http://schemas.microsoft.com/office/drawing/2014/main" id="{0D1E5BFE-FBC4-474E-9D5F-7776382AAC00}"/>
+              </a:ext>
+            </a:extLst>
+          </p:cNvPr>
+          <p:cNvSpPr>
+            <a:spLocks noGrp="1"/>
+          </p:cNvSpPr>
+          <p:nvPr>
+            <p:ph type="title"/>
+          </p:nvPr>
+        </p:nvSpPr>
+        <p:spPr>
+          <a:xfrm>
+            <a:off x="740229" y="584635"/>
+            <a:ext cx="10363200" cy="914400"/>
+          </a:xfrm>
+        </p:spPr>
+        <p:txBody>
+          <a:bodyPr/>
+          <a:lstStyle/>
+          <a:p>
+            <a:r>
+              <a:rPr lang="en-GB" dirty="0"/>
+              <a:t>Why?</a:t>
+            </a:r>
+          </a:p>
+        </p:txBody>
+      </p:sp>
+      <p:sp>
+        <p:nvSpPr>
+          <p:cNvPr id="3" name="Marcador de contenido 2">
+            <a:extLst>
+              <a:ext uri="{FF2B5EF4-FFF2-40B4-BE49-F238E27FC236}">
+                <a16:creationId xmlns:a16="http://schemas.microsoft.com/office/drawing/2014/main" id="{6D3C9751-F8D5-4161-8109-D741F76C3EC8}"/>
+              </a:ext>
+            </a:extLst>
+          </p:cNvPr>
+          <p:cNvSpPr>
+            <a:spLocks noGrp="1"/>
+          </p:cNvSpPr>
+          <p:nvPr>
+            <p:ph idx="1"/>
+          </p:nvPr>
+        </p:nvSpPr>
+        <p:spPr>
+          <a:xfrm>
+            <a:off x="348343" y="1623903"/>
+            <a:ext cx="11713029" cy="4572000"/>
+          </a:xfrm>
+        </p:spPr>
+        <p:txBody>
+          <a:bodyPr>
+            <a:normAutofit/>
+          </a:bodyPr>
+          <a:lstStyle/>
+          <a:p>
+            <a:r>
+              <a:rPr lang="en-GB" sz="2800" dirty="0"/>
+              <a:t>Most </a:t>
+            </a:r>
+            <a:r>
+              <a:rPr lang="en-GB" sz="3200" b="1" dirty="0"/>
+              <a:t>edutainment</a:t>
+            </a:r>
+            <a:r>
+              <a:rPr lang="en-GB" sz="2800" dirty="0"/>
+              <a:t> apps are for </a:t>
+            </a:r>
+            <a:r>
+              <a:rPr lang="en-GB" sz="3200" b="1" dirty="0"/>
+              <a:t>kids</a:t>
+            </a:r>
+            <a:r>
+              <a:rPr lang="en-GB" sz="2800" dirty="0"/>
+              <a:t> and specialise in some topics, too </a:t>
+            </a:r>
+            <a:r>
+              <a:rPr lang="en-GB" sz="3200" b="1" dirty="0"/>
+              <a:t>easy</a:t>
+            </a:r>
+            <a:r>
+              <a:rPr lang="en-GB" sz="3200" dirty="0"/>
+              <a:t>,</a:t>
+            </a:r>
+            <a:r>
+              <a:rPr lang="en-GB" sz="3200" b="1" dirty="0"/>
+              <a:t> </a:t>
+            </a:r>
+            <a:r>
+              <a:rPr lang="en-GB" sz="2800" dirty="0"/>
+              <a:t>not so </a:t>
+            </a:r>
+            <a:r>
+              <a:rPr lang="en-GB" sz="3200" b="1" dirty="0"/>
+              <a:t>educative</a:t>
+            </a:r>
+            <a:endParaRPr lang="en-GB" sz="2800" b="1" dirty="0"/>
+          </a:p>
+          <a:p>
+            <a:r>
+              <a:rPr lang="en-GB" sz="2800" dirty="0"/>
+              <a:t>Never heard of a game that uses </a:t>
+            </a:r>
+            <a:r>
+              <a:rPr lang="en-GB" sz="3200" b="1" dirty="0"/>
+              <a:t>natural language processing</a:t>
+            </a:r>
+          </a:p>
+          <a:p>
+            <a:r>
+              <a:rPr lang="en-GB" sz="2800" dirty="0"/>
+              <a:t>Never heard of a game that </a:t>
+            </a:r>
+            <a:r>
+              <a:rPr lang="en-GB" sz="3200" b="1" dirty="0"/>
+              <a:t>generates levels real-time using external resources </a:t>
+            </a:r>
+            <a:r>
+              <a:rPr lang="en-GB" sz="2000" b="1" dirty="0">
+                <a:solidFill>
+                  <a:srgbClr val="FFFF00"/>
+                </a:solidFill>
+              </a:rPr>
+              <a:t>(hmm… Wikipedia has tens of thousands of articles…)</a:t>
+            </a:r>
+            <a:endParaRPr lang="en-GB" sz="2800" b="1" dirty="0">
+              <a:solidFill>
+                <a:srgbClr val="FFFF00"/>
+              </a:solidFill>
+            </a:endParaRPr>
+          </a:p>
+          <a:p>
+            <a:r>
+              <a:rPr lang="en-GB" sz="2400" dirty="0"/>
+              <a:t>Never heard of a game that has multi-lingual actual </a:t>
+            </a:r>
+            <a:r>
+              <a:rPr lang="en-GB" sz="2800" b="1" dirty="0"/>
+              <a:t>content</a:t>
+            </a:r>
+            <a:r>
+              <a:rPr lang="en-GB" sz="2400" b="1" dirty="0">
+                <a:solidFill>
+                  <a:srgbClr val="FFFF00"/>
+                </a:solidFill>
+              </a:rPr>
+              <a:t> </a:t>
+            </a:r>
+            <a:r>
+              <a:rPr lang="en-GB" sz="1800" b="1" dirty="0">
+                <a:solidFill>
+                  <a:srgbClr val="FFFF00"/>
+                </a:solidFill>
+              </a:rPr>
+              <a:t>(NOT interface) </a:t>
+            </a:r>
+            <a:endParaRPr lang="en-GB" sz="2800" dirty="0"/>
+          </a:p>
+          <a:p>
+            <a:r>
+              <a:rPr lang="en-GB" sz="2400" dirty="0"/>
+              <a:t>Most multi-player games are </a:t>
+            </a:r>
+            <a:r>
+              <a:rPr lang="en-GB" sz="2800" b="1" dirty="0"/>
+              <a:t>pass-and-play,</a:t>
+            </a:r>
+            <a:r>
+              <a:rPr lang="en-GB" sz="2400" dirty="0"/>
+              <a:t> don’t make use of </a:t>
+            </a:r>
+            <a:r>
+              <a:rPr lang="en-GB" sz="2800" b="1" dirty="0"/>
+              <a:t>multi-touch</a:t>
+            </a:r>
+          </a:p>
+          <a:p>
+            <a:endParaRPr lang="en-GB" sz="2800" dirty="0"/>
+          </a:p>
+          <a:p>
+            <a:endParaRPr lang="en-GB" sz="2800" dirty="0"/>
+          </a:p>
+          <a:p>
+            <a:endParaRPr lang="en-GB" sz="2800" dirty="0"/>
+          </a:p>
+        </p:txBody>
+      </p:sp>
+    </p:spTree>
+    <p:extLst>
+      <p:ext uri="{BB962C8B-B14F-4D97-AF65-F5344CB8AC3E}">
+        <p14:creationId xmlns:p14="http://schemas.microsoft.com/office/powerpoint/2010/main" val="1009486797"/>
+      </p:ext>
+    </p:extLst>
+  </p:cSld>
+  <p:clrMapOvr>
+    <a:masterClrMapping/>
+  </p:clrMapOvr>
+  <mc:AlternateContent xmlns:mc="http://schemas.openxmlformats.org/markup-compatibility/2006" xmlns:p14="http://schemas.microsoft.com/office/powerpoint/2010/main">
+    <mc:Choice Requires="p14">
+      <p:transition spd="med" p14:dur="700">
+        <p:fade/>
+      </p:transition>
+    </mc:Choice>
+    <mc:Fallback xmlns="">
+      <p:transition spd="med">
+        <p:fade/>
+      </p:transition>
+    </mc:Fallback>
+  </mc:AlternateContent>
+</p:sld>
+</file>
+
+<file path=ppt/slides/slide4.xml><?xml version="1.0" encoding="utf-8"?>
+<p:sld xmlns:a="http://schemas.openxmlformats.org/drawingml/2006/main" xmlns:r="http://schemas.openxmlformats.org/officeDocument/2006/relationships" xmlns:p="http://schemas.openxmlformats.org/presentationml/2006/main">
+  <p:cSld>
+    <p:spTree>
+      <p:nvGrpSpPr>
+        <p:cNvPr id="1" name=""/>
+        <p:cNvGrpSpPr/>
+        <p:nvPr/>
+      </p:nvGrpSpPr>
+      <p:grpSpPr>
+        <a:xfrm>
+          <a:off x="0" y="0"/>
+          <a:ext cx="0" cy="0"/>
+          <a:chOff x="0" y="0"/>
+          <a:chExt cx="0" cy="0"/>
+        </a:xfrm>
+      </p:grpSpPr>
+      <p:sp>
+        <p:nvSpPr>
+          <p:cNvPr id="2" name="Título 1">
+            <a:extLst>
+              <a:ext uri="{FF2B5EF4-FFF2-40B4-BE49-F238E27FC236}">
+                <a16:creationId xmlns:a16="http://schemas.microsoft.com/office/drawing/2014/main" id="{B0B69AEA-9620-4CAD-91D4-1E7F3F37115B}"/>
+              </a:ext>
+            </a:extLst>
+          </p:cNvPr>
+          <p:cNvSpPr>
+            <a:spLocks noGrp="1"/>
+          </p:cNvSpPr>
+          <p:nvPr>
+            <p:ph type="title"/>
+          </p:nvPr>
+        </p:nvSpPr>
+        <p:spPr/>
+        <p:txBody>
+          <a:bodyPr/>
+          <a:lstStyle/>
+          <a:p>
+            <a:r>
+              <a:rPr lang="en-GB" dirty="0" err="1"/>
+              <a:t>Wikipedias</a:t>
+            </a:r>
+            <a:endParaRPr lang="en-GB" dirty="0"/>
+          </a:p>
+        </p:txBody>
+      </p:sp>
+      <p:sp>
+        <p:nvSpPr>
+          <p:cNvPr id="3" name="Marcador de contenido 2">
+            <a:extLst>
+              <a:ext uri="{FF2B5EF4-FFF2-40B4-BE49-F238E27FC236}">
+                <a16:creationId xmlns:a16="http://schemas.microsoft.com/office/drawing/2014/main" id="{B491E654-43DC-4F8C-B24F-C6C3D22E776C}"/>
+              </a:ext>
+            </a:extLst>
+          </p:cNvPr>
+          <p:cNvSpPr>
+            <a:spLocks noGrp="1"/>
+          </p:cNvSpPr>
+          <p:nvPr>
+            <p:ph idx="1"/>
+          </p:nvPr>
+        </p:nvSpPr>
+        <p:spPr>
+          <a:xfrm>
+            <a:off x="647700" y="1683649"/>
+            <a:ext cx="10363200" cy="5074441"/>
+          </a:xfrm>
+        </p:spPr>
+        <p:txBody>
+          <a:bodyPr>
+            <a:normAutofit fontScale="92500" lnSpcReduction="20000"/>
+          </a:bodyPr>
+          <a:lstStyle/>
+          <a:p>
+            <a:r>
+              <a:rPr lang="en-GB" dirty="0"/>
+              <a:t>Not just English Wikipedia</a:t>
+            </a:r>
+          </a:p>
+          <a:p>
+            <a:endParaRPr lang="en-GB" dirty="0"/>
+          </a:p>
+          <a:p>
+            <a:r>
+              <a:rPr lang="en-GB" dirty="0"/>
+              <a:t>Tens of thousands of articles</a:t>
+            </a:r>
+          </a:p>
+          <a:p>
+            <a:r>
+              <a:rPr lang="en-GB" dirty="0"/>
+              <a:t>Thousands of </a:t>
+            </a:r>
+            <a:r>
+              <a:rPr lang="en-GB" dirty="0" err="1"/>
+              <a:t>WikiProjects</a:t>
+            </a:r>
+            <a:endParaRPr lang="en-GB" dirty="0"/>
+          </a:p>
+          <a:p>
+            <a:endParaRPr lang="en-GB" dirty="0"/>
+          </a:p>
+          <a:p>
+            <a:r>
+              <a:rPr lang="en-GB" dirty="0"/>
+              <a:t>You can learn whatever you want</a:t>
+            </a:r>
+          </a:p>
+          <a:p>
+            <a:endParaRPr lang="en-GB" dirty="0"/>
+          </a:p>
+          <a:p>
+            <a:endParaRPr lang="en-GB" dirty="0"/>
+          </a:p>
+          <a:p>
+            <a:endParaRPr lang="en-GB" dirty="0"/>
+          </a:p>
+          <a:p>
+            <a:r>
+              <a:rPr lang="en-GB" dirty="0"/>
+              <a:t>Why does an Wikipedia article has so many hyperlinks? Even ‘animal’ is a link? Readers are not that stupid aren’t they?                  ►Semantic web</a:t>
+            </a:r>
+          </a:p>
+        </p:txBody>
+      </p:sp>
+      <p:pic>
+        <p:nvPicPr>
+          <p:cNvPr id="4" name="Imagen 3">
+            <a:extLst>
+              <a:ext uri="{FF2B5EF4-FFF2-40B4-BE49-F238E27FC236}">
+                <a16:creationId xmlns:a16="http://schemas.microsoft.com/office/drawing/2014/main" id="{2060CC6F-1DE2-487B-A41E-63DEED3E4C58}"/>
+              </a:ext>
+            </a:extLst>
+          </p:cNvPr>
+          <p:cNvPicPr>
+            <a:picLocks noChangeAspect="1"/>
+          </p:cNvPicPr>
+          <p:nvPr/>
+        </p:nvPicPr>
+        <p:blipFill>
+          <a:blip r:embed="rId2"/>
+          <a:stretch>
+            <a:fillRect/>
+          </a:stretch>
+        </p:blipFill>
+        <p:spPr>
+          <a:xfrm>
+            <a:off x="6765080" y="130321"/>
+            <a:ext cx="5963949" cy="3708806"/>
+          </a:xfrm>
+          <a:prstGeom prst="rect">
+            <a:avLst/>
+          </a:prstGeom>
+        </p:spPr>
+      </p:pic>
+      <p:cxnSp>
+        <p:nvCxnSpPr>
+          <p:cNvPr id="6" name="Conector recto de flecha 5">
+            <a:extLst>
+              <a:ext uri="{FF2B5EF4-FFF2-40B4-BE49-F238E27FC236}">
+                <a16:creationId xmlns:a16="http://schemas.microsoft.com/office/drawing/2014/main" id="{FAFCED91-C7B9-4EA0-B0E6-2946779E45CF}"/>
+              </a:ext>
+            </a:extLst>
+          </p:cNvPr>
+          <p:cNvCxnSpPr>
+            <a:cxnSpLocks/>
+            <a:stCxn id="8" idx="3"/>
+          </p:cNvCxnSpPr>
+          <p:nvPr/>
+        </p:nvCxnSpPr>
+        <p:spPr>
+          <a:xfrm flipV="1">
+            <a:off x="6281400" y="1180507"/>
+            <a:ext cx="1452900" cy="952292"/>
+          </a:xfrm>
+          <a:prstGeom prst="straightConnector1">
+            <a:avLst/>
+          </a:prstGeom>
+          <a:ln>
+            <a:tailEnd type="triangle"/>
+          </a:ln>
+        </p:spPr>
+        <p:style>
+          <a:lnRef idx="1">
+            <a:schemeClr val="accent1"/>
+          </a:lnRef>
+          <a:fillRef idx="0">
+            <a:schemeClr val="accent1"/>
+          </a:fillRef>
+          <a:effectRef idx="0">
+            <a:schemeClr val="accent1"/>
+          </a:effectRef>
+          <a:fontRef idx="minor">
+            <a:schemeClr val="tx1"/>
+          </a:fontRef>
+        </p:style>
+      </p:cxnSp>
+      <p:sp>
+        <p:nvSpPr>
+          <p:cNvPr id="8" name="CuadroTexto 7">
+            <a:extLst>
+              <a:ext uri="{FF2B5EF4-FFF2-40B4-BE49-F238E27FC236}">
+                <a16:creationId xmlns:a16="http://schemas.microsoft.com/office/drawing/2014/main" id="{8E363090-789E-4681-A8AF-BAEE58831E5A}"/>
+              </a:ext>
+            </a:extLst>
+          </p:cNvPr>
+          <p:cNvSpPr txBox="1"/>
+          <p:nvPr/>
+        </p:nvSpPr>
+        <p:spPr>
+          <a:xfrm>
+            <a:off x="3559629" y="1948133"/>
+            <a:ext cx="2721771" cy="369332"/>
+          </a:xfrm>
+          <a:prstGeom prst="rect">
+            <a:avLst/>
+          </a:prstGeom>
+          <a:noFill/>
+        </p:spPr>
+        <p:txBody>
+          <a:bodyPr wrap="none" rtlCol="0">
+            <a:spAutoFit/>
+          </a:bodyPr>
+          <a:lstStyle/>
+          <a:p>
+            <a:r>
+              <a:rPr lang="en-GB" b="1" dirty="0"/>
+              <a:t>This is a real Wikipedia</a:t>
+            </a:r>
+          </a:p>
+        </p:txBody>
+      </p:sp>
+    </p:spTree>
+    <p:extLst>
+      <p:ext uri="{BB962C8B-B14F-4D97-AF65-F5344CB8AC3E}">
+        <p14:creationId xmlns:p14="http://schemas.microsoft.com/office/powerpoint/2010/main" val="1382313683"/>
+      </p:ext>
+    </p:extLst>
+  </p:cSld>
+  <p:clrMapOvr>
+    <a:masterClrMapping/>
+  </p:clrMapOvr>
+  <mc:AlternateContent xmlns:mc="http://schemas.openxmlformats.org/markup-compatibility/2006" xmlns:p14="http://schemas.microsoft.com/office/powerpoint/2010/main">
+    <mc:Choice Requires="p14">
+      <p:transition spd="med" p14:dur="700">
+        <p:fade/>
+      </p:transition>
+    </mc:Choice>
+    <mc:Fallback xmlns="">
+      <p:transition spd="med">
+        <p:fade/>
+      </p:transition>
+    </mc:Fallback>
+  </mc:AlternateContent>
+</p:sld>
+</file>
+
+<file path=ppt/slides/slide5.xml><?xml version="1.0" encoding="utf-8"?>
+<p:sld xmlns:a="http://schemas.openxmlformats.org/drawingml/2006/main" xmlns:r="http://schemas.openxmlformats.org/officeDocument/2006/relationships" xmlns:p="http://schemas.openxmlformats.org/presentationml/2006/main">
+  <p:cSld>
+    <p:spTree>
+      <p:nvGrpSpPr>
+        <p:cNvPr id="1" name=""/>
+        <p:cNvGrpSpPr/>
+        <p:nvPr/>
+      </p:nvGrpSpPr>
+      <p:grpSpPr>
+        <a:xfrm>
+          <a:off x="0" y="0"/>
+          <a:ext cx="0" cy="0"/>
+          <a:chOff x="0" y="0"/>
+          <a:chExt cx="0" cy="0"/>
+        </a:xfrm>
+      </p:grpSpPr>
+      <p:sp>
+        <p:nvSpPr>
+          <p:cNvPr id="3" name="Marcador de contenido 2">
+            <a:extLst>
+              <a:ext uri="{FF2B5EF4-FFF2-40B4-BE49-F238E27FC236}">
+                <a16:creationId xmlns:a16="http://schemas.microsoft.com/office/drawing/2014/main" id="{E1AFD4AB-1A48-4A8B-8D55-4A8935466E3B}"/>
+              </a:ext>
+            </a:extLst>
+          </p:cNvPr>
+          <p:cNvSpPr>
+            <a:spLocks noGrp="1"/>
+          </p:cNvSpPr>
+          <p:nvPr>
+            <p:ph idx="1"/>
+          </p:nvPr>
+        </p:nvSpPr>
+        <p:spPr>
+          <a:xfrm>
+            <a:off x="914400" y="931164"/>
+            <a:ext cx="10528300" cy="4572000"/>
+          </a:xfrm>
+        </p:spPr>
+        <p:txBody>
+          <a:bodyPr>
+            <a:normAutofit fontScale="85000" lnSpcReduction="20000"/>
+          </a:bodyPr>
+          <a:lstStyle/>
+          <a:p>
+            <a:pPr marL="68580" indent="0" algn="r">
+              <a:buNone/>
+            </a:pPr>
+            <a:r>
+              <a:rPr lang="en-US" dirty="0"/>
+              <a:t>Why was &lt;</a:t>
+            </a:r>
+            <a:r>
+              <a:rPr lang="en-US" dirty="0" err="1"/>
+              <a:t>i</a:t>
+            </a:r>
+            <a:r>
+              <a:rPr lang="en-US" dirty="0"/>
+              <a:t>&gt; replaced by &lt;</a:t>
+            </a:r>
+            <a:r>
+              <a:rPr lang="en-US" dirty="0" err="1"/>
+              <a:t>em</a:t>
+            </a:r>
+            <a:r>
+              <a:rPr lang="en-US" dirty="0"/>
+              <a:t>&gt; (emphasis)?           </a:t>
+            </a:r>
+            <a:r>
+              <a:rPr lang="en-GB" dirty="0"/>
+              <a:t>► </a:t>
+            </a:r>
+            <a:r>
+              <a:rPr lang="en-US" dirty="0"/>
+              <a:t>Semantic web </a:t>
+            </a:r>
+            <a:r>
+              <a:rPr lang="en-US" sz="1700" b="1" dirty="0">
+                <a:solidFill>
+                  <a:srgbClr val="FFFF00"/>
+                </a:solidFill>
+              </a:rPr>
+              <a:t>(to discourage people using italics not for emphasis)</a:t>
+            </a:r>
+          </a:p>
+          <a:p>
+            <a:endParaRPr lang="en-US" dirty="0"/>
+          </a:p>
+          <a:p>
+            <a:pPr marL="68580" indent="0">
+              <a:buNone/>
+            </a:pPr>
+            <a:r>
+              <a:rPr lang="en-US" dirty="0"/>
+              <a:t>In Wikipedia, hyperlinked terms are important terms!</a:t>
+            </a:r>
+          </a:p>
+          <a:p>
+            <a:endParaRPr lang="en-US" dirty="0"/>
+          </a:p>
+          <a:p>
+            <a:endParaRPr lang="en-US" dirty="0"/>
+          </a:p>
+          <a:p>
+            <a:pPr marL="68580" indent="0">
+              <a:buNone/>
+            </a:pPr>
+            <a:endParaRPr lang="en-US" dirty="0"/>
+          </a:p>
+          <a:p>
+            <a:pPr marL="68580" indent="0">
+              <a:buNone/>
+            </a:pPr>
+            <a:endParaRPr lang="en-US" dirty="0"/>
+          </a:p>
+          <a:p>
+            <a:pPr marL="68580" indent="0">
+              <a:buNone/>
+            </a:pPr>
+            <a:r>
+              <a:rPr lang="en-US" dirty="0"/>
+              <a:t>A web of data (or data web)  that can be processed by machines—that is, one in which much of the meaning is machine-readable.</a:t>
+            </a:r>
+          </a:p>
+          <a:p>
+            <a:endParaRPr lang="en-US" dirty="0"/>
+          </a:p>
+          <a:p>
+            <a:pPr marL="68580" indent="0">
+              <a:buNone/>
+            </a:pPr>
+            <a:r>
+              <a:rPr lang="en-US" dirty="0"/>
+              <a:t>I use 2 approaches in my app</a:t>
+            </a:r>
+          </a:p>
+        </p:txBody>
+      </p:sp>
+      <p:sp>
+        <p:nvSpPr>
+          <p:cNvPr id="2" name="Título 1">
+            <a:extLst>
+              <a:ext uri="{FF2B5EF4-FFF2-40B4-BE49-F238E27FC236}">
+                <a16:creationId xmlns:a16="http://schemas.microsoft.com/office/drawing/2014/main" id="{20BAF431-DD8A-42D4-890B-50D61B4BFB10}"/>
+              </a:ext>
+            </a:extLst>
+          </p:cNvPr>
+          <p:cNvSpPr>
+            <a:spLocks noGrp="1"/>
+          </p:cNvSpPr>
+          <p:nvPr>
+            <p:ph type="title"/>
+          </p:nvPr>
+        </p:nvSpPr>
+        <p:spPr>
+          <a:xfrm>
+            <a:off x="914400" y="2759964"/>
+            <a:ext cx="10363200" cy="914400"/>
+          </a:xfrm>
+        </p:spPr>
+        <p:txBody>
+          <a:bodyPr/>
+          <a:lstStyle/>
+          <a:p>
+            <a:r>
+              <a:rPr lang="es-ES" sz="2400" dirty="0" err="1"/>
+              <a:t>Semantic</a:t>
+            </a:r>
+            <a:r>
+              <a:rPr lang="es-ES" sz="2400" dirty="0"/>
+              <a:t> Web</a:t>
+            </a:r>
+            <a:br>
+              <a:rPr lang="en-GB" sz="3600" dirty="0"/>
+            </a:br>
+            <a:r>
+              <a:rPr lang="en-GB" sz="3600" dirty="0"/>
+              <a:t>Definition from Wikipedia</a:t>
+            </a:r>
+          </a:p>
+        </p:txBody>
+      </p:sp>
+    </p:spTree>
+    <p:extLst>
+      <p:ext uri="{BB962C8B-B14F-4D97-AF65-F5344CB8AC3E}">
+        <p14:creationId xmlns:p14="http://schemas.microsoft.com/office/powerpoint/2010/main" val="101950916"/>
+      </p:ext>
+    </p:extLst>
+  </p:cSld>
+  <p:clrMapOvr>
+    <a:masterClrMapping/>
+  </p:clrMapOvr>
+  <mc:AlternateContent xmlns:mc="http://schemas.openxmlformats.org/markup-compatibility/2006" xmlns:p14="http://schemas.microsoft.com/office/powerpoint/2010/main">
+    <mc:Choice Requires="p14">
+      <p:transition spd="med" p14:dur="700">
+        <p:fade/>
+      </p:transition>
+    </mc:Choice>
+    <mc:Fallback xmlns="">
+      <p:transition spd="med">
+        <p:fade/>
+      </p:transition>
+    </mc:Fallback>
+  </mc:AlternateContent>
+</p:sld>
+</file>
+
+<file path=ppt/slides/slide6.xml><?xml version="1.0" encoding="utf-8"?>
+<p:sld xmlns:a="http://schemas.openxmlformats.org/drawingml/2006/main" xmlns:r="http://schemas.openxmlformats.org/officeDocument/2006/relationships" xmlns:p="http://schemas.openxmlformats.org/presentationml/2006/main">
+  <p:cSld>
+    <p:spTree>
+      <p:nvGrpSpPr>
+        <p:cNvPr id="1" name=""/>
+        <p:cNvGrpSpPr/>
+        <p:nvPr/>
+      </p:nvGrpSpPr>
+      <p:grpSpPr>
+        <a:xfrm>
+          <a:off x="0" y="0"/>
+          <a:ext cx="0" cy="0"/>
+          <a:chOff x="0" y="0"/>
+          <a:chExt cx="0" cy="0"/>
+        </a:xfrm>
+      </p:grpSpPr>
+      <p:sp>
+        <p:nvSpPr>
+          <p:cNvPr id="13" name="Título 12"/>
+          <p:cNvSpPr>
+            <a:spLocks noGrp="1"/>
+          </p:cNvSpPr>
+          <p:nvPr>
+            <p:ph type="title"/>
+          </p:nvPr>
+        </p:nvSpPr>
+        <p:spPr/>
+        <p:txBody>
+          <a:bodyPr rtlCol="0"/>
+          <a:lstStyle/>
+          <a:p>
+            <a:pPr rtl="0"/>
+            <a:r>
+              <a:rPr lang="es-ES" sz="1800" dirty="0" err="1"/>
+              <a:t>Semantic</a:t>
+            </a:r>
+            <a:r>
+              <a:rPr lang="es-ES" sz="1800" dirty="0"/>
+              <a:t> Web</a:t>
+            </a:r>
+            <a:br>
+              <a:rPr lang="es-ES" sz="2000" dirty="0"/>
+            </a:br>
+            <a:r>
+              <a:rPr lang="es-ES" sz="3600" dirty="0"/>
+              <a:t>1. </a:t>
+            </a:r>
+            <a:r>
+              <a:rPr lang="es-ES" sz="3600" dirty="0" err="1"/>
+              <a:t>The</a:t>
+            </a:r>
+            <a:r>
+              <a:rPr lang="es-ES" sz="3600" dirty="0"/>
+              <a:t> </a:t>
+            </a:r>
+            <a:r>
+              <a:rPr lang="es-ES" b="1" dirty="0" err="1"/>
+              <a:t>traditional</a:t>
+            </a:r>
+            <a:r>
+              <a:rPr lang="es-ES" sz="3600" dirty="0"/>
+              <a:t> </a:t>
+            </a:r>
+            <a:r>
+              <a:rPr lang="es-ES" sz="3600" dirty="0" err="1"/>
+              <a:t>way</a:t>
+            </a:r>
+            <a:r>
+              <a:rPr lang="es-ES" sz="3600" dirty="0"/>
+              <a:t> – Web </a:t>
+            </a:r>
+            <a:r>
+              <a:rPr lang="es-ES" sz="3600" dirty="0" err="1"/>
+              <a:t>scraping</a:t>
+            </a:r>
+            <a:endParaRPr lang="es-ES" sz="2000" dirty="0"/>
+          </a:p>
+        </p:txBody>
+      </p:sp>
+      <p:sp>
+        <p:nvSpPr>
+          <p:cNvPr id="14" name="Marcador de posición de contenido 13"/>
+          <p:cNvSpPr>
+            <a:spLocks noGrp="1"/>
+          </p:cNvSpPr>
+          <p:nvPr>
+            <p:ph idx="1"/>
+          </p:nvPr>
+        </p:nvSpPr>
+        <p:spPr/>
+        <p:txBody>
+          <a:bodyPr rtlCol="0">
+            <a:normAutofit/>
+          </a:bodyPr>
+          <a:lstStyle/>
+          <a:p>
+            <a:pPr marL="68580" indent="0">
+              <a:buNone/>
+            </a:pPr>
+            <a:r>
+              <a:rPr lang="es-ES" dirty="0"/>
+              <a:t>Used in 2 </a:t>
+            </a:r>
+            <a:r>
+              <a:rPr lang="es-ES" dirty="0" err="1"/>
+              <a:t>of</a:t>
+            </a:r>
+            <a:r>
+              <a:rPr lang="es-ES" dirty="0"/>
+              <a:t> </a:t>
+            </a:r>
+            <a:r>
+              <a:rPr lang="es-ES" dirty="0" err="1"/>
+              <a:t>my</a:t>
+            </a:r>
+            <a:r>
+              <a:rPr lang="es-ES" dirty="0"/>
+              <a:t> mini-</a:t>
+            </a:r>
+            <a:r>
+              <a:rPr lang="es-ES" dirty="0" err="1"/>
+              <a:t>games</a:t>
+            </a:r>
+            <a:r>
+              <a:rPr lang="es-ES" dirty="0"/>
+              <a:t>:</a:t>
+            </a:r>
+          </a:p>
+          <a:p>
+            <a:r>
+              <a:rPr lang="es-ES" dirty="0" err="1"/>
+              <a:t>Fill</a:t>
+            </a:r>
+            <a:r>
+              <a:rPr lang="es-ES" dirty="0"/>
+              <a:t> in </a:t>
+            </a:r>
+            <a:r>
+              <a:rPr lang="es-ES" dirty="0" err="1"/>
+              <a:t>the</a:t>
+            </a:r>
+            <a:r>
+              <a:rPr lang="es-ES" dirty="0"/>
+              <a:t> </a:t>
+            </a:r>
+            <a:r>
+              <a:rPr lang="es-ES" dirty="0" err="1"/>
+              <a:t>blanks</a:t>
+            </a:r>
+            <a:endParaRPr lang="es-ES" dirty="0"/>
+          </a:p>
+          <a:p>
+            <a:r>
+              <a:rPr lang="es-ES" dirty="0"/>
+              <a:t>Match </a:t>
+            </a:r>
+            <a:r>
+              <a:rPr lang="es-ES" dirty="0" err="1"/>
+              <a:t>the</a:t>
+            </a:r>
+            <a:r>
+              <a:rPr lang="es-ES" dirty="0"/>
+              <a:t> </a:t>
+            </a:r>
+            <a:r>
+              <a:rPr lang="es-ES" dirty="0" err="1"/>
+              <a:t>category</a:t>
+            </a:r>
+            <a:r>
+              <a:rPr lang="es-ES" dirty="0"/>
+              <a:t> </a:t>
+            </a:r>
+            <a:r>
+              <a:rPr lang="es-ES" dirty="0" err="1"/>
+              <a:t>to</a:t>
+            </a:r>
+            <a:r>
+              <a:rPr lang="es-ES" dirty="0"/>
+              <a:t> </a:t>
+            </a:r>
+            <a:r>
+              <a:rPr lang="es-ES" dirty="0" err="1"/>
+              <a:t>the</a:t>
+            </a:r>
+            <a:r>
+              <a:rPr lang="es-ES" dirty="0"/>
+              <a:t> </a:t>
+            </a:r>
+            <a:r>
+              <a:rPr lang="es-ES" dirty="0" err="1"/>
+              <a:t>most</a:t>
+            </a:r>
+            <a:r>
+              <a:rPr lang="es-ES" dirty="0"/>
+              <a:t> </a:t>
+            </a:r>
+            <a:r>
+              <a:rPr lang="es-ES" dirty="0" err="1"/>
+              <a:t>relevant</a:t>
+            </a:r>
+            <a:r>
+              <a:rPr lang="es-ES" dirty="0"/>
+              <a:t> </a:t>
+            </a:r>
+            <a:r>
+              <a:rPr lang="es-ES" dirty="0" err="1"/>
+              <a:t>words</a:t>
+            </a:r>
+            <a:endParaRPr lang="es-ES" dirty="0"/>
+          </a:p>
+        </p:txBody>
+      </p:sp>
+      <p:pic>
+        <p:nvPicPr>
+          <p:cNvPr id="5" name="Picture 6" descr="https://bangladroid.files.wordpress.com/2017/03/xpath_logo2.jpg?w=1400">
+            <a:extLst>
+              <a:ext uri="{FF2B5EF4-FFF2-40B4-BE49-F238E27FC236}">
+                <a16:creationId xmlns:a16="http://schemas.microsoft.com/office/drawing/2014/main" id="{267CE06E-3AC5-4F3D-B6A1-E9D847215400}"/>
+              </a:ext>
+            </a:extLst>
+          </p:cNvPr>
+          <p:cNvPicPr>
+            <a:picLocks noChangeAspect="1" noChangeArrowheads="1"/>
+          </p:cNvPicPr>
+          <p:nvPr/>
+        </p:nvPicPr>
+        <p:blipFill>
+          <a:blip r:embed="rId3" cstate="print">
+            <a:extLst>
+              <a:ext uri="{28A0092B-C50C-407E-A947-70E740481C1C}">
+                <a14:useLocalDpi xmlns:a14="http://schemas.microsoft.com/office/drawing/2010/main" val="0"/>
+              </a:ext>
+            </a:extLst>
+          </a:blip>
+          <a:srcRect/>
+          <a:stretch>
+            <a:fillRect/>
+          </a:stretch>
+        </p:blipFill>
+        <p:spPr bwMode="auto">
+          <a:xfrm>
+            <a:off x="8953772" y="119985"/>
+            <a:ext cx="1676128" cy="784157"/>
+          </a:xfrm>
+          <a:prstGeom prst="rect">
+            <a:avLst/>
+          </a:prstGeom>
+          <a:noFill/>
+          <a:extLst>
+            <a:ext uri="{909E8E84-426E-40DD-AFC4-6F175D3DCCD1}">
+              <a14:hiddenFill xmlns:a14="http://schemas.microsoft.com/office/drawing/2010/main">
+                <a:solidFill>
+                  <a:srgbClr val="FFFFFF"/>
+                </a:solidFill>
+              </a14:hiddenFill>
+            </a:ext>
+          </a:extLst>
+        </p:spPr>
+      </p:pic>
+      <p:pic>
+        <p:nvPicPr>
+          <p:cNvPr id="2051" name="Picture 3" descr="ç¸éåç">
+            <a:extLst>
+              <a:ext uri="{FF2B5EF4-FFF2-40B4-BE49-F238E27FC236}">
+                <a16:creationId xmlns:a16="http://schemas.microsoft.com/office/drawing/2014/main" id="{B3209FCD-1755-4BBD-8EC5-C06BDE4B6557}"/>
+              </a:ext>
+            </a:extLst>
+          </p:cNvPr>
+          <p:cNvPicPr>
+            <a:picLocks noChangeAspect="1" noChangeArrowheads="1"/>
+          </p:cNvPicPr>
+          <p:nvPr/>
+        </p:nvPicPr>
+        <p:blipFill>
+          <a:blip r:embed="rId4">
+            <a:extLst>
+              <a:ext uri="{28A0092B-C50C-407E-A947-70E740481C1C}">
+                <a14:useLocalDpi xmlns:a14="http://schemas.microsoft.com/office/drawing/2010/main" val="0"/>
+              </a:ext>
+            </a:extLst>
+          </a:blip>
+          <a:srcRect/>
+          <a:stretch>
+            <a:fillRect/>
+          </a:stretch>
+        </p:blipFill>
+        <p:spPr bwMode="auto">
+          <a:xfrm>
+            <a:off x="10629900" y="271548"/>
+            <a:ext cx="1402443" cy="1395431"/>
+          </a:xfrm>
+          <a:prstGeom prst="rect">
+            <a:avLst/>
+          </a:prstGeom>
+          <a:noFill/>
+          <a:extLst>
+            <a:ext uri="{909E8E84-426E-40DD-AFC4-6F175D3DCCD1}">
+              <a14:hiddenFill xmlns:a14="http://schemas.microsoft.com/office/drawing/2010/main">
+                <a:solidFill>
+                  <a:srgbClr val="FFFFFF"/>
+                </a:solidFill>
+              </a14:hiddenFill>
+            </a:ext>
+          </a:extLst>
+        </p:spPr>
+      </p:pic>
+      <p:sp>
+        <p:nvSpPr>
+          <p:cNvPr id="3" name="CuadroTexto 2">
+            <a:extLst>
+              <a:ext uri="{FF2B5EF4-FFF2-40B4-BE49-F238E27FC236}">
+                <a16:creationId xmlns:a16="http://schemas.microsoft.com/office/drawing/2014/main" id="{F71B58C2-2450-4C37-ABC6-5EFC2503908A}"/>
+              </a:ext>
+            </a:extLst>
+          </p:cNvPr>
+          <p:cNvSpPr txBox="1"/>
+          <p:nvPr/>
+        </p:nvSpPr>
+        <p:spPr>
+          <a:xfrm>
+            <a:off x="10972800" y="1633876"/>
+            <a:ext cx="928459" cy="369332"/>
+          </a:xfrm>
+          <a:prstGeom prst="rect">
+            <a:avLst/>
+          </a:prstGeom>
+          <a:noFill/>
+        </p:spPr>
+        <p:txBody>
+          <a:bodyPr wrap="none" rtlCol="0">
+            <a:spAutoFit/>
+          </a:bodyPr>
+          <a:lstStyle/>
+          <a:p>
+            <a:r>
+              <a:rPr lang="en-GB" dirty="0"/>
+              <a:t>crawler</a:t>
+            </a:r>
+          </a:p>
+        </p:txBody>
+      </p:sp>
+    </p:spTree>
+    <p:extLst>
+      <p:ext uri="{BB962C8B-B14F-4D97-AF65-F5344CB8AC3E}">
+        <p14:creationId xmlns:p14="http://schemas.microsoft.com/office/powerpoint/2010/main" val="1464853443"/>
+      </p:ext>
+    </p:extLst>
+  </p:cSld>
+  <p:clrMapOvr>
+    <a:masterClrMapping/>
+  </p:clrMapOvr>
+  <mc:AlternateContent xmlns:mc="http://schemas.openxmlformats.org/markup-compatibility/2006" xmlns:p14="http://schemas.microsoft.com/office/powerpoint/2010/main">
+    <mc:Choice Requires="p14">
+      <p:transition spd="med" p14:dur="700">
+        <p:fade/>
+      </p:transition>
+    </mc:Choice>
+    <mc:Fallback xmlns="">
+      <p:transition spd="med">
+        <p:fade/>
+      </p:transition>
+    </mc:Fallback>
+  </mc:AlternateContent>
+</p:sld>
+</file>
+
+<file path=ppt/slides/slide7.xml><?xml version="1.0" encoding="utf-8"?>
+<p:sld xmlns:a="http://schemas.openxmlformats.org/drawingml/2006/main" xmlns:r="http://schemas.openxmlformats.org/officeDocument/2006/relationships" xmlns:p="http://schemas.openxmlformats.org/presentationml/2006/main">
+  <p:cSld>
+    <p:spTree>
+      <p:nvGrpSpPr>
+        <p:cNvPr id="1" name=""/>
+        <p:cNvGrpSpPr/>
+        <p:nvPr/>
+      </p:nvGrpSpPr>
+      <p:grpSpPr>
+        <a:xfrm>
+          <a:off x="0" y="0"/>
+          <a:ext cx="0" cy="0"/>
+          <a:chOff x="0" y="0"/>
+          <a:chExt cx="0" cy="0"/>
+        </a:xfrm>
+      </p:grpSpPr>
+      <p:sp>
+        <p:nvSpPr>
+          <p:cNvPr id="13" name="Título 12"/>
+          <p:cNvSpPr>
+            <a:spLocks noGrp="1"/>
+          </p:cNvSpPr>
+          <p:nvPr>
+            <p:ph type="title"/>
+          </p:nvPr>
+        </p:nvSpPr>
+        <p:spPr/>
+        <p:txBody>
+          <a:bodyPr rtlCol="0"/>
+          <a:lstStyle/>
+          <a:p>
+            <a:pPr rtl="0"/>
+            <a:r>
+              <a:rPr lang="es-ES" sz="1800" dirty="0" err="1"/>
+              <a:t>Semantic</a:t>
+            </a:r>
+            <a:r>
+              <a:rPr lang="es-ES" sz="1800" dirty="0"/>
+              <a:t> Web</a:t>
+            </a:r>
+            <a:br>
+              <a:rPr lang="es-ES" sz="2000" dirty="0"/>
+            </a:br>
+            <a:r>
+              <a:rPr lang="es-ES" sz="3600" dirty="0"/>
+              <a:t>1. </a:t>
+            </a:r>
+            <a:r>
+              <a:rPr lang="es-ES" sz="3600" dirty="0" err="1"/>
+              <a:t>The</a:t>
+            </a:r>
+            <a:r>
+              <a:rPr lang="es-ES" sz="3600" dirty="0"/>
+              <a:t> </a:t>
+            </a:r>
+            <a:r>
+              <a:rPr lang="es-ES" b="1" dirty="0" err="1"/>
+              <a:t>traditional</a:t>
+            </a:r>
+            <a:r>
+              <a:rPr lang="es-ES" sz="3600" dirty="0"/>
+              <a:t> </a:t>
+            </a:r>
+            <a:r>
+              <a:rPr lang="es-ES" sz="3600" dirty="0" err="1"/>
+              <a:t>way</a:t>
+            </a:r>
+            <a:r>
+              <a:rPr lang="es-ES" sz="3600" dirty="0"/>
+              <a:t> – Web </a:t>
+            </a:r>
+            <a:r>
+              <a:rPr lang="es-ES" sz="3600" dirty="0" err="1"/>
+              <a:t>scraping</a:t>
+            </a:r>
+            <a:endParaRPr lang="es-ES" sz="2000" dirty="0"/>
+          </a:p>
+        </p:txBody>
+      </p:sp>
+      <p:sp>
+        <p:nvSpPr>
+          <p:cNvPr id="14" name="Marcador de posición de contenido 13"/>
+          <p:cNvSpPr>
+            <a:spLocks noGrp="1"/>
+          </p:cNvSpPr>
+          <p:nvPr>
+            <p:ph idx="1"/>
+          </p:nvPr>
+        </p:nvSpPr>
+        <p:spPr/>
+        <p:txBody>
+          <a:bodyPr rtlCol="0">
+            <a:normAutofit fontScale="85000" lnSpcReduction="20000"/>
+          </a:bodyPr>
+          <a:lstStyle/>
+          <a:p>
+            <a:pPr marL="68580" lvl="0" indent="0" rtl="0">
+              <a:buNone/>
+            </a:pPr>
+            <a:r>
+              <a:rPr lang="es-ES" sz="2400" dirty="0"/>
+              <a:t>Q: </a:t>
+            </a:r>
+            <a:r>
+              <a:rPr lang="es-ES" sz="2400" dirty="0" err="1"/>
+              <a:t>What</a:t>
+            </a:r>
+            <a:r>
+              <a:rPr lang="es-ES" sz="2400" dirty="0"/>
+              <a:t> </a:t>
+            </a:r>
+            <a:r>
+              <a:rPr lang="es-ES" sz="2400" dirty="0" err="1"/>
+              <a:t>is</a:t>
+            </a:r>
+            <a:r>
+              <a:rPr lang="es-ES" sz="2400" dirty="0"/>
+              <a:t> web </a:t>
+            </a:r>
+            <a:r>
+              <a:rPr lang="es-ES" sz="2400" dirty="0" err="1"/>
+              <a:t>scraping</a:t>
+            </a:r>
+            <a:r>
+              <a:rPr lang="es-ES" sz="2400" dirty="0"/>
+              <a:t>?</a:t>
+            </a:r>
+          </a:p>
+          <a:p>
+            <a:pPr marL="68580" lvl="0" indent="0" rtl="0">
+              <a:buNone/>
+            </a:pPr>
+            <a:r>
+              <a:rPr lang="es-ES" sz="2400" dirty="0"/>
+              <a:t>A: In short, </a:t>
+            </a:r>
+            <a:r>
+              <a:rPr lang="es-ES" sz="2400" dirty="0" err="1"/>
+              <a:t>we</a:t>
+            </a:r>
+            <a:r>
+              <a:rPr lang="es-ES" sz="2400" dirty="0"/>
+              <a:t> </a:t>
+            </a:r>
+            <a:r>
+              <a:rPr lang="es-ES" sz="2400" dirty="0" err="1"/>
+              <a:t>specify</a:t>
+            </a:r>
+            <a:r>
+              <a:rPr lang="es-ES" sz="2400" dirty="0"/>
+              <a:t> a ‘base </a:t>
+            </a:r>
+            <a:r>
+              <a:rPr lang="es-ES" sz="2400" dirty="0" err="1"/>
+              <a:t>website</a:t>
+            </a:r>
+            <a:r>
+              <a:rPr lang="es-ES" sz="2400" dirty="0"/>
+              <a:t>’ and </a:t>
+            </a:r>
+            <a:r>
+              <a:rPr lang="es-ES" sz="2400" dirty="0" err="1"/>
+              <a:t>get</a:t>
+            </a:r>
+            <a:r>
+              <a:rPr lang="es-ES" sz="2400" dirty="0"/>
+              <a:t> </a:t>
+            </a:r>
+            <a:r>
+              <a:rPr lang="es-ES" sz="2400" dirty="0" err="1"/>
+              <a:t>its</a:t>
+            </a:r>
+            <a:r>
+              <a:rPr lang="es-ES" sz="2400" dirty="0"/>
+              <a:t> </a:t>
+            </a:r>
+            <a:r>
+              <a:rPr lang="es-ES" sz="2400" dirty="0" err="1"/>
+              <a:t>content</a:t>
+            </a:r>
+            <a:r>
+              <a:rPr lang="es-ES" sz="2400" dirty="0"/>
+              <a:t>, </a:t>
+            </a:r>
+            <a:r>
+              <a:rPr lang="es-ES" sz="2400" dirty="0" err="1"/>
+              <a:t>then</a:t>
+            </a:r>
+            <a:r>
+              <a:rPr lang="es-ES" sz="2400" dirty="0"/>
+              <a:t> </a:t>
+            </a:r>
+            <a:r>
+              <a:rPr lang="es-ES" sz="2400" dirty="0" err="1"/>
+              <a:t>follow</a:t>
+            </a:r>
+            <a:r>
+              <a:rPr lang="es-ES" sz="2400" dirty="0"/>
+              <a:t> </a:t>
+            </a:r>
+            <a:r>
+              <a:rPr lang="es-ES" sz="2400" dirty="0" err="1"/>
+              <a:t>its</a:t>
+            </a:r>
+            <a:r>
+              <a:rPr lang="es-ES" sz="2400" dirty="0"/>
+              <a:t> </a:t>
+            </a:r>
+            <a:r>
+              <a:rPr lang="es-ES" sz="2400" dirty="0" err="1"/>
+              <a:t>hyperlinks</a:t>
+            </a:r>
+            <a:r>
+              <a:rPr lang="es-ES" sz="2400" dirty="0"/>
+              <a:t> </a:t>
+            </a:r>
+            <a:r>
+              <a:rPr lang="es-ES" sz="2400" dirty="0" err="1"/>
+              <a:t>until</a:t>
+            </a:r>
+            <a:r>
+              <a:rPr lang="es-ES" sz="2400" dirty="0"/>
+              <a:t> </a:t>
+            </a:r>
+            <a:r>
+              <a:rPr lang="es-ES" sz="2400" dirty="0" err="1"/>
+              <a:t>some</a:t>
+            </a:r>
+            <a:r>
+              <a:rPr lang="es-ES" sz="2400" dirty="0"/>
+              <a:t> </a:t>
+            </a:r>
+            <a:r>
+              <a:rPr lang="es-ES" sz="2400" dirty="0" err="1"/>
+              <a:t>useful</a:t>
+            </a:r>
+            <a:r>
+              <a:rPr lang="es-ES" sz="2400" dirty="0"/>
+              <a:t> data </a:t>
+            </a:r>
+            <a:r>
+              <a:rPr lang="es-ES" sz="2400" dirty="0" err="1"/>
+              <a:t>is</a:t>
+            </a:r>
+            <a:r>
+              <a:rPr lang="es-ES" sz="2400" dirty="0"/>
+              <a:t> </a:t>
+            </a:r>
+            <a:r>
+              <a:rPr lang="es-ES" sz="2400" dirty="0" err="1"/>
+              <a:t>found</a:t>
+            </a:r>
+            <a:r>
+              <a:rPr lang="es-ES" sz="2400" dirty="0"/>
+              <a:t>.</a:t>
+            </a:r>
+          </a:p>
+          <a:p>
+            <a:pPr marL="68580" lvl="0" indent="0" rtl="0">
+              <a:buNone/>
+            </a:pPr>
+            <a:endParaRPr lang="es-ES" sz="2400" dirty="0"/>
+          </a:p>
+          <a:p>
+            <a:pPr marL="68580" lvl="0" indent="0" rtl="0">
+              <a:buNone/>
+            </a:pPr>
+            <a:r>
+              <a:rPr lang="es-ES" sz="2400" dirty="0"/>
+              <a:t>Q: </a:t>
+            </a:r>
+            <a:r>
+              <a:rPr lang="es-ES" sz="2400" dirty="0" err="1"/>
+              <a:t>How</a:t>
+            </a:r>
+            <a:r>
+              <a:rPr lang="es-ES" sz="2400" dirty="0"/>
+              <a:t> </a:t>
+            </a:r>
+            <a:r>
+              <a:rPr lang="es-ES" sz="2400" dirty="0" err="1"/>
+              <a:t>is</a:t>
+            </a:r>
+            <a:r>
+              <a:rPr lang="es-ES" sz="2400" dirty="0"/>
+              <a:t> web </a:t>
+            </a:r>
+            <a:r>
+              <a:rPr lang="es-ES" sz="2400" dirty="0" err="1"/>
+              <a:t>scraping</a:t>
+            </a:r>
+            <a:r>
+              <a:rPr lang="es-ES" sz="2400" dirty="0"/>
+              <a:t> done </a:t>
+            </a:r>
+            <a:r>
+              <a:rPr lang="es-ES" sz="2400" dirty="0" err="1"/>
+              <a:t>on</a:t>
+            </a:r>
+            <a:r>
+              <a:rPr lang="es-ES" sz="2400" dirty="0"/>
+              <a:t> Android?</a:t>
+            </a:r>
+          </a:p>
+          <a:p>
+            <a:pPr marL="68580" indent="0">
+              <a:buNone/>
+            </a:pPr>
+            <a:r>
+              <a:rPr lang="es-ES" sz="2400" dirty="0"/>
+              <a:t>A: </a:t>
+            </a:r>
+            <a:r>
+              <a:rPr lang="es-ES" sz="2400" dirty="0" err="1"/>
+              <a:t>Obscure</a:t>
+            </a:r>
+            <a:r>
+              <a:rPr lang="es-ES" sz="2400" dirty="0"/>
+              <a:t>, </a:t>
+            </a:r>
+            <a:r>
+              <a:rPr lang="es-ES" sz="2400" dirty="0" err="1"/>
+              <a:t>but</a:t>
+            </a:r>
+            <a:r>
+              <a:rPr lang="es-ES" sz="2400" dirty="0"/>
+              <a:t> </a:t>
+            </a:r>
+            <a:r>
+              <a:rPr lang="es-ES" sz="2400" dirty="0" err="1"/>
+              <a:t>there</a:t>
+            </a:r>
+            <a:r>
+              <a:rPr lang="es-ES" sz="2400" dirty="0"/>
+              <a:t> are 2 </a:t>
+            </a:r>
+            <a:r>
+              <a:rPr lang="es-ES" sz="2400" dirty="0" err="1"/>
+              <a:t>libraries</a:t>
+            </a:r>
+            <a:r>
+              <a:rPr lang="es-ES" sz="2400" dirty="0"/>
+              <a:t> </a:t>
+            </a:r>
+            <a:r>
+              <a:rPr lang="es-ES" sz="2400" i="1" dirty="0"/>
+              <a:t>org.w3c.dom</a:t>
+            </a:r>
+            <a:r>
+              <a:rPr lang="es-ES" sz="2400" dirty="0"/>
+              <a:t> and </a:t>
+            </a:r>
+            <a:r>
+              <a:rPr lang="es-ES" sz="2400" i="1" dirty="0" err="1"/>
+              <a:t>javax.xml.xpath.xpath</a:t>
+            </a:r>
+            <a:r>
+              <a:rPr lang="es-ES" sz="2400" dirty="0"/>
+              <a:t> </a:t>
+            </a:r>
+            <a:r>
+              <a:rPr lang="es-ES" sz="2400" dirty="0" err="1"/>
+              <a:t>on</a:t>
+            </a:r>
+            <a:r>
+              <a:rPr lang="es-ES" sz="2400" dirty="0"/>
+              <a:t> Android </a:t>
+            </a:r>
+            <a:r>
+              <a:rPr lang="es-ES" sz="2400" dirty="0" err="1"/>
+              <a:t>for</a:t>
+            </a:r>
+            <a:r>
+              <a:rPr lang="es-ES" sz="2400" dirty="0"/>
+              <a:t> </a:t>
+            </a:r>
+            <a:r>
+              <a:rPr lang="es-ES" sz="2400" dirty="0" err="1"/>
+              <a:t>writing</a:t>
+            </a:r>
+            <a:r>
+              <a:rPr lang="es-ES" sz="2400" dirty="0"/>
+              <a:t> </a:t>
+            </a:r>
+            <a:r>
+              <a:rPr lang="es-ES" sz="2400" dirty="0" err="1"/>
+              <a:t>your</a:t>
+            </a:r>
+            <a:r>
+              <a:rPr lang="es-ES" sz="2400" dirty="0"/>
+              <a:t> </a:t>
+            </a:r>
+            <a:r>
+              <a:rPr lang="es-ES" sz="2400" dirty="0" err="1"/>
+              <a:t>own</a:t>
+            </a:r>
+            <a:r>
+              <a:rPr lang="es-ES" sz="2400" dirty="0"/>
+              <a:t> </a:t>
+            </a:r>
+            <a:r>
+              <a:rPr lang="es-ES" sz="2400" dirty="0" err="1"/>
+              <a:t>crawlers</a:t>
+            </a:r>
+            <a:r>
+              <a:rPr lang="es-ES" sz="2400" dirty="0"/>
+              <a:t>. I </a:t>
+            </a:r>
+            <a:r>
+              <a:rPr lang="es-ES" sz="2400" dirty="0" err="1"/>
+              <a:t>send</a:t>
+            </a:r>
+            <a:r>
+              <a:rPr lang="es-ES" sz="2400" dirty="0"/>
+              <a:t> GET </a:t>
+            </a:r>
+            <a:r>
+              <a:rPr lang="es-ES" sz="2400" dirty="0" err="1"/>
+              <a:t>requests</a:t>
+            </a:r>
+            <a:r>
+              <a:rPr lang="es-ES" sz="2400" dirty="0"/>
+              <a:t> </a:t>
+            </a:r>
+            <a:r>
+              <a:rPr lang="es-ES" sz="2400" dirty="0" err="1"/>
+              <a:t>to</a:t>
+            </a:r>
+            <a:r>
+              <a:rPr lang="es-ES" sz="2400" dirty="0"/>
+              <a:t> </a:t>
+            </a:r>
+            <a:r>
+              <a:rPr lang="es-ES" sz="2400" dirty="0" err="1"/>
+              <a:t>get</a:t>
+            </a:r>
+            <a:r>
+              <a:rPr lang="es-ES" sz="2400" dirty="0"/>
+              <a:t> </a:t>
+            </a:r>
+            <a:r>
+              <a:rPr lang="es-ES" sz="2400" dirty="0" err="1"/>
+              <a:t>webpages</a:t>
+            </a:r>
+            <a:r>
+              <a:rPr lang="es-ES" sz="2400" dirty="0"/>
+              <a:t> </a:t>
+            </a:r>
+            <a:r>
+              <a:rPr lang="es-ES" sz="2400" dirty="0" err="1"/>
+              <a:t>using</a:t>
+            </a:r>
+            <a:r>
+              <a:rPr lang="es-ES" sz="2400" dirty="0"/>
+              <a:t> </a:t>
+            </a:r>
+            <a:r>
+              <a:rPr lang="es-ES" sz="2400" dirty="0" err="1"/>
+              <a:t>the</a:t>
+            </a:r>
+            <a:r>
+              <a:rPr lang="es-ES" sz="2400" dirty="0"/>
+              <a:t> </a:t>
+            </a:r>
+            <a:r>
+              <a:rPr lang="es-ES" sz="2400" dirty="0" err="1"/>
+              <a:t>OKHttp</a:t>
+            </a:r>
+            <a:r>
+              <a:rPr lang="es-ES" sz="2400" dirty="0"/>
+              <a:t> </a:t>
+            </a:r>
+            <a:r>
+              <a:rPr lang="es-ES" sz="2400" dirty="0" err="1"/>
+              <a:t>library</a:t>
+            </a:r>
+            <a:r>
+              <a:rPr lang="es-ES" sz="2400" dirty="0"/>
+              <a:t>. I use </a:t>
+            </a:r>
+            <a:r>
+              <a:rPr lang="es-ES" sz="2400" dirty="0" err="1"/>
+              <a:t>RegEx</a:t>
+            </a:r>
+            <a:r>
+              <a:rPr lang="es-ES" sz="2400" dirty="0"/>
+              <a:t> </a:t>
+            </a:r>
+            <a:r>
+              <a:rPr lang="es-ES" sz="2400" dirty="0" err="1"/>
+              <a:t>too</a:t>
+            </a:r>
+            <a:r>
+              <a:rPr lang="es-ES" sz="2400" dirty="0"/>
+              <a:t> </a:t>
+            </a:r>
+            <a:r>
+              <a:rPr lang="es-ES" sz="2400" dirty="0" err="1"/>
+              <a:t>to</a:t>
+            </a:r>
+            <a:r>
+              <a:rPr lang="es-ES" sz="2400" dirty="0"/>
+              <a:t> look </a:t>
+            </a:r>
+            <a:r>
+              <a:rPr lang="es-ES" sz="2400" dirty="0" err="1"/>
+              <a:t>for</a:t>
+            </a:r>
+            <a:r>
+              <a:rPr lang="es-ES" sz="2400" dirty="0"/>
+              <a:t> </a:t>
+            </a:r>
+            <a:r>
+              <a:rPr lang="es-ES" sz="2400" dirty="0" err="1"/>
+              <a:t>interesting</a:t>
+            </a:r>
+            <a:r>
+              <a:rPr lang="es-ES" sz="2400" dirty="0"/>
+              <a:t> data.</a:t>
+            </a:r>
+          </a:p>
+          <a:p>
+            <a:pPr marL="68580" indent="0">
+              <a:buNone/>
+            </a:pPr>
+            <a:endParaRPr lang="es-ES" sz="2400" dirty="0"/>
+          </a:p>
+          <a:p>
+            <a:pPr marL="68580" indent="0">
+              <a:buNone/>
+            </a:pPr>
+            <a:r>
+              <a:rPr lang="es-ES" sz="2400" dirty="0"/>
+              <a:t>Q: </a:t>
+            </a:r>
+            <a:r>
+              <a:rPr lang="es-ES" sz="2400" dirty="0" err="1"/>
+              <a:t>What</a:t>
+            </a:r>
+            <a:r>
+              <a:rPr lang="es-ES" sz="2400" dirty="0"/>
+              <a:t> </a:t>
+            </a:r>
+            <a:r>
+              <a:rPr lang="es-ES" sz="2400" dirty="0" err="1"/>
+              <a:t>is</a:t>
+            </a:r>
+            <a:r>
+              <a:rPr lang="es-ES" sz="2400" dirty="0"/>
+              <a:t> </a:t>
+            </a:r>
+            <a:r>
+              <a:rPr lang="es-ES" sz="2400" dirty="0" err="1"/>
+              <a:t>XPath</a:t>
+            </a:r>
+            <a:r>
+              <a:rPr lang="es-ES" sz="2400" dirty="0"/>
+              <a:t>? </a:t>
+            </a:r>
+            <a:r>
+              <a:rPr lang="es-ES" sz="2400" dirty="0" err="1"/>
+              <a:t>Any</a:t>
+            </a:r>
+            <a:r>
+              <a:rPr lang="es-ES" sz="2400" dirty="0"/>
+              <a:t> </a:t>
+            </a:r>
+            <a:r>
+              <a:rPr lang="es-ES" sz="2400" dirty="0" err="1"/>
+              <a:t>example</a:t>
+            </a:r>
+            <a:r>
+              <a:rPr lang="es-ES" sz="2400" dirty="0"/>
+              <a:t>?</a:t>
+            </a:r>
+          </a:p>
+          <a:p>
+            <a:pPr marL="68580" indent="0">
+              <a:buNone/>
+            </a:pPr>
+            <a:r>
+              <a:rPr lang="es-ES" sz="2400" dirty="0"/>
+              <a:t>A: </a:t>
+            </a:r>
+            <a:r>
+              <a:rPr lang="es-ES" sz="2400" dirty="0" err="1"/>
+              <a:t>XPath</a:t>
+            </a:r>
+            <a:r>
+              <a:rPr lang="es-ES" sz="2400" dirty="0"/>
+              <a:t> </a:t>
+            </a:r>
+            <a:r>
+              <a:rPr lang="es-ES" sz="2400" dirty="0" err="1"/>
+              <a:t>is</a:t>
+            </a:r>
+            <a:r>
+              <a:rPr lang="es-ES" sz="2400" dirty="0"/>
+              <a:t> a </a:t>
+            </a:r>
+            <a:r>
+              <a:rPr lang="es-ES" sz="2400" dirty="0" err="1"/>
+              <a:t>query</a:t>
+            </a:r>
+            <a:r>
+              <a:rPr lang="es-ES" sz="2400" dirty="0"/>
+              <a:t> </a:t>
+            </a:r>
+            <a:r>
+              <a:rPr lang="es-ES" sz="2400" dirty="0" err="1"/>
+              <a:t>language</a:t>
+            </a:r>
+            <a:r>
+              <a:rPr lang="es-ES" sz="2400" dirty="0"/>
+              <a:t>, </a:t>
+            </a:r>
+            <a:r>
+              <a:rPr lang="es-ES" sz="2400" dirty="0" err="1"/>
+              <a:t>like</a:t>
+            </a:r>
+            <a:r>
+              <a:rPr lang="es-ES" sz="2400" dirty="0"/>
+              <a:t> a DOM selector </a:t>
+            </a:r>
+            <a:r>
+              <a:rPr lang="es-ES" sz="2400" dirty="0" err="1"/>
+              <a:t>but</a:t>
+            </a:r>
+            <a:r>
+              <a:rPr lang="es-ES" sz="2400" dirty="0"/>
+              <a:t> </a:t>
+            </a:r>
+            <a:r>
+              <a:rPr lang="es-ES" sz="2400" dirty="0" err="1"/>
+              <a:t>with</a:t>
+            </a:r>
+            <a:r>
+              <a:rPr lang="es-ES" sz="2400" dirty="0"/>
+              <a:t> </a:t>
+            </a:r>
+            <a:r>
+              <a:rPr lang="es-ES" sz="2400" dirty="0" err="1">
+                <a:solidFill>
+                  <a:schemeClr val="accent2"/>
+                </a:solidFill>
+              </a:rPr>
+              <a:t>predicates</a:t>
+            </a:r>
+            <a:r>
+              <a:rPr lang="es-ES" sz="2400" dirty="0"/>
+              <a:t>, </a:t>
+            </a:r>
+            <a:r>
+              <a:rPr lang="es-ES" sz="2400" dirty="0" err="1">
+                <a:solidFill>
+                  <a:srgbClr val="FFFF00"/>
+                </a:solidFill>
+              </a:rPr>
+              <a:t>wildcards</a:t>
+            </a:r>
+            <a:r>
+              <a:rPr lang="es-ES" sz="2400" dirty="0"/>
+              <a:t>, </a:t>
+            </a:r>
+            <a:r>
+              <a:rPr lang="es-ES" sz="2400" dirty="0" err="1"/>
+              <a:t>math</a:t>
+            </a:r>
+            <a:r>
+              <a:rPr lang="es-ES" sz="2400" dirty="0"/>
+              <a:t> </a:t>
+            </a:r>
+            <a:r>
+              <a:rPr lang="es-ES" sz="2400" dirty="0" err="1"/>
+              <a:t>functions</a:t>
+            </a:r>
+            <a:r>
+              <a:rPr lang="es-ES" sz="2400" dirty="0"/>
+              <a:t> and </a:t>
+            </a:r>
+            <a:r>
+              <a:rPr lang="es-ES" sz="2400" dirty="0" err="1"/>
+              <a:t>operators</a:t>
+            </a:r>
+            <a:r>
+              <a:rPr lang="es-ES" sz="2400" dirty="0"/>
+              <a:t>. </a:t>
+            </a:r>
+          </a:p>
+          <a:p>
+            <a:pPr marL="68580" indent="0">
+              <a:buNone/>
+            </a:pPr>
+            <a:r>
+              <a:rPr lang="es-ES" sz="2400" dirty="0">
+                <a:solidFill>
+                  <a:srgbClr val="FFFF00"/>
+                </a:solidFill>
+              </a:rPr>
+              <a:t>//*</a:t>
+            </a:r>
+            <a:r>
+              <a:rPr lang="es-ES" sz="2400" dirty="0">
+                <a:solidFill>
+                  <a:schemeClr val="accent5"/>
+                </a:solidFill>
+              </a:rPr>
+              <a:t>[@id="</a:t>
+            </a:r>
+            <a:r>
+              <a:rPr lang="es-ES" sz="2400" dirty="0" err="1">
+                <a:solidFill>
+                  <a:schemeClr val="accent5"/>
+                </a:solidFill>
+              </a:rPr>
+              <a:t>mw-content-text</a:t>
+            </a:r>
+            <a:r>
+              <a:rPr lang="es-ES" sz="2400" dirty="0">
+                <a:solidFill>
+                  <a:schemeClr val="accent5"/>
+                </a:solidFill>
+              </a:rPr>
+              <a:t>"]</a:t>
+            </a:r>
+            <a:r>
+              <a:rPr lang="es-ES" sz="2400" dirty="0"/>
+              <a:t>/div/table/</a:t>
+            </a:r>
+            <a:r>
+              <a:rPr lang="es-ES" sz="2400" dirty="0" err="1"/>
+              <a:t>tbody</a:t>
+            </a:r>
+            <a:r>
+              <a:rPr lang="es-ES" sz="2400" dirty="0"/>
+              <a:t>/</a:t>
+            </a:r>
+            <a:r>
+              <a:rPr lang="es-ES" sz="2400" dirty="0" err="1"/>
+              <a:t>tr</a:t>
+            </a:r>
+            <a:r>
+              <a:rPr lang="es-ES" sz="2400" dirty="0"/>
+              <a:t>/</a:t>
+            </a:r>
+            <a:r>
+              <a:rPr lang="es-ES" sz="2400" dirty="0" err="1"/>
+              <a:t>td</a:t>
+            </a:r>
+            <a:r>
+              <a:rPr lang="es-ES" sz="2400" dirty="0"/>
+              <a:t>/table/</a:t>
+            </a:r>
+            <a:r>
+              <a:rPr lang="es-ES" sz="2400" dirty="0" err="1"/>
+              <a:t>tbody</a:t>
+            </a:r>
+            <a:r>
+              <a:rPr lang="es-ES" sz="2400" dirty="0"/>
+              <a:t>/</a:t>
+            </a:r>
+            <a:r>
+              <a:rPr lang="es-ES" sz="2400" dirty="0" err="1"/>
+              <a:t>tr</a:t>
+            </a:r>
+            <a:r>
+              <a:rPr lang="es-ES" sz="2400" dirty="0"/>
+              <a:t>/</a:t>
+            </a:r>
+            <a:r>
+              <a:rPr lang="es-ES" sz="2400" dirty="0" err="1"/>
+              <a:t>td</a:t>
+            </a:r>
+            <a:r>
+              <a:rPr lang="es-ES" sz="2400" dirty="0"/>
+              <a:t>/table/</a:t>
+            </a:r>
+            <a:r>
+              <a:rPr lang="es-ES" sz="2400" dirty="0" err="1"/>
+              <a:t>tbody</a:t>
+            </a:r>
+            <a:r>
+              <a:rPr lang="es-ES" sz="2400" dirty="0"/>
+              <a:t>/</a:t>
+            </a:r>
+            <a:r>
+              <a:rPr lang="es-ES" sz="2400" dirty="0" err="1"/>
+              <a:t>tr</a:t>
+            </a:r>
+            <a:r>
+              <a:rPr lang="es-ES" sz="2400" dirty="0"/>
+              <a:t>/</a:t>
+            </a:r>
+            <a:r>
+              <a:rPr lang="es-ES" sz="2400" dirty="0" err="1"/>
+              <a:t>td</a:t>
+            </a:r>
+            <a:r>
+              <a:rPr lang="es-ES" sz="2400" dirty="0">
+                <a:solidFill>
+                  <a:srgbClr val="FFFF00"/>
+                </a:solidFill>
+              </a:rPr>
+              <a:t>//</a:t>
+            </a:r>
+            <a:r>
+              <a:rPr lang="es-ES" sz="2400" dirty="0"/>
+              <a:t>p</a:t>
+            </a:r>
+            <a:r>
+              <a:rPr lang="es-ES" sz="2400" dirty="0">
+                <a:solidFill>
+                  <a:schemeClr val="accent2"/>
+                </a:solidFill>
+              </a:rPr>
+              <a:t>[b/</a:t>
+            </a:r>
+            <a:r>
+              <a:rPr lang="es-ES" sz="2400" dirty="0" err="1">
+                <a:solidFill>
+                  <a:schemeClr val="accent2"/>
+                </a:solidFill>
+              </a:rPr>
+              <a:t>text</a:t>
+            </a:r>
+            <a:r>
+              <a:rPr lang="es-ES" sz="2400" dirty="0">
+                <a:solidFill>
+                  <a:schemeClr val="accent2"/>
+                </a:solidFill>
+              </a:rPr>
+              <a:t>()=“</a:t>
+            </a:r>
+            <a:r>
+              <a:rPr lang="es-ES" sz="2400" dirty="0" err="1">
+                <a:solidFill>
+                  <a:schemeClr val="accent2"/>
+                </a:solidFill>
+              </a:rPr>
+              <a:t>fr</a:t>
+            </a:r>
+            <a:r>
+              <a:rPr lang="es-ES" sz="2400" dirty="0">
+                <a:solidFill>
+                  <a:schemeClr val="accent2"/>
+                </a:solidFill>
+              </a:rPr>
+              <a:t>"]</a:t>
+            </a:r>
+            <a:r>
+              <a:rPr lang="es-ES" sz="2400" dirty="0"/>
+              <a:t>/a</a:t>
+            </a:r>
+            <a:r>
+              <a:rPr lang="es-ES" sz="2400" dirty="0">
+                <a:solidFill>
+                  <a:schemeClr val="accent2"/>
+                </a:solidFill>
+              </a:rPr>
+              <a:t>[</a:t>
+            </a:r>
+            <a:r>
+              <a:rPr lang="es-ES" sz="2400" dirty="0" err="1">
+                <a:solidFill>
+                  <a:schemeClr val="accent2"/>
+                </a:solidFill>
+              </a:rPr>
+              <a:t>not</a:t>
+            </a:r>
+            <a:r>
+              <a:rPr lang="es-ES" sz="2400" dirty="0">
+                <a:solidFill>
+                  <a:schemeClr val="accent2"/>
+                </a:solidFill>
+              </a:rPr>
+              <a:t>(.//</a:t>
+            </a:r>
+            <a:r>
+              <a:rPr lang="es-ES" sz="2400" dirty="0" err="1">
+                <a:solidFill>
+                  <a:schemeClr val="accent2"/>
+                </a:solidFill>
+              </a:rPr>
+              <a:t>img</a:t>
+            </a:r>
+            <a:r>
+              <a:rPr lang="es-ES" sz="2400" dirty="0">
+                <a:solidFill>
+                  <a:schemeClr val="accent2"/>
+                </a:solidFill>
+              </a:rPr>
+              <a:t>)]</a:t>
+            </a:r>
+            <a:r>
+              <a:rPr lang="es-ES" sz="2400" dirty="0"/>
+              <a:t>[1]</a:t>
+            </a:r>
+          </a:p>
+          <a:p>
+            <a:endParaRPr lang="es-ES" dirty="0"/>
+          </a:p>
+        </p:txBody>
+      </p:sp>
+      <p:pic>
+        <p:nvPicPr>
+          <p:cNvPr id="5" name="Picture 6" descr="https://bangladroid.files.wordpress.com/2017/03/xpath_logo2.jpg?w=1400">
+            <a:extLst>
+              <a:ext uri="{FF2B5EF4-FFF2-40B4-BE49-F238E27FC236}">
+                <a16:creationId xmlns:a16="http://schemas.microsoft.com/office/drawing/2014/main" id="{267CE06E-3AC5-4F3D-B6A1-E9D847215400}"/>
+              </a:ext>
+            </a:extLst>
+          </p:cNvPr>
+          <p:cNvPicPr>
+            <a:picLocks noChangeAspect="1" noChangeArrowheads="1"/>
+          </p:cNvPicPr>
+          <p:nvPr/>
+        </p:nvPicPr>
+        <p:blipFill>
+          <a:blip r:embed="rId3" cstate="print">
+            <a:extLst>
+              <a:ext uri="{28A0092B-C50C-407E-A947-70E740481C1C}">
+                <a14:useLocalDpi xmlns:a14="http://schemas.microsoft.com/office/drawing/2010/main" val="0"/>
+              </a:ext>
+            </a:extLst>
+          </a:blip>
+          <a:srcRect/>
+          <a:stretch>
+            <a:fillRect/>
+          </a:stretch>
+        </p:blipFill>
+        <p:spPr bwMode="auto">
+          <a:xfrm>
+            <a:off x="8953772" y="119985"/>
+            <a:ext cx="1676128" cy="784157"/>
+          </a:xfrm>
+          <a:prstGeom prst="rect">
+            <a:avLst/>
+          </a:prstGeom>
+          <a:noFill/>
+          <a:extLst>
+            <a:ext uri="{909E8E84-426E-40DD-AFC4-6F175D3DCCD1}">
+              <a14:hiddenFill xmlns:a14="http://schemas.microsoft.com/office/drawing/2010/main">
+                <a:solidFill>
+                  <a:srgbClr val="FFFFFF"/>
+                </a:solidFill>
+              </a14:hiddenFill>
+            </a:ext>
+          </a:extLst>
+        </p:spPr>
+      </p:pic>
+      <p:pic>
+        <p:nvPicPr>
+          <p:cNvPr id="2051" name="Picture 3" descr="ç¸éåç">
+            <a:extLst>
+              <a:ext uri="{FF2B5EF4-FFF2-40B4-BE49-F238E27FC236}">
+                <a16:creationId xmlns:a16="http://schemas.microsoft.com/office/drawing/2014/main" id="{B3209FCD-1755-4BBD-8EC5-C06BDE4B6557}"/>
+              </a:ext>
+            </a:extLst>
+          </p:cNvPr>
+          <p:cNvPicPr>
+            <a:picLocks noChangeAspect="1" noChangeArrowheads="1"/>
+          </p:cNvPicPr>
+          <p:nvPr/>
+        </p:nvPicPr>
+        <p:blipFill>
+          <a:blip r:embed="rId4">
+            <a:extLst>
+              <a:ext uri="{28A0092B-C50C-407E-A947-70E740481C1C}">
+                <a14:useLocalDpi xmlns:a14="http://schemas.microsoft.com/office/drawing/2010/main" val="0"/>
+              </a:ext>
+            </a:extLst>
+          </a:blip>
+          <a:srcRect/>
+          <a:stretch>
+            <a:fillRect/>
+          </a:stretch>
+        </p:blipFill>
+        <p:spPr bwMode="auto">
+          <a:xfrm>
+            <a:off x="10629900" y="271548"/>
+            <a:ext cx="1402443" cy="1395431"/>
+          </a:xfrm>
+          <a:prstGeom prst="rect">
+            <a:avLst/>
+          </a:prstGeom>
+          <a:noFill/>
+          <a:extLst>
+            <a:ext uri="{909E8E84-426E-40DD-AFC4-6F175D3DCCD1}">
+              <a14:hiddenFill xmlns:a14="http://schemas.microsoft.com/office/drawing/2010/main">
+                <a:solidFill>
+                  <a:srgbClr val="FFFFFF"/>
+                </a:solidFill>
+              </a14:hiddenFill>
+            </a:ext>
+          </a:extLst>
+        </p:spPr>
+      </p:pic>
+      <p:sp>
+        <p:nvSpPr>
+          <p:cNvPr id="3" name="CuadroTexto 2">
+            <a:extLst>
+              <a:ext uri="{FF2B5EF4-FFF2-40B4-BE49-F238E27FC236}">
+                <a16:creationId xmlns:a16="http://schemas.microsoft.com/office/drawing/2014/main" id="{F71B58C2-2450-4C37-ABC6-5EFC2503908A}"/>
+              </a:ext>
+            </a:extLst>
+          </p:cNvPr>
+          <p:cNvSpPr txBox="1"/>
+          <p:nvPr/>
+        </p:nvSpPr>
+        <p:spPr>
+          <a:xfrm>
+            <a:off x="10972800" y="1633876"/>
+            <a:ext cx="928459" cy="369332"/>
+          </a:xfrm>
+          <a:prstGeom prst="rect">
+            <a:avLst/>
+          </a:prstGeom>
+          <a:noFill/>
+        </p:spPr>
+        <p:txBody>
+          <a:bodyPr wrap="none" rtlCol="0">
+            <a:spAutoFit/>
+          </a:bodyPr>
+          <a:lstStyle/>
+          <a:p>
+            <a:r>
+              <a:rPr lang="en-GB" dirty="0"/>
+              <a:t>crawler</a:t>
+            </a:r>
+          </a:p>
+        </p:txBody>
+      </p:sp>
+    </p:spTree>
+    <p:extLst>
+      <p:ext uri="{BB962C8B-B14F-4D97-AF65-F5344CB8AC3E}">
+        <p14:creationId xmlns:p14="http://schemas.microsoft.com/office/powerpoint/2010/main" val="2409311953"/>
+      </p:ext>
+    </p:extLst>
+  </p:cSld>
+  <p:clrMapOvr>
+    <a:masterClrMapping/>
+  </p:clrMapOvr>
+  <mc:AlternateContent xmlns:mc="http://schemas.openxmlformats.org/markup-compatibility/2006" xmlns:p14="http://schemas.microsoft.com/office/powerpoint/2010/main">
+    <mc:Choice Requires="p14">
+      <p:transition spd="med" p14:dur="700">
+        <p:fade/>
+      </p:transition>
+    </mc:Choice>
+    <mc:Fallback xmlns="">
+      <p:transition spd="med">
+        <p:fade/>
+      </p:transition>
+    </mc:Fallback>
+  </mc:AlternateContent>
+</p:sld>
+</file>
+
+<file path=ppt/slides/slide8.xml><?xml version="1.0" encoding="utf-8"?>
+<p:sld xmlns:a="http://schemas.openxmlformats.org/drawingml/2006/main" xmlns:r="http://schemas.openxmlformats.org/officeDocument/2006/relationships" xmlns:p="http://schemas.openxmlformats.org/presentationml/2006/main">
+  <p:cSld>
+    <p:spTree>
+      <p:nvGrpSpPr>
+        <p:cNvPr id="1" name=""/>
+        <p:cNvGrpSpPr/>
+        <p:nvPr/>
+      </p:nvGrpSpPr>
+      <p:grpSpPr>
+        <a:xfrm>
+          <a:off x="0" y="0"/>
+          <a:ext cx="0" cy="0"/>
+          <a:chOff x="0" y="0"/>
+          <a:chExt cx="0" cy="0"/>
+        </a:xfrm>
+      </p:grpSpPr>
+      <p:sp>
+        <p:nvSpPr>
+          <p:cNvPr id="2" name="Título 1">
+            <a:extLst>
+              <a:ext uri="{FF2B5EF4-FFF2-40B4-BE49-F238E27FC236}">
+                <a16:creationId xmlns:a16="http://schemas.microsoft.com/office/drawing/2014/main" id="{6A9EBEC9-9DAA-486E-A096-DF4B77E0E150}"/>
+              </a:ext>
+            </a:extLst>
+          </p:cNvPr>
+          <p:cNvSpPr>
+            <a:spLocks noGrp="1"/>
+          </p:cNvSpPr>
+          <p:nvPr>
+            <p:ph type="title"/>
+          </p:nvPr>
+        </p:nvSpPr>
+        <p:spPr/>
+        <p:txBody>
+          <a:bodyPr/>
+          <a:lstStyle/>
+          <a:p>
+            <a:r>
+              <a:rPr lang="es-ES" sz="2000" dirty="0" err="1"/>
+              <a:t>Semantic</a:t>
+            </a:r>
+            <a:r>
+              <a:rPr lang="es-ES" sz="2000" dirty="0"/>
+              <a:t> Web</a:t>
+            </a:r>
+            <a:br>
+              <a:rPr lang="es-ES" sz="2400" dirty="0"/>
+            </a:br>
+            <a:r>
+              <a:rPr lang="es-ES" dirty="0"/>
+              <a:t>1. </a:t>
+            </a:r>
+            <a:r>
+              <a:rPr lang="es-ES" dirty="0" err="1"/>
+              <a:t>The</a:t>
+            </a:r>
+            <a:r>
+              <a:rPr lang="es-ES" dirty="0"/>
+              <a:t> </a:t>
+            </a:r>
+            <a:r>
+              <a:rPr lang="es-ES" b="1" dirty="0" err="1"/>
+              <a:t>traditional</a:t>
+            </a:r>
+            <a:r>
+              <a:rPr lang="es-ES" dirty="0"/>
+              <a:t> </a:t>
+            </a:r>
+            <a:r>
+              <a:rPr lang="es-ES" dirty="0" err="1"/>
+              <a:t>way</a:t>
+            </a:r>
+            <a:r>
+              <a:rPr lang="es-ES" dirty="0"/>
+              <a:t> – Web </a:t>
+            </a:r>
+            <a:r>
+              <a:rPr lang="es-ES" dirty="0" err="1"/>
+              <a:t>scraping</a:t>
+            </a:r>
+            <a:endParaRPr lang="en-GB" dirty="0"/>
+          </a:p>
+        </p:txBody>
+      </p:sp>
+      <p:sp>
+        <p:nvSpPr>
+          <p:cNvPr id="3" name="Marcador de contenido 2">
+            <a:extLst>
+              <a:ext uri="{FF2B5EF4-FFF2-40B4-BE49-F238E27FC236}">
+                <a16:creationId xmlns:a16="http://schemas.microsoft.com/office/drawing/2014/main" id="{D9981285-260A-4360-A305-2729D1CDAF38}"/>
+              </a:ext>
+            </a:extLst>
+          </p:cNvPr>
+          <p:cNvSpPr>
+            <a:spLocks noGrp="1"/>
+          </p:cNvSpPr>
+          <p:nvPr>
+            <p:ph idx="1"/>
+          </p:nvPr>
+        </p:nvSpPr>
+        <p:spPr/>
+        <p:txBody>
+          <a:bodyPr>
+            <a:normAutofit/>
+          </a:bodyPr>
+          <a:lstStyle/>
+          <a:p>
+            <a:pPr marL="68580" indent="0">
+              <a:buNone/>
+            </a:pPr>
+            <a:r>
+              <a:rPr lang="en-GB" sz="2400" dirty="0"/>
+              <a:t>Q: How do you group Wikipedia articles by topics?</a:t>
+            </a:r>
+          </a:p>
+          <a:p>
+            <a:pPr marL="68580" indent="0">
+              <a:buNone/>
+            </a:pPr>
+            <a:r>
+              <a:rPr lang="en-GB" sz="2400" dirty="0"/>
+              <a:t>A: Depending on the language of Wikipedia. In English and French Wikipedia, I use </a:t>
+            </a:r>
+            <a:r>
+              <a:rPr lang="en-GB" sz="2400" b="1" dirty="0" err="1"/>
+              <a:t>WikiProjects</a:t>
+            </a:r>
+            <a:r>
+              <a:rPr lang="en-GB" sz="2400" dirty="0"/>
+              <a:t>. In German and Ukrainian Wikipedia, I use </a:t>
+            </a:r>
+            <a:r>
+              <a:rPr lang="en-GB" sz="2400" b="1" dirty="0"/>
+              <a:t>Portals</a:t>
+            </a:r>
+            <a:r>
+              <a:rPr lang="en-GB" sz="2400" dirty="0"/>
+              <a:t>.</a:t>
+            </a:r>
+          </a:p>
+          <a:p>
+            <a:pPr marL="68580" indent="0">
+              <a:buNone/>
+            </a:pPr>
+            <a:endParaRPr lang="en-GB" sz="2400" dirty="0"/>
+          </a:p>
+          <a:p>
+            <a:pPr marL="68580" indent="0">
+              <a:buNone/>
+            </a:pPr>
+            <a:r>
+              <a:rPr lang="en-GB" sz="2400" dirty="0"/>
+              <a:t>Q: How do you ensure the articles are significant enough?</a:t>
+            </a:r>
+          </a:p>
+          <a:p>
+            <a:pPr marL="68580" indent="0">
+              <a:buNone/>
+            </a:pPr>
+            <a:r>
+              <a:rPr lang="en-GB" sz="2400" dirty="0"/>
+              <a:t>A: Depending on the language of Wikipedia. In English Wikipedia, I sort articles by recent </a:t>
+            </a:r>
+            <a:r>
+              <a:rPr lang="en-GB" sz="2400" b="1" dirty="0"/>
+              <a:t>popularity</a:t>
+            </a:r>
+            <a:r>
+              <a:rPr lang="en-GB" sz="2400" dirty="0"/>
+              <a:t> since the info is available. In other </a:t>
+            </a:r>
+            <a:r>
+              <a:rPr lang="en-GB" sz="2400" dirty="0" err="1"/>
+              <a:t>Wikipedias</a:t>
+            </a:r>
+            <a:r>
+              <a:rPr lang="en-GB" sz="2400" dirty="0"/>
+              <a:t>, I sort articles by the </a:t>
+            </a:r>
+            <a:r>
+              <a:rPr lang="en-GB" sz="2400" b="1" dirty="0" err="1"/>
+              <a:t>WikiProject</a:t>
+            </a:r>
+            <a:r>
+              <a:rPr lang="en-GB" sz="2400" b="1" dirty="0"/>
+              <a:t> quality scale </a:t>
+            </a:r>
+            <a:r>
+              <a:rPr lang="en-GB" sz="2400" dirty="0"/>
+              <a:t>(Featured &gt; A &gt; Good &gt; B…) or sieve by </a:t>
+            </a:r>
+            <a:r>
+              <a:rPr lang="en-GB" sz="2400" b="1" dirty="0"/>
+              <a:t>importance scale </a:t>
+            </a:r>
+            <a:r>
+              <a:rPr lang="en-GB" sz="2400" dirty="0"/>
+              <a:t>(Top &gt; High &gt; </a:t>
+            </a:r>
+            <a:r>
+              <a:rPr lang="en-GB" sz="2400" strike="sngStrike" dirty="0">
+                <a:solidFill>
+                  <a:schemeClr val="tx1">
+                    <a:lumMod val="65000"/>
+                  </a:schemeClr>
+                </a:solidFill>
+              </a:rPr>
+              <a:t>Mid &gt; Start &gt; Stub</a:t>
+            </a:r>
+            <a:r>
+              <a:rPr lang="en-GB" sz="2400" dirty="0"/>
+              <a:t>). </a:t>
+            </a:r>
+          </a:p>
+        </p:txBody>
+      </p:sp>
+      <p:pic>
+        <p:nvPicPr>
+          <p:cNvPr id="4" name="Picture 6" descr="https://bangladroid.files.wordpress.com/2017/03/xpath_logo2.jpg?w=1400">
+            <a:extLst>
+              <a:ext uri="{FF2B5EF4-FFF2-40B4-BE49-F238E27FC236}">
+                <a16:creationId xmlns:a16="http://schemas.microsoft.com/office/drawing/2014/main" id="{AFFA898B-36FD-4883-802E-078FA8089353}"/>
+              </a:ext>
+            </a:extLst>
+          </p:cNvPr>
+          <p:cNvPicPr>
+            <a:picLocks noChangeAspect="1" noChangeArrowheads="1"/>
+          </p:cNvPicPr>
+          <p:nvPr/>
+        </p:nvPicPr>
+        <p:blipFill>
+          <a:blip r:embed="rId2" cstate="print">
+            <a:extLst>
+              <a:ext uri="{28A0092B-C50C-407E-A947-70E740481C1C}">
+                <a14:useLocalDpi xmlns:a14="http://schemas.microsoft.com/office/drawing/2010/main" val="0"/>
+              </a:ext>
+            </a:extLst>
+          </a:blip>
+          <a:srcRect/>
+          <a:stretch>
+            <a:fillRect/>
+          </a:stretch>
+        </p:blipFill>
+        <p:spPr bwMode="auto">
+          <a:xfrm>
+            <a:off x="8953772" y="119985"/>
+            <a:ext cx="1676128" cy="784157"/>
+          </a:xfrm>
+          <a:prstGeom prst="rect">
+            <a:avLst/>
+          </a:prstGeom>
+          <a:noFill/>
+          <a:extLst>
+            <a:ext uri="{909E8E84-426E-40DD-AFC4-6F175D3DCCD1}">
+              <a14:hiddenFill xmlns:a14="http://schemas.microsoft.com/office/drawing/2010/main">
+                <a:solidFill>
+                  <a:srgbClr val="FFFFFF"/>
+                </a:solidFill>
+              </a14:hiddenFill>
+            </a:ext>
+          </a:extLst>
+        </p:spPr>
+      </p:pic>
+      <p:pic>
+        <p:nvPicPr>
+          <p:cNvPr id="5" name="Picture 3" descr="ç¸éåç">
+            <a:extLst>
+              <a:ext uri="{FF2B5EF4-FFF2-40B4-BE49-F238E27FC236}">
+                <a16:creationId xmlns:a16="http://schemas.microsoft.com/office/drawing/2014/main" id="{311626FB-D68D-44AB-B392-496C5F1A5EC1}"/>
+              </a:ext>
+            </a:extLst>
+          </p:cNvPr>
+          <p:cNvPicPr>
+            <a:picLocks noChangeAspect="1" noChangeArrowheads="1"/>
+          </p:cNvPicPr>
+          <p:nvPr/>
+        </p:nvPicPr>
+        <p:blipFill>
+          <a:blip r:embed="rId3">
+            <a:extLst>
+              <a:ext uri="{28A0092B-C50C-407E-A947-70E740481C1C}">
+                <a14:useLocalDpi xmlns:a14="http://schemas.microsoft.com/office/drawing/2010/main" val="0"/>
+              </a:ext>
+            </a:extLst>
+          </a:blip>
+          <a:srcRect/>
+          <a:stretch>
+            <a:fillRect/>
+          </a:stretch>
+        </p:blipFill>
+        <p:spPr bwMode="auto">
+          <a:xfrm>
+            <a:off x="10629900" y="271548"/>
+            <a:ext cx="1402443" cy="1395431"/>
+          </a:xfrm>
+          <a:prstGeom prst="rect">
+            <a:avLst/>
+          </a:prstGeom>
+          <a:noFill/>
+          <a:extLst>
+            <a:ext uri="{909E8E84-426E-40DD-AFC4-6F175D3DCCD1}">
+              <a14:hiddenFill xmlns:a14="http://schemas.microsoft.com/office/drawing/2010/main">
+                <a:solidFill>
+                  <a:srgbClr val="FFFFFF"/>
+                </a:solidFill>
+              </a14:hiddenFill>
+            </a:ext>
+          </a:extLst>
+        </p:spPr>
+      </p:pic>
+      <p:sp>
+        <p:nvSpPr>
+          <p:cNvPr id="6" name="CuadroTexto 5">
+            <a:extLst>
+              <a:ext uri="{FF2B5EF4-FFF2-40B4-BE49-F238E27FC236}">
+                <a16:creationId xmlns:a16="http://schemas.microsoft.com/office/drawing/2014/main" id="{9AF35BFD-63C4-4848-8FF5-92319E800356}"/>
+              </a:ext>
+            </a:extLst>
+          </p:cNvPr>
+          <p:cNvSpPr txBox="1"/>
+          <p:nvPr/>
+        </p:nvSpPr>
+        <p:spPr>
+          <a:xfrm>
+            <a:off x="10972800" y="1633876"/>
+            <a:ext cx="928459" cy="369332"/>
+          </a:xfrm>
+          <a:prstGeom prst="rect">
+            <a:avLst/>
+          </a:prstGeom>
+          <a:noFill/>
+        </p:spPr>
+        <p:txBody>
+          <a:bodyPr wrap="none" rtlCol="0">
+            <a:spAutoFit/>
+          </a:bodyPr>
+          <a:lstStyle/>
+          <a:p>
+            <a:r>
+              <a:rPr lang="en-GB" dirty="0"/>
+              <a:t>crawler</a:t>
+            </a:r>
+          </a:p>
+        </p:txBody>
+      </p:sp>
+    </p:spTree>
+    <p:extLst>
+      <p:ext uri="{BB962C8B-B14F-4D97-AF65-F5344CB8AC3E}">
+        <p14:creationId xmlns:p14="http://schemas.microsoft.com/office/powerpoint/2010/main" val="830190468"/>
+      </p:ext>
+    </p:extLst>
+  </p:cSld>
+  <p:clrMapOvr>
+    <a:masterClrMapping/>
+  </p:clrMapOvr>
+  <mc:AlternateContent xmlns:mc="http://schemas.openxmlformats.org/markup-compatibility/2006" xmlns:p14="http://schemas.microsoft.com/office/powerpoint/2010/main">
+    <mc:Choice Requires="p14">
+      <p:transition spd="med" p14:dur="700">
+        <p:fade/>
+      </p:transition>
+    </mc:Choice>
+    <mc:Fallback xmlns="">
+      <p:transition spd="med">
+        <p:fade/>
+      </p:transition>
+    </mc:Fallback>
+  </mc:AlternateContent>
+</p:sld>
+</file>
+
+<file path=ppt/slides/slide9.xml><?xml version="1.0" encoding="utf-8"?>
+<p:sld xmlns:a="http://schemas.openxmlformats.org/drawingml/2006/main" xmlns:r="http://schemas.openxmlformats.org/officeDocument/2006/relationships" xmlns:p="http://schemas.openxmlformats.org/presentationml/2006/main">
+  <p:cSld>
+    <p:spTree>
+      <p:nvGrpSpPr>
+        <p:cNvPr id="1" name=""/>
+        <p:cNvGrpSpPr/>
+        <p:nvPr/>
+      </p:nvGrpSpPr>
+      <p:grpSpPr>
+        <a:xfrm>
+          <a:off x="0" y="0"/>
+          <a:ext cx="0" cy="0"/>
+          <a:chOff x="0" y="0"/>
+          <a:chExt cx="0" cy="0"/>
+        </a:xfrm>
+      </p:grpSpPr>
+      <p:sp>
+        <p:nvSpPr>
+          <p:cNvPr id="2" name="Título 1">
+            <a:extLst>
+              <a:ext uri="{FF2B5EF4-FFF2-40B4-BE49-F238E27FC236}">
+                <a16:creationId xmlns:a16="http://schemas.microsoft.com/office/drawing/2014/main" id="{37BFB4AF-4352-44B8-BDB0-37C980FF675F}"/>
+              </a:ext>
+            </a:extLst>
+          </p:cNvPr>
+          <p:cNvSpPr>
+            <a:spLocks noGrp="1"/>
+          </p:cNvSpPr>
+          <p:nvPr>
+            <p:ph type="title"/>
+          </p:nvPr>
+        </p:nvSpPr>
+        <p:spPr/>
+        <p:txBody>
+          <a:bodyPr/>
+          <a:lstStyle/>
+          <a:p>
+            <a:r>
+              <a:rPr lang="es-ES" sz="2000" dirty="0" err="1"/>
+              <a:t>Semantic</a:t>
+            </a:r>
+            <a:r>
+              <a:rPr lang="es-ES" sz="2000" dirty="0"/>
+              <a:t> Web</a:t>
+            </a:r>
+            <a:br>
+              <a:rPr lang="es-ES" sz="2400" dirty="0"/>
+            </a:br>
+            <a:r>
+              <a:rPr lang="es-ES" dirty="0"/>
+              <a:t>2. </a:t>
+            </a:r>
+            <a:r>
+              <a:rPr lang="es-ES" dirty="0" err="1"/>
+              <a:t>The</a:t>
+            </a:r>
+            <a:r>
+              <a:rPr lang="es-ES" dirty="0"/>
+              <a:t> </a:t>
+            </a:r>
+            <a:r>
+              <a:rPr lang="es-ES" sz="4400" b="1" dirty="0" err="1"/>
+              <a:t>newer</a:t>
+            </a:r>
+            <a:r>
+              <a:rPr lang="es-ES" dirty="0"/>
+              <a:t> </a:t>
+            </a:r>
+            <a:r>
+              <a:rPr lang="es-ES" dirty="0" err="1"/>
+              <a:t>way</a:t>
+            </a:r>
+            <a:r>
+              <a:rPr lang="es-ES" dirty="0"/>
+              <a:t> – </a:t>
+            </a:r>
+            <a:r>
+              <a:rPr lang="es-ES" dirty="0" err="1"/>
+              <a:t>Semantic</a:t>
+            </a:r>
+            <a:r>
+              <a:rPr lang="es-ES" dirty="0"/>
+              <a:t> </a:t>
+            </a:r>
+            <a:r>
+              <a:rPr lang="es-ES" dirty="0" err="1"/>
+              <a:t>queries</a:t>
+            </a:r>
+            <a:endParaRPr lang="en-GB" dirty="0"/>
+          </a:p>
+        </p:txBody>
+      </p:sp>
+      <p:sp>
+        <p:nvSpPr>
+          <p:cNvPr id="3" name="Marcador de contenido 2">
+            <a:extLst>
+              <a:ext uri="{FF2B5EF4-FFF2-40B4-BE49-F238E27FC236}">
+                <a16:creationId xmlns:a16="http://schemas.microsoft.com/office/drawing/2014/main" id="{E1948ADF-515E-4463-993D-8DB910290205}"/>
+              </a:ext>
+            </a:extLst>
+          </p:cNvPr>
+          <p:cNvSpPr>
+            <a:spLocks noGrp="1"/>
+          </p:cNvSpPr>
+          <p:nvPr>
+            <p:ph idx="1"/>
+          </p:nvPr>
+        </p:nvSpPr>
+        <p:spPr/>
+        <p:txBody>
+          <a:bodyPr>
+            <a:normAutofit/>
+          </a:bodyPr>
+          <a:lstStyle/>
+          <a:p>
+            <a:pPr marL="68580" indent="0">
+              <a:buNone/>
+            </a:pPr>
+            <a:r>
+              <a:rPr lang="es-ES" dirty="0"/>
+              <a:t>Used in 3 </a:t>
+            </a:r>
+            <a:r>
+              <a:rPr lang="es-ES" dirty="0" err="1"/>
+              <a:t>of</a:t>
+            </a:r>
+            <a:r>
+              <a:rPr lang="es-ES" dirty="0"/>
+              <a:t> </a:t>
+            </a:r>
+            <a:r>
+              <a:rPr lang="es-ES" dirty="0" err="1"/>
+              <a:t>my</a:t>
+            </a:r>
+            <a:r>
+              <a:rPr lang="es-ES" dirty="0"/>
+              <a:t> mini-</a:t>
+            </a:r>
+            <a:r>
+              <a:rPr lang="es-ES" dirty="0" err="1"/>
+              <a:t>games</a:t>
+            </a:r>
+            <a:r>
+              <a:rPr lang="es-ES" dirty="0"/>
+              <a:t>:</a:t>
+            </a:r>
+          </a:p>
+          <a:p>
+            <a:r>
+              <a:rPr lang="es-ES" dirty="0" err="1"/>
+              <a:t>Choose</a:t>
+            </a:r>
+            <a:r>
+              <a:rPr lang="es-ES" dirty="0"/>
+              <a:t> </a:t>
+            </a:r>
+            <a:r>
+              <a:rPr lang="es-ES" dirty="0" err="1"/>
+              <a:t>the</a:t>
+            </a:r>
+            <a:r>
+              <a:rPr lang="es-ES" dirty="0"/>
+              <a:t> </a:t>
+            </a:r>
+            <a:r>
+              <a:rPr lang="es-ES" dirty="0" err="1"/>
+              <a:t>correct</a:t>
+            </a:r>
+            <a:r>
+              <a:rPr lang="es-ES" dirty="0"/>
+              <a:t> </a:t>
+            </a:r>
+            <a:r>
+              <a:rPr lang="es-ES" dirty="0" err="1"/>
+              <a:t>arms</a:t>
+            </a:r>
+            <a:r>
+              <a:rPr lang="es-ES" dirty="0"/>
+              <a:t>/</a:t>
+            </a:r>
+            <a:r>
+              <a:rPr lang="es-ES" dirty="0" err="1"/>
+              <a:t>flag</a:t>
+            </a:r>
+            <a:endParaRPr lang="es-ES" dirty="0"/>
+          </a:p>
+          <a:p>
+            <a:r>
+              <a:rPr lang="es-ES" dirty="0" err="1"/>
+              <a:t>Hear</a:t>
+            </a:r>
+            <a:r>
+              <a:rPr lang="es-ES" dirty="0"/>
+              <a:t> </a:t>
+            </a:r>
+            <a:r>
+              <a:rPr lang="es-ES" dirty="0" err="1"/>
+              <a:t>the</a:t>
+            </a:r>
+            <a:r>
+              <a:rPr lang="es-ES" dirty="0"/>
+              <a:t> </a:t>
+            </a:r>
+            <a:r>
+              <a:rPr lang="es-ES" dirty="0" err="1"/>
+              <a:t>song</a:t>
+            </a:r>
+            <a:r>
+              <a:rPr lang="es-ES" dirty="0"/>
+              <a:t> and pin </a:t>
+            </a:r>
+            <a:r>
+              <a:rPr lang="es-ES" dirty="0" err="1"/>
+              <a:t>the</a:t>
+            </a:r>
+            <a:r>
+              <a:rPr lang="es-ES" dirty="0"/>
+              <a:t> </a:t>
+            </a:r>
+            <a:r>
+              <a:rPr lang="es-ES" dirty="0" err="1"/>
+              <a:t>map</a:t>
+            </a:r>
+            <a:endParaRPr lang="es-ES" dirty="0"/>
+          </a:p>
+          <a:p>
+            <a:r>
+              <a:rPr lang="es-ES" dirty="0" err="1"/>
+              <a:t>Scroll</a:t>
+            </a:r>
+            <a:r>
+              <a:rPr lang="es-ES" dirty="0"/>
+              <a:t> </a:t>
+            </a:r>
+            <a:r>
+              <a:rPr lang="es-ES" dirty="0" err="1"/>
+              <a:t>the</a:t>
+            </a:r>
+            <a:r>
+              <a:rPr lang="es-ES" dirty="0"/>
+              <a:t> </a:t>
+            </a:r>
+            <a:r>
+              <a:rPr lang="es-ES" dirty="0" err="1"/>
+              <a:t>correct</a:t>
+            </a:r>
+            <a:r>
+              <a:rPr lang="es-ES" dirty="0"/>
+              <a:t> date</a:t>
+            </a:r>
+          </a:p>
+        </p:txBody>
+      </p:sp>
+      <p:pic>
+        <p:nvPicPr>
+          <p:cNvPr id="4" name="Picture 4" descr="Wikidata and SPARQL logos">
+            <a:extLst>
+              <a:ext uri="{FF2B5EF4-FFF2-40B4-BE49-F238E27FC236}">
+                <a16:creationId xmlns:a16="http://schemas.microsoft.com/office/drawing/2014/main" id="{D7C9BD7D-0224-4BC1-A037-51511A239A40}"/>
+              </a:ext>
+            </a:extLst>
+          </p:cNvPr>
+          <p:cNvPicPr>
+            <a:picLocks noChangeAspect="1" noChangeArrowheads="1"/>
+          </p:cNvPicPr>
+          <p:nvPr/>
+        </p:nvPicPr>
+        <p:blipFill>
+          <a:blip r:embed="rId2">
+            <a:extLst>
+              <a:ext uri="{28A0092B-C50C-407E-A947-70E740481C1C}">
+                <a14:useLocalDpi xmlns:a14="http://schemas.microsoft.com/office/drawing/2010/main" val="0"/>
+              </a:ext>
+            </a:extLst>
+          </a:blip>
+          <a:srcRect/>
+          <a:stretch>
+            <a:fillRect/>
+          </a:stretch>
+        </p:blipFill>
+        <p:spPr bwMode="auto">
+          <a:xfrm>
+            <a:off x="10547894" y="48858"/>
+            <a:ext cx="1057396" cy="1881542"/>
+          </a:xfrm>
+          <a:prstGeom prst="rect">
+            <a:avLst/>
+          </a:prstGeom>
+          <a:noFill/>
+          <a:extLst>
+            <a:ext uri="{909E8E84-426E-40DD-AFC4-6F175D3DCCD1}">
+              <a14:hiddenFill xmlns:a14="http://schemas.microsoft.com/office/drawing/2010/main">
+                <a:solidFill>
+                  <a:srgbClr val="FFFFFF"/>
+                </a:solidFill>
+              </a14:hiddenFill>
+            </a:ext>
+          </a:extLst>
+        </p:spPr>
+      </p:pic>
+    </p:spTree>
+    <p:extLst>
+      <p:ext uri="{BB962C8B-B14F-4D97-AF65-F5344CB8AC3E}">
+        <p14:creationId xmlns:p14="http://schemas.microsoft.com/office/powerpoint/2010/main" val="1981903982"/>
       </p:ext>
     </p:extLst>
   </p:cSld>
@@ -9261,17 +10363,6 @@
 </file>
 
 <file path=customXml/item1.xml><?xml version="1.0" encoding="utf-8"?>
-<p:properties xmlns:p="http://schemas.microsoft.com/office/2006/metadata/properties" xmlns:xsi="http://www.w3.org/2001/XMLSchema-instance" xmlns:pc="http://schemas.microsoft.com/office/infopath/2007/PartnerControls">
-  <documentManagement>
-    <VSO_x0020_item_x0020_id xmlns="40262f94-9f35-4ac3-9a90-690165a166b7" xsi:nil="true"/>
-    <Assetid_x0020_ xmlns="40262f94-9f35-4ac3-9a90-690165a166b7" xsi:nil="true"/>
-    <Item_x0020_Details xmlns="40262f94-9f35-4ac3-9a90-690165a166b7" xsi:nil="true"/>
-    <Template_x0020_details xmlns="40262f94-9f35-4ac3-9a90-690165a166b7" xsi:nil="true"/>
-  </documentManagement>
-</p:properties>
-</file>
-
-<file path=customXml/item2.xml><?xml version="1.0" encoding="utf-8"?>
 <ct:contentTypeSchema xmlns:ct="http://schemas.microsoft.com/office/2006/metadata/contentType" xmlns:ma="http://schemas.microsoft.com/office/2006/metadata/properties/metaAttributes" ct:_="" ma:_="" ma:contentTypeName="Document" ma:contentTypeID="0x010100AA3F7D94069FF64A86F7DFF56D60E3BE" ma:contentTypeVersion="6" ma:contentTypeDescription="Create a new document." ma:contentTypeScope="" ma:versionID="c32302c77d4085ecf495bdddb7f5e889">
   <xsd:schema xmlns:xsd="http://www.w3.org/2001/XMLSchema" xmlns:xs="http://www.w3.org/2001/XMLSchema" xmlns:p="http://schemas.microsoft.com/office/2006/metadata/properties" xmlns:ns2="a4f35948-e619-41b3-aa29-22878b09cfd2" xmlns:ns3="40262f94-9f35-4ac3-9a90-690165a166b7" targetNamespace="http://schemas.microsoft.com/office/2006/metadata/properties" ma:root="true" ma:fieldsID="4ab5ae46be95f9d0be6107e8200be7a2" ns2:_="" ns3:_="">
     <xsd:import namespace="a4f35948-e619-41b3-aa29-22878b09cfd2"/>
@@ -9452,6 +10543,17 @@
 </ct:contentTypeSchema>
 </file>
 
+<file path=customXml/item2.xml><?xml version="1.0" encoding="utf-8"?>
+<p:properties xmlns:p="http://schemas.microsoft.com/office/2006/metadata/properties" xmlns:xsi="http://www.w3.org/2001/XMLSchema-instance" xmlns:pc="http://schemas.microsoft.com/office/infopath/2007/PartnerControls">
+  <documentManagement>
+    <VSO_x0020_item_x0020_id xmlns="40262f94-9f35-4ac3-9a90-690165a166b7" xsi:nil="true"/>
+    <Assetid_x0020_ xmlns="40262f94-9f35-4ac3-9a90-690165a166b7" xsi:nil="true"/>
+    <Item_x0020_Details xmlns="40262f94-9f35-4ac3-9a90-690165a166b7" xsi:nil="true"/>
+    <Template_x0020_details xmlns="40262f94-9f35-4ac3-9a90-690165a166b7" xsi:nil="true"/>
+  </documentManagement>
+</p:properties>
+</file>
+
 <file path=customXml/item3.xml><?xml version="1.0" encoding="utf-8"?>
 <?mso-contentType ?>
 <FormTemplates xmlns="http://schemas.microsoft.com/sharepoint/v3/contenttype/forms">
@@ -9462,23 +10564,6 @@
 </file>
 
 <file path=customXml/itemProps1.xml><?xml version="1.0" encoding="utf-8"?>
-<ds:datastoreItem xmlns:ds="http://schemas.openxmlformats.org/officeDocument/2006/customXml" ds:itemID="{8AFFFBF3-BB42-47F7-806D-D5417A96E6A8}">
-  <ds:schemaRefs>
-    <ds:schemaRef ds:uri="http://schemas.openxmlformats.org/package/2006/metadata/core-properties"/>
-    <ds:schemaRef ds:uri="40262f94-9f35-4ac3-9a90-690165a166b7"/>
-    <ds:schemaRef ds:uri="http://purl.org/dc/elements/1.1/"/>
-    <ds:schemaRef ds:uri="http://purl.org/dc/dcmitype/"/>
-    <ds:schemaRef ds:uri="http://schemas.microsoft.com/office/2006/metadata/properties"/>
-    <ds:schemaRef ds:uri="http://schemas.microsoft.com/office/2006/documentManagement/types"/>
-    <ds:schemaRef ds:uri="a4f35948-e619-41b3-aa29-22878b09cfd2"/>
-    <ds:schemaRef ds:uri="http://schemas.microsoft.com/office/infopath/2007/PartnerControls"/>
-    <ds:schemaRef ds:uri="http://www.w3.org/XML/1998/namespace"/>
-    <ds:schemaRef ds:uri="http://purl.org/dc/terms/"/>
-  </ds:schemaRefs>
-</ds:datastoreItem>
-</file>
-
-<file path=customXml/itemProps2.xml><?xml version="1.0" encoding="utf-8"?>
 <ds:datastoreItem xmlns:ds="http://schemas.openxmlformats.org/officeDocument/2006/customXml" ds:itemID="{B6B1B62E-928A-4006-B97D-326E5E8B4F15}">
   <ds:schemaRefs>
     <ds:schemaRef ds:uri="http://schemas.microsoft.com/office/2006/metadata/contentType"/>
@@ -9497,6 +10582,23 @@
 </ds:datastoreItem>
 </file>
 
+<file path=customXml/itemProps2.xml><?xml version="1.0" encoding="utf-8"?>
+<ds:datastoreItem xmlns:ds="http://schemas.openxmlformats.org/officeDocument/2006/customXml" ds:itemID="{8AFFFBF3-BB42-47F7-806D-D5417A96E6A8}">
+  <ds:schemaRefs>
+    <ds:schemaRef ds:uri="http://schemas.openxmlformats.org/package/2006/metadata/core-properties"/>
+    <ds:schemaRef ds:uri="40262f94-9f35-4ac3-9a90-690165a166b7"/>
+    <ds:schemaRef ds:uri="http://purl.org/dc/elements/1.1/"/>
+    <ds:schemaRef ds:uri="http://purl.org/dc/dcmitype/"/>
+    <ds:schemaRef ds:uri="http://schemas.microsoft.com/office/2006/metadata/properties"/>
+    <ds:schemaRef ds:uri="http://schemas.microsoft.com/office/2006/documentManagement/types"/>
+    <ds:schemaRef ds:uri="a4f35948-e619-41b3-aa29-22878b09cfd2"/>
+    <ds:schemaRef ds:uri="http://schemas.microsoft.com/office/infopath/2007/PartnerControls"/>
+    <ds:schemaRef ds:uri="http://www.w3.org/XML/1998/namespace"/>
+    <ds:schemaRef ds:uri="http://purl.org/dc/terms/"/>
+  </ds:schemaRefs>
+</ds:datastoreItem>
+</file>
+
 <file path=customXml/itemProps3.xml><?xml version="1.0" encoding="utf-8"?>
 <ds:datastoreItem xmlns:ds="http://schemas.openxmlformats.org/officeDocument/2006/customXml" ds:itemID="{4FC28D37-012A-4F78-8189-E37D3400689D}">
   <ds:schemaRefs>

--- a/shitty_ppt.pptx
+++ b/shitty_ppt.pptx
@@ -5,10 +5,10 @@
     <p:sldMasterId id="2147483696" r:id="rId4"/>
   </p:sldMasterIdLst>
   <p:notesMasterIdLst>
-    <p:notesMasterId r:id="rId22"/>
+    <p:notesMasterId r:id="rId23"/>
   </p:notesMasterIdLst>
   <p:handoutMasterIdLst>
-    <p:handoutMasterId r:id="rId23"/>
+    <p:handoutMasterId r:id="rId24"/>
   </p:handoutMasterIdLst>
   <p:sldIdLst>
     <p:sldId id="258" r:id="rId5"/>
@@ -26,8 +26,9 @@
     <p:sldId id="266" r:id="rId17"/>
     <p:sldId id="267" r:id="rId18"/>
     <p:sldId id="268" r:id="rId19"/>
-    <p:sldId id="269" r:id="rId20"/>
-    <p:sldId id="270" r:id="rId21"/>
+    <p:sldId id="276" r:id="rId20"/>
+    <p:sldId id="269" r:id="rId21"/>
+    <p:sldId id="270" r:id="rId22"/>
   </p:sldIdLst>
   <p:sldSz cx="12192000" cy="6858000"/>
   <p:notesSz cx="6858000" cy="9144000"/>
@@ -236,7 +237,7 @@
             <a:pPr rtl="0"/>
             <a:fld id="{DF7EC03D-6800-4DCA-9CE4-72435CEDE1D1}" type="datetime1">
               <a:rPr lang="es-ES" smtClean="0"/>
-              <a:t>08/05/2018</a:t>
+              <a:t>09/05/2018</a:t>
             </a:fld>
             <a:endParaRPr lang="es-ES" dirty="0"/>
           </a:p>
@@ -406,7 +407,7 @@
             <a:pPr rtl="0"/>
             <a:fld id="{FE4960AF-5E53-4906-B569-71BD34B503B3}" type="datetime1">
               <a:rPr lang="es-ES" noProof="0" smtClean="0"/>
-              <a:t>08/05/2018</a:t>
+              <a:t>09/05/2018</a:t>
             </a:fld>
             <a:endParaRPr lang="es-ES" noProof="0" dirty="0"/>
           </a:p>
@@ -1098,7 +1099,7 @@
             <a:pPr rtl="0"/>
             <a:fld id="{84F9DC24-64FD-4995-98AC-B72B34710354}" type="datetime1">
               <a:rPr lang="es-ES" noProof="0" smtClean="0"/>
-              <a:t>08/05/2018</a:t>
+              <a:t>09/05/2018</a:t>
             </a:fld>
             <a:endParaRPr lang="es-ES" noProof="0" dirty="0"/>
           </a:p>
@@ -1287,7 +1288,7 @@
             <a:pPr rtl="0"/>
             <a:fld id="{647A7F7D-667B-4F70-A932-CAC512E2A1A8}" type="datetime1">
               <a:rPr lang="es-ES" noProof="0" smtClean="0"/>
-              <a:t>08/05/2018</a:t>
+              <a:t>09/05/2018</a:t>
             </a:fld>
             <a:endParaRPr lang="es-ES" noProof="0" dirty="0"/>
           </a:p>
@@ -1486,7 +1487,7 @@
             <a:pPr rtl="0"/>
             <a:fld id="{BBC38DF1-6EC3-4B66-A0FE-D73F3045292E}" type="datetime1">
               <a:rPr lang="es-ES" noProof="0" smtClean="0"/>
-              <a:t>08/05/2018</a:t>
+              <a:t>09/05/2018</a:t>
             </a:fld>
             <a:endParaRPr lang="es-ES" noProof="0" dirty="0"/>
           </a:p>
@@ -1684,7 +1685,7 @@
             <a:pPr rtl="0"/>
             <a:fld id="{DD122248-E8F6-4DF2-B0DE-5B6BB2D6B62B}" type="datetime1">
               <a:rPr lang="es-ES" noProof="0" smtClean="0"/>
-              <a:t>08/05/2018</a:t>
+              <a:t>09/05/2018</a:t>
             </a:fld>
             <a:endParaRPr lang="es-ES" noProof="0" dirty="0"/>
           </a:p>
@@ -1912,7 +1913,7 @@
             <a:pPr rtl="0"/>
             <a:fld id="{8D56A867-578C-4B47-94CF-E7584F7C5CC5}" type="datetime1">
               <a:rPr lang="es-ES" noProof="0" smtClean="0"/>
-              <a:t>08/05/2018</a:t>
+              <a:t>09/05/2018</a:t>
             </a:fld>
             <a:endParaRPr lang="es-ES" noProof="0" dirty="0"/>
           </a:p>
@@ -2202,7 +2203,7 @@
             <a:pPr rtl="0"/>
             <a:fld id="{903096DB-ADA4-4025-9214-10AA6E17F10B}" type="datetime1">
               <a:rPr lang="es-ES" noProof="0" smtClean="0"/>
-              <a:t>08/05/2018</a:t>
+              <a:t>09/05/2018</a:t>
             </a:fld>
             <a:endParaRPr lang="es-ES" noProof="0" dirty="0"/>
           </a:p>
@@ -2610,7 +2611,7 @@
             <a:pPr rtl="0"/>
             <a:fld id="{28C313BF-699E-4C5B-9D5D-594931393644}" type="datetime1">
               <a:rPr lang="es-ES" noProof="0" smtClean="0"/>
-              <a:t>08/05/2018</a:t>
+              <a:t>09/05/2018</a:t>
             </a:fld>
             <a:endParaRPr lang="es-ES" noProof="0" dirty="0"/>
           </a:p>
@@ -2762,7 +2763,7 @@
             <a:pPr rtl="0"/>
             <a:fld id="{FF4E6C18-8E7F-48F8-811C-D736340EE278}" type="datetime1">
               <a:rPr lang="es-ES" noProof="0" smtClean="0"/>
-              <a:t>08/05/2018</a:t>
+              <a:t>09/05/2018</a:t>
             </a:fld>
             <a:endParaRPr lang="es-ES" noProof="0" dirty="0"/>
           </a:p>
@@ -2880,7 +2881,7 @@
             <a:pPr rtl="0"/>
             <a:fld id="{F4F288F1-306B-4801-B630-F8DF855C977F}" type="datetime1">
               <a:rPr lang="es-ES" noProof="0" smtClean="0"/>
-              <a:t>08/05/2018</a:t>
+              <a:t>09/05/2018</a:t>
             </a:fld>
             <a:endParaRPr lang="es-ES" noProof="0" dirty="0"/>
           </a:p>
@@ -3157,7 +3158,7 @@
             <a:pPr rtl="0"/>
             <a:fld id="{BE334800-3E61-411B-987A-C81EEE588783}" type="datetime1">
               <a:rPr lang="es-ES" noProof="0" smtClean="0"/>
-              <a:t>08/05/2018</a:t>
+              <a:t>09/05/2018</a:t>
             </a:fld>
             <a:endParaRPr lang="es-ES" noProof="0" dirty="0"/>
           </a:p>
@@ -3500,7 +3501,7 @@
             <a:pPr rtl="0"/>
             <a:fld id="{39807EE9-826A-41FF-945C-78C87AC0C4E6}" type="datetime1">
               <a:rPr lang="es-ES" noProof="0" smtClean="0"/>
-              <a:t>08/05/2018</a:t>
+              <a:t>09/05/2018</a:t>
             </a:fld>
             <a:endParaRPr lang="es-ES" noProof="0" dirty="0"/>
           </a:p>
@@ -3765,7 +3766,7 @@
             <a:pPr rtl="0"/>
             <a:fld id="{0FCB1876-3C8D-484C-A819-9748A4F4EDF5}" type="datetime1">
               <a:rPr lang="es-ES" noProof="0" smtClean="0"/>
-              <a:t>08/05/2018</a:t>
+              <a:t>09/05/2018</a:t>
             </a:fld>
             <a:endParaRPr lang="es-ES" noProof="0" dirty="0"/>
           </a:p>
@@ -5685,8 +5686,8 @@
         </p:nvSpPr>
         <p:spPr>
           <a:xfrm>
-            <a:off x="1030514" y="1710988"/>
-            <a:ext cx="10740571" cy="4572000"/>
+            <a:off x="841829" y="1652932"/>
+            <a:ext cx="10740571" cy="5147011"/>
           </a:xfrm>
         </p:spPr>
         <p:txBody>
@@ -5771,7 +5772,7 @@
             </a:pPr>
             <a:r>
               <a:rPr lang="en-GB" dirty="0"/>
-              <a:t>The naïve way is </a:t>
+              <a:t>The simplest way is </a:t>
             </a:r>
             <a:r>
               <a:rPr lang="en-GB" sz="3200" b="1" dirty="0"/>
@@ -5779,7 +5780,27 @@
             </a:r>
             <a:r>
               <a:rPr lang="en-GB" sz="3200" dirty="0"/>
-              <a:t>, but since we want speed and storage over accuracy, it is the best!</a:t>
+              <a:t>, which is based on naïve rules like affix removal, sometimes you will get weird results like ‘amusing → </a:t>
+            </a:r>
+            <a:r>
+              <a:rPr lang="en-GB" sz="3200" dirty="0" err="1"/>
+              <a:t>amus’</a:t>
+            </a:r>
+            <a:r>
+              <a:rPr lang="en-GB" sz="3200" dirty="0"/>
+              <a:t> </a:t>
+            </a:r>
+            <a:r>
+              <a:rPr lang="en-GB" sz="2100" b="1" dirty="0">
+                <a:solidFill>
+                  <a:srgbClr val="FFFF00"/>
+                </a:solidFill>
+              </a:rPr>
+              <a:t>(without an ‘e’) </a:t>
+            </a:r>
+            <a:r>
+              <a:rPr lang="en-GB" sz="3200" dirty="0"/>
+              <a:t>. But since we want speed and storage over accuracy, it is the best!</a:t>
             </a:r>
           </a:p>
           <a:p>
@@ -5807,7 +5828,23 @@
               <a:rPr lang="en-GB" sz="3200" dirty="0"/>
               <a:t>Do it for French, Spanish and German as well!</a:t>
             </a:r>
-            <a:endParaRPr lang="en-GB" dirty="0"/>
+            <a:r>
+              <a:rPr lang="en-GB" sz="3200" b="1" dirty="0">
+                <a:solidFill>
+                  <a:srgbClr val="FFFF00"/>
+                </a:solidFill>
+              </a:rPr>
+              <a:t> </a:t>
+            </a:r>
+            <a:r>
+              <a:rPr lang="en-GB" sz="1900" b="1" dirty="0">
+                <a:solidFill>
+                  <a:srgbClr val="FFFF00"/>
+                </a:solidFill>
+              </a:rPr>
+              <a:t>(different rules of course)</a:t>
+            </a:r>
+            <a:endParaRPr lang="en-GB" sz="2800" dirty="0"/>
           </a:p>
         </p:txBody>
       </p:sp>
@@ -6005,6 +6042,53 @@
           </a:p>
         </p:txBody>
       </p:sp>
+      <p:pic>
+        <p:nvPicPr>
+          <p:cNvPr id="4" name="Picture 2" descr="ç¸éåç">
+            <a:extLst>
+              <a:ext uri="{FF2B5EF4-FFF2-40B4-BE49-F238E27FC236}">
+                <a16:creationId xmlns:a16="http://schemas.microsoft.com/office/drawing/2014/main" id="{B37A648B-FEA6-4E90-8A72-D5919681600B}"/>
+              </a:ext>
+            </a:extLst>
+          </p:cNvPr>
+          <p:cNvPicPr>
+            <a:picLocks noChangeAspect="1" noChangeArrowheads="1"/>
+          </p:cNvPicPr>
+          <p:nvPr/>
+        </p:nvPicPr>
+        <p:blipFill>
+          <a:blip r:embed="rId2">
+            <a:extLst>
+              <a:ext uri="{28A0092B-C50C-407E-A947-70E740481C1C}">
+                <a14:useLocalDpi xmlns:a14="http://schemas.microsoft.com/office/drawing/2010/main" val="0"/>
+              </a:ext>
+            </a:extLst>
+          </a:blip>
+          <a:srcRect/>
+          <a:stretch>
+            <a:fillRect/>
+          </a:stretch>
+        </p:blipFill>
+        <p:spPr bwMode="auto">
+          <a:xfrm>
+            <a:off x="8534400" y="53638"/>
+            <a:ext cx="3371850" cy="1657350"/>
+          </a:xfrm>
+          <a:prstGeom prst="rect">
+            <a:avLst/>
+          </a:prstGeom>
+          <a:noFill/>
+          <a:extLst>
+            <a:ext uri="{909E8E84-426E-40DD-AFC4-6F175D3DCCD1}">
+              <a14:hiddenFill xmlns:a14="http://schemas.microsoft.com/office/drawing/2010/main">
+                <a:solidFill>
+                  <a:srgbClr val="FFFFFF"/>
+                </a:solidFill>
+              </a14:hiddenFill>
+            </a:ext>
+          </a:extLst>
+        </p:spPr>
+      </p:pic>
     </p:spTree>
     <p:extLst>
       <p:ext uri="{BB962C8B-B14F-4D97-AF65-F5344CB8AC3E}">
@@ -6222,6 +6306,125 @@
       </p:grpSpPr>
       <p:sp>
         <p:nvSpPr>
+          <p:cNvPr id="3" name="Marcador de contenido 2">
+            <a:extLst>
+              <a:ext uri="{FF2B5EF4-FFF2-40B4-BE49-F238E27FC236}">
+                <a16:creationId xmlns:a16="http://schemas.microsoft.com/office/drawing/2014/main" id="{90A54684-0502-4366-AC65-3877E39F22E9}"/>
+              </a:ext>
+            </a:extLst>
+          </p:cNvPr>
+          <p:cNvSpPr>
+            <a:spLocks noGrp="1"/>
+          </p:cNvSpPr>
+          <p:nvPr>
+            <p:ph idx="1"/>
+          </p:nvPr>
+        </p:nvSpPr>
+        <p:spPr/>
+        <p:txBody>
+          <a:bodyPr>
+            <a:normAutofit/>
+          </a:bodyPr>
+          <a:lstStyle/>
+          <a:p>
+            <a:pPr marL="68580" indent="0">
+              <a:buNone/>
+            </a:pPr>
+            <a:r>
+              <a:rPr lang="en-GB" sz="2000" dirty="0"/>
+              <a:t>5 keyboards for 5 different languages (2 of them uses </a:t>
+            </a:r>
+            <a:r>
+              <a:rPr lang="en-GB" sz="2000" b="1" dirty="0"/>
+              <a:t>dead keys</a:t>
+            </a:r>
+            <a:r>
+              <a:rPr lang="en-GB" sz="2000" dirty="0"/>
+              <a:t> for typing accents):</a:t>
+            </a:r>
+          </a:p>
+        </p:txBody>
+      </p:sp>
+      <p:sp>
+        <p:nvSpPr>
+          <p:cNvPr id="4" name="Título 1">
+            <a:extLst>
+              <a:ext uri="{FF2B5EF4-FFF2-40B4-BE49-F238E27FC236}">
+                <a16:creationId xmlns:a16="http://schemas.microsoft.com/office/drawing/2014/main" id="{83D0E02C-55AC-4089-8274-E7CB389FE311}"/>
+              </a:ext>
+            </a:extLst>
+          </p:cNvPr>
+          <p:cNvSpPr>
+            <a:spLocks noGrp="1"/>
+          </p:cNvSpPr>
+          <p:nvPr>
+            <p:ph type="title"/>
+          </p:nvPr>
+        </p:nvSpPr>
+        <p:spPr/>
+        <p:txBody>
+          <a:bodyPr/>
+          <a:lstStyle/>
+          <a:p>
+            <a:r>
+              <a:rPr lang="en-GB" sz="2000" dirty="0"/>
+              <a:t>Language Challenges</a:t>
+            </a:r>
+            <a:br>
+              <a:rPr lang="en-GB" sz="2400" dirty="0"/>
+            </a:br>
+            <a:r>
+              <a:rPr lang="en-GB" sz="3600" dirty="0"/>
+              <a:t>Keyboards</a:t>
+            </a:r>
+            <a:endParaRPr lang="en-GB" sz="2000" dirty="0"/>
+          </a:p>
+        </p:txBody>
+      </p:sp>
+    </p:spTree>
+    <p:extLst>
+      <p:ext uri="{BB962C8B-B14F-4D97-AF65-F5344CB8AC3E}">
+        <p14:creationId xmlns:p14="http://schemas.microsoft.com/office/powerpoint/2010/main" val="3294451929"/>
+      </p:ext>
+    </p:extLst>
+  </p:cSld>
+  <p:clrMapOvr>
+    <a:masterClrMapping/>
+  </p:clrMapOvr>
+  <mc:AlternateContent xmlns:mc="http://schemas.openxmlformats.org/markup-compatibility/2006" xmlns:p14="http://schemas.microsoft.com/office/powerpoint/2010/main">
+    <mc:Choice Requires="p14">
+      <p:transition spd="med" p14:dur="700">
+        <p:fade/>
+      </p:transition>
+    </mc:Choice>
+    <mc:Fallback xmlns="">
+      <p:transition spd="med">
+        <p:fade/>
+      </p:transition>
+    </mc:Fallback>
+  </mc:AlternateContent>
+</p:sld>
+</file>
+
+<file path=ppt/slides/slide17.xml><?xml version="1.0" encoding="utf-8"?>
+<p:sld xmlns:a="http://schemas.openxmlformats.org/drawingml/2006/main" xmlns:r="http://schemas.openxmlformats.org/officeDocument/2006/relationships" xmlns:p="http://schemas.openxmlformats.org/presentationml/2006/main">
+  <p:cSld>
+    <p:spTree>
+      <p:nvGrpSpPr>
+        <p:cNvPr id="1" name=""/>
+        <p:cNvGrpSpPr/>
+        <p:nvPr/>
+      </p:nvGrpSpPr>
+      <p:grpSpPr>
+        <a:xfrm>
+          <a:off x="0" y="0"/>
+          <a:ext cx="0" cy="0"/>
+          <a:chOff x="0" y="0"/>
+          <a:chExt cx="0" cy="0"/>
+        </a:xfrm>
+      </p:grpSpPr>
+      <p:sp>
+        <p:nvSpPr>
           <p:cNvPr id="2" name="Título 1">
             <a:extLst>
               <a:ext uri="{FF2B5EF4-FFF2-40B4-BE49-F238E27FC236}">
@@ -6330,7 +6533,7 @@
 </p:sld>
 </file>
 
-<file path=ppt/slides/slide17.xml><?xml version="1.0" encoding="utf-8"?>
+<file path=ppt/slides/slide18.xml><?xml version="1.0" encoding="utf-8"?>
 <p:sld xmlns:a="http://schemas.openxmlformats.org/drawingml/2006/main" xmlns:r="http://schemas.openxmlformats.org/officeDocument/2006/relationships" xmlns:p="http://schemas.openxmlformats.org/presentationml/2006/main">
   <p:cSld>
     <p:spTree>
@@ -6752,7 +6955,15 @@
             </a:r>
             <a:r>
               <a:rPr lang="en-GB" sz="3200" b="1" dirty="0"/>
-              <a:t>easy</a:t>
+              <a:t>easy </a:t>
+            </a:r>
+            <a:r>
+              <a:rPr lang="en-GB" sz="2000" b="1" dirty="0">
+                <a:solidFill>
+                  <a:srgbClr val="FFFF00"/>
+                </a:solidFill>
+              </a:rPr>
+              <a:t>(I’d prefer super-duper hard)</a:t>
             </a:r>
             <a:r>
               <a:rPr lang="en-GB" sz="3200" dirty="0"/>
@@ -7179,12 +7390,12 @@
         <p:spPr>
           <a:xfrm>
             <a:off x="914400" y="931164"/>
-            <a:ext cx="10528300" cy="4572000"/>
+            <a:ext cx="10509662" cy="4809236"/>
           </a:xfrm>
         </p:spPr>
         <p:txBody>
           <a:bodyPr>
-            <a:normAutofit fontScale="85000" lnSpcReduction="20000"/>
+            <a:normAutofit fontScale="77500" lnSpcReduction="20000"/>
           </a:bodyPr>
           <a:lstStyle/>
           <a:p>
@@ -7209,7 +7420,7 @@
             </a:r>
             <a:r>
               <a:rPr lang="en-US" dirty="0"/>
-              <a:t>&gt; (emphasis)?           </a:t>
+              <a:t>&gt; (emphasis)?             </a:t>
             </a:r>
             <a:r>
               <a:rPr lang="en-GB" dirty="0"/>
@@ -7229,24 +7440,6 @@
             </a:r>
           </a:p>
           <a:p>
-            <a:endParaRPr lang="en-US" dirty="0"/>
-          </a:p>
-          <a:p>
-            <a:pPr marL="68580" indent="0">
-              <a:buNone/>
-            </a:pPr>
-            <a:r>
-              <a:rPr lang="en-US" dirty="0"/>
-              <a:t>In Wikipedia, hyperlinked terms are important terms!</a:t>
-            </a:r>
-          </a:p>
-          <a:p>
-            <a:endParaRPr lang="en-US" dirty="0"/>
-          </a:p>
-          <a:p>
-            <a:endParaRPr lang="en-US" dirty="0"/>
-          </a:p>
-          <a:p>
             <a:pPr marL="68580" indent="0">
               <a:buNone/>
             </a:pPr>
@@ -7256,15 +7449,45 @@
             <a:pPr marL="68580" indent="0">
               <a:buNone/>
             </a:pPr>
+            <a:r>
+              <a:rPr lang="en-US" dirty="0"/>
+              <a:t>In Wikipedia, hyperlinked terms are important terms!</a:t>
+            </a:r>
+          </a:p>
+          <a:p>
+            <a:endParaRPr lang="en-US" dirty="0"/>
+          </a:p>
+          <a:p>
             <a:endParaRPr lang="en-US" dirty="0"/>
           </a:p>
           <a:p>
             <a:pPr marL="68580" indent="0">
               <a:buNone/>
             </a:pPr>
+            <a:endParaRPr lang="en-US" dirty="0"/>
+          </a:p>
+          <a:p>
+            <a:pPr marL="68580" indent="0">
+              <a:buNone/>
+            </a:pPr>
+            <a:endParaRPr lang="en-US" dirty="0"/>
+          </a:p>
+          <a:p>
+            <a:pPr marL="68580" indent="0">
+              <a:buNone/>
+            </a:pPr>
             <a:r>
               <a:rPr lang="en-US" dirty="0"/>
               <a:t>A web of data (or data web)  that can be processed by machines—that is, one in which much of the meaning is machine-readable.</a:t>
+            </a:r>
+          </a:p>
+          <a:p>
+            <a:pPr marL="68580" indent="0">
+              <a:buNone/>
+            </a:pPr>
+            <a:r>
+              <a:rPr lang="en-US" dirty="0"/>
+              <a:t>Feature: carefully designed DOM</a:t>
             </a:r>
           </a:p>
           <a:p>
@@ -7299,7 +7522,7 @@
         </p:nvSpPr>
         <p:spPr>
           <a:xfrm>
-            <a:off x="914400" y="2759964"/>
+            <a:off x="914400" y="2671064"/>
             <a:ext cx="10363200" cy="914400"/>
           </a:xfrm>
         </p:spPr>

--- a/shitty_ppt.pptx
+++ b/shitty_ppt.pptx
@@ -5590,6 +5590,78 @@
           </a:extLst>
         </p:spPr>
       </p:pic>
+      <p:pic>
+        <p:nvPicPr>
+          <p:cNvPr id="7" name="Imagen 6">
+            <a:extLst>
+              <a:ext uri="{FF2B5EF4-FFF2-40B4-BE49-F238E27FC236}">
+                <a16:creationId xmlns:a16="http://schemas.microsoft.com/office/drawing/2014/main" id="{25AE4619-3478-4A88-8776-C611E145D678}"/>
+              </a:ext>
+            </a:extLst>
+          </p:cNvPr>
+          <p:cNvPicPr>
+            <a:picLocks noChangeAspect="1"/>
+          </p:cNvPicPr>
+          <p:nvPr/>
+        </p:nvPicPr>
+        <p:blipFill>
+          <a:blip r:embed="rId3" cstate="print">
+            <a:extLst>
+              <a:ext uri="{28A0092B-C50C-407E-A947-70E740481C1C}">
+                <a14:useLocalDpi xmlns:a14="http://schemas.microsoft.com/office/drawing/2010/main" val="0"/>
+              </a:ext>
+            </a:extLst>
+          </a:blip>
+          <a:stretch>
+            <a:fillRect/>
+          </a:stretch>
+        </p:blipFill>
+        <p:spPr>
+          <a:xfrm>
+            <a:off x="6141720" y="2796540"/>
+            <a:ext cx="1950720" cy="3901440"/>
+          </a:xfrm>
+          <a:prstGeom prst="rect">
+            <a:avLst/>
+          </a:prstGeom>
+        </p:spPr>
+      </p:pic>
+      <p:pic>
+        <p:nvPicPr>
+          <p:cNvPr id="9" name="Imagen 8">
+            <a:extLst>
+              <a:ext uri="{FF2B5EF4-FFF2-40B4-BE49-F238E27FC236}">
+                <a16:creationId xmlns:a16="http://schemas.microsoft.com/office/drawing/2014/main" id="{CBBE43D4-42BD-48AE-B074-AD06E601A964}"/>
+              </a:ext>
+            </a:extLst>
+          </p:cNvPr>
+          <p:cNvPicPr>
+            <a:picLocks noChangeAspect="1"/>
+          </p:cNvPicPr>
+          <p:nvPr/>
+        </p:nvPicPr>
+        <p:blipFill>
+          <a:blip r:embed="rId4" cstate="print">
+            <a:extLst>
+              <a:ext uri="{28A0092B-C50C-407E-A947-70E740481C1C}">
+                <a14:useLocalDpi xmlns:a14="http://schemas.microsoft.com/office/drawing/2010/main" val="0"/>
+              </a:ext>
+            </a:extLst>
+          </a:blip>
+          <a:stretch>
+            <a:fillRect/>
+          </a:stretch>
+        </p:blipFill>
+        <p:spPr>
+          <a:xfrm>
+            <a:off x="4191000" y="2796540"/>
+            <a:ext cx="1950720" cy="3901440"/>
+          </a:xfrm>
+          <a:prstGeom prst="rect">
+            <a:avLst/>
+          </a:prstGeom>
+        </p:spPr>
+      </p:pic>
     </p:spTree>
     <p:extLst>
       <p:ext uri="{BB962C8B-B14F-4D97-AF65-F5344CB8AC3E}">
@@ -6381,6 +6453,379 @@
           </a:p>
         </p:txBody>
       </p:sp>
+      <p:pic>
+        <p:nvPicPr>
+          <p:cNvPr id="7" name="Imagen 6">
+            <a:extLst>
+              <a:ext uri="{FF2B5EF4-FFF2-40B4-BE49-F238E27FC236}">
+                <a16:creationId xmlns:a16="http://schemas.microsoft.com/office/drawing/2014/main" id="{FC5DA03C-B8BB-49C7-9951-FF09DB62D140}"/>
+              </a:ext>
+            </a:extLst>
+          </p:cNvPr>
+          <p:cNvPicPr>
+            <a:picLocks noChangeAspect="1"/>
+          </p:cNvPicPr>
+          <p:nvPr/>
+        </p:nvPicPr>
+        <p:blipFill>
+          <a:blip r:embed="rId2" cstate="print">
+            <a:extLst>
+              <a:ext uri="{28A0092B-C50C-407E-A947-70E740481C1C}">
+                <a14:useLocalDpi xmlns:a14="http://schemas.microsoft.com/office/drawing/2010/main" val="0"/>
+              </a:ext>
+            </a:extLst>
+          </a:blip>
+          <a:stretch>
+            <a:fillRect/>
+          </a:stretch>
+        </p:blipFill>
+        <p:spPr>
+          <a:xfrm>
+            <a:off x="9582001" y="2336272"/>
+            <a:ext cx="1805544" cy="3611088"/>
+          </a:xfrm>
+          <a:prstGeom prst="rect">
+            <a:avLst/>
+          </a:prstGeom>
+        </p:spPr>
+      </p:pic>
+      <p:pic>
+        <p:nvPicPr>
+          <p:cNvPr id="9" name="Imagen 8">
+            <a:extLst>
+              <a:ext uri="{FF2B5EF4-FFF2-40B4-BE49-F238E27FC236}">
+                <a16:creationId xmlns:a16="http://schemas.microsoft.com/office/drawing/2014/main" id="{FC29E967-BA18-4668-803F-EE3A116FD834}"/>
+              </a:ext>
+            </a:extLst>
+          </p:cNvPr>
+          <p:cNvPicPr>
+            <a:picLocks noChangeAspect="1"/>
+          </p:cNvPicPr>
+          <p:nvPr/>
+        </p:nvPicPr>
+        <p:blipFill>
+          <a:blip r:embed="rId3" cstate="print">
+            <a:extLst>
+              <a:ext uri="{28A0092B-C50C-407E-A947-70E740481C1C}">
+                <a14:useLocalDpi xmlns:a14="http://schemas.microsoft.com/office/drawing/2010/main" val="0"/>
+              </a:ext>
+            </a:extLst>
+          </a:blip>
+          <a:stretch>
+            <a:fillRect/>
+          </a:stretch>
+        </p:blipFill>
+        <p:spPr>
+          <a:xfrm>
+            <a:off x="7466709" y="2336272"/>
+            <a:ext cx="1799607" cy="3599214"/>
+          </a:xfrm>
+          <a:prstGeom prst="rect">
+            <a:avLst/>
+          </a:prstGeom>
+        </p:spPr>
+      </p:pic>
+      <p:pic>
+        <p:nvPicPr>
+          <p:cNvPr id="11" name="Imagen 10">
+            <a:extLst>
+              <a:ext uri="{FF2B5EF4-FFF2-40B4-BE49-F238E27FC236}">
+                <a16:creationId xmlns:a16="http://schemas.microsoft.com/office/drawing/2014/main" id="{5A76783F-6812-401D-991B-7FC338A3A019}"/>
+              </a:ext>
+            </a:extLst>
+          </p:cNvPr>
+          <p:cNvPicPr>
+            <a:picLocks noChangeAspect="1"/>
+          </p:cNvPicPr>
+          <p:nvPr/>
+        </p:nvPicPr>
+        <p:blipFill>
+          <a:blip r:embed="rId4" cstate="print">
+            <a:extLst>
+              <a:ext uri="{28A0092B-C50C-407E-A947-70E740481C1C}">
+                <a14:useLocalDpi xmlns:a14="http://schemas.microsoft.com/office/drawing/2010/main" val="0"/>
+              </a:ext>
+            </a:extLst>
+          </a:blip>
+          <a:stretch>
+            <a:fillRect/>
+          </a:stretch>
+        </p:blipFill>
+        <p:spPr>
+          <a:xfrm>
+            <a:off x="5345479" y="2324396"/>
+            <a:ext cx="1805545" cy="3611090"/>
+          </a:xfrm>
+          <a:prstGeom prst="rect">
+            <a:avLst/>
+          </a:prstGeom>
+        </p:spPr>
+      </p:pic>
+      <p:pic>
+        <p:nvPicPr>
+          <p:cNvPr id="13" name="Imagen 12">
+            <a:extLst>
+              <a:ext uri="{FF2B5EF4-FFF2-40B4-BE49-F238E27FC236}">
+                <a16:creationId xmlns:a16="http://schemas.microsoft.com/office/drawing/2014/main" id="{0D531668-5236-4ADA-86CA-D2199B3C2C75}"/>
+              </a:ext>
+            </a:extLst>
+          </p:cNvPr>
+          <p:cNvPicPr>
+            <a:picLocks noChangeAspect="1"/>
+          </p:cNvPicPr>
+          <p:nvPr/>
+        </p:nvPicPr>
+        <p:blipFill>
+          <a:blip r:embed="rId5" cstate="print">
+            <a:extLst>
+              <a:ext uri="{28A0092B-C50C-407E-A947-70E740481C1C}">
+                <a14:useLocalDpi xmlns:a14="http://schemas.microsoft.com/office/drawing/2010/main" val="0"/>
+              </a:ext>
+            </a:extLst>
+          </a:blip>
+          <a:stretch>
+            <a:fillRect/>
+          </a:stretch>
+        </p:blipFill>
+        <p:spPr>
+          <a:xfrm>
+            <a:off x="883920" y="2336272"/>
+            <a:ext cx="1805940" cy="3611880"/>
+          </a:xfrm>
+          <a:prstGeom prst="rect">
+            <a:avLst/>
+          </a:prstGeom>
+        </p:spPr>
+      </p:pic>
+      <p:pic>
+        <p:nvPicPr>
+          <p:cNvPr id="15" name="Imagen 14">
+            <a:extLst>
+              <a:ext uri="{FF2B5EF4-FFF2-40B4-BE49-F238E27FC236}">
+                <a16:creationId xmlns:a16="http://schemas.microsoft.com/office/drawing/2014/main" id="{574A6B62-A185-46E9-B349-3B679BED06C3}"/>
+              </a:ext>
+            </a:extLst>
+          </p:cNvPr>
+          <p:cNvPicPr>
+            <a:picLocks noChangeAspect="1"/>
+          </p:cNvPicPr>
+          <p:nvPr/>
+        </p:nvPicPr>
+        <p:blipFill>
+          <a:blip r:embed="rId6" cstate="print">
+            <a:extLst>
+              <a:ext uri="{28A0092B-C50C-407E-A947-70E740481C1C}">
+                <a14:useLocalDpi xmlns:a14="http://schemas.microsoft.com/office/drawing/2010/main" val="0"/>
+              </a:ext>
+            </a:extLst>
+          </a:blip>
+          <a:stretch>
+            <a:fillRect/>
+          </a:stretch>
+        </p:blipFill>
+        <p:spPr>
+          <a:xfrm>
+            <a:off x="3114897" y="2324396"/>
+            <a:ext cx="1805545" cy="3611090"/>
+          </a:xfrm>
+          <a:prstGeom prst="rect">
+            <a:avLst/>
+          </a:prstGeom>
+        </p:spPr>
+      </p:pic>
+      <p:sp>
+        <p:nvSpPr>
+          <p:cNvPr id="16" name="CuadroTexto 15">
+            <a:extLst>
+              <a:ext uri="{FF2B5EF4-FFF2-40B4-BE49-F238E27FC236}">
+                <a16:creationId xmlns:a16="http://schemas.microsoft.com/office/drawing/2014/main" id="{2A864A62-883B-42DD-873B-91E102756428}"/>
+              </a:ext>
+            </a:extLst>
+          </p:cNvPr>
+          <p:cNvSpPr txBox="1"/>
+          <p:nvPr/>
+        </p:nvSpPr>
+        <p:spPr>
+          <a:xfrm>
+            <a:off x="894023" y="6086816"/>
+            <a:ext cx="2014334" cy="369332"/>
+          </a:xfrm>
+          <a:prstGeom prst="rect">
+            <a:avLst/>
+          </a:prstGeom>
+          <a:noFill/>
+        </p:spPr>
+        <p:txBody>
+          <a:bodyPr wrap="none" rtlCol="0">
+            <a:spAutoFit/>
+          </a:bodyPr>
+          <a:lstStyle/>
+          <a:p>
+            <a:r>
+              <a:rPr lang="en-GB" dirty="0"/>
+              <a:t>English QWERTY</a:t>
+            </a:r>
+          </a:p>
+        </p:txBody>
+      </p:sp>
+      <p:sp>
+        <p:nvSpPr>
+          <p:cNvPr id="17" name="CuadroTexto 16">
+            <a:extLst>
+              <a:ext uri="{FF2B5EF4-FFF2-40B4-BE49-F238E27FC236}">
+                <a16:creationId xmlns:a16="http://schemas.microsoft.com/office/drawing/2014/main" id="{B3700096-EA78-46AD-8C2D-7B55AAB98796}"/>
+              </a:ext>
+            </a:extLst>
+          </p:cNvPr>
+          <p:cNvSpPr txBox="1"/>
+          <p:nvPr/>
+        </p:nvSpPr>
+        <p:spPr>
+          <a:xfrm>
+            <a:off x="3229197" y="6085252"/>
+            <a:ext cx="1860509" cy="553998"/>
+          </a:xfrm>
+          <a:prstGeom prst="rect">
+            <a:avLst/>
+          </a:prstGeom>
+          <a:noFill/>
+        </p:spPr>
+        <p:txBody>
+          <a:bodyPr wrap="none" rtlCol="0">
+            <a:spAutoFit/>
+          </a:bodyPr>
+          <a:lstStyle/>
+          <a:p>
+            <a:pPr algn="ctr"/>
+            <a:r>
+              <a:rPr lang="en-GB" dirty="0"/>
+              <a:t>French AZERTY</a:t>
+            </a:r>
+            <a:br>
+              <a:rPr lang="en-GB" dirty="0"/>
+            </a:br>
+            <a:r>
+              <a:rPr lang="en-GB" sz="1200" dirty="0"/>
+              <a:t>(w/ dead keys)</a:t>
+            </a:r>
+            <a:endParaRPr lang="en-GB" dirty="0"/>
+          </a:p>
+        </p:txBody>
+      </p:sp>
+      <p:sp>
+        <p:nvSpPr>
+          <p:cNvPr id="18" name="CuadroTexto 17">
+            <a:extLst>
+              <a:ext uri="{FF2B5EF4-FFF2-40B4-BE49-F238E27FC236}">
+                <a16:creationId xmlns:a16="http://schemas.microsoft.com/office/drawing/2014/main" id="{3FBD7AE9-C878-4631-B27C-A954631D3221}"/>
+              </a:ext>
+            </a:extLst>
+          </p:cNvPr>
+          <p:cNvSpPr txBox="1"/>
+          <p:nvPr/>
+        </p:nvSpPr>
+        <p:spPr>
+          <a:xfrm>
+            <a:off x="5316912" y="6085252"/>
+            <a:ext cx="2091278" cy="553998"/>
+          </a:xfrm>
+          <a:prstGeom prst="rect">
+            <a:avLst/>
+          </a:prstGeom>
+          <a:noFill/>
+        </p:spPr>
+        <p:txBody>
+          <a:bodyPr wrap="none" rtlCol="0">
+            <a:spAutoFit/>
+          </a:bodyPr>
+          <a:lstStyle/>
+          <a:p>
+            <a:pPr algn="ctr"/>
+            <a:r>
+              <a:rPr lang="en-GB" dirty="0"/>
+              <a:t>Spanish QWERTY</a:t>
+            </a:r>
+            <a:br>
+              <a:rPr lang="en-GB" dirty="0"/>
+            </a:br>
+            <a:r>
+              <a:rPr lang="en-GB" sz="1200" dirty="0"/>
+              <a:t>(w/ dead keys)</a:t>
+            </a:r>
+            <a:endParaRPr lang="en-GB" dirty="0"/>
+          </a:p>
+        </p:txBody>
+      </p:sp>
+      <p:sp>
+        <p:nvSpPr>
+          <p:cNvPr id="19" name="CuadroTexto 18">
+            <a:extLst>
+              <a:ext uri="{FF2B5EF4-FFF2-40B4-BE49-F238E27FC236}">
+                <a16:creationId xmlns:a16="http://schemas.microsoft.com/office/drawing/2014/main" id="{E1464AFA-E4C5-46AC-843A-8672D7B7C221}"/>
+              </a:ext>
+            </a:extLst>
+          </p:cNvPr>
+          <p:cNvSpPr txBox="1"/>
+          <p:nvPr/>
+        </p:nvSpPr>
+        <p:spPr>
+          <a:xfrm>
+            <a:off x="7441585" y="6086816"/>
+            <a:ext cx="2078454" cy="369332"/>
+          </a:xfrm>
+          <a:prstGeom prst="rect">
+            <a:avLst/>
+          </a:prstGeom>
+          <a:noFill/>
+        </p:spPr>
+        <p:txBody>
+          <a:bodyPr wrap="none" rtlCol="0">
+            <a:spAutoFit/>
+          </a:bodyPr>
+          <a:lstStyle/>
+          <a:p>
+            <a:r>
+              <a:rPr lang="en-GB" dirty="0"/>
+              <a:t>German QWERTZ</a:t>
+            </a:r>
+          </a:p>
+        </p:txBody>
+      </p:sp>
+      <p:sp>
+        <p:nvSpPr>
+          <p:cNvPr id="20" name="CuadroTexto 19">
+            <a:extLst>
+              <a:ext uri="{FF2B5EF4-FFF2-40B4-BE49-F238E27FC236}">
+                <a16:creationId xmlns:a16="http://schemas.microsoft.com/office/drawing/2014/main" id="{13E03713-CB01-4AAA-B4AA-06A220F5B075}"/>
+              </a:ext>
+            </a:extLst>
+          </p:cNvPr>
+          <p:cNvSpPr txBox="1"/>
+          <p:nvPr/>
+        </p:nvSpPr>
+        <p:spPr>
+          <a:xfrm>
+            <a:off x="10019427" y="6076068"/>
+            <a:ext cx="1159292" cy="369332"/>
+          </a:xfrm>
+          <a:prstGeom prst="rect">
+            <a:avLst/>
+          </a:prstGeom>
+          <a:noFill/>
+        </p:spPr>
+        <p:txBody>
+          <a:bodyPr wrap="none" rtlCol="0">
+            <a:spAutoFit/>
+          </a:bodyPr>
+          <a:lstStyle/>
+          <a:p>
+            <a:r>
+              <a:rPr lang="en-GB" dirty="0"/>
+              <a:t>Ukrainian</a:t>
+            </a:r>
+          </a:p>
+        </p:txBody>
+      </p:sp>
     </p:spTree>
     <p:extLst>
       <p:ext uri="{BB962C8B-B14F-4D97-AF65-F5344CB8AC3E}">
@@ -7000,7 +7445,44 @@
             </a:r>
             <a:r>
               <a:rPr lang="en-GB" sz="3200" b="1" dirty="0"/>
-              <a:t>generates levels real-time using external resources </a:t>
+              <a:t>generates levels </a:t>
+            </a:r>
+            <a:r>
+              <a:rPr lang="en-GB" sz="3200" b="1" u="sng" dirty="0">
+                <a:solidFill>
+                  <a:schemeClr val="accent3">
+                    <a:lumMod val="60000"/>
+                    <a:lumOff val="40000"/>
+                  </a:schemeClr>
+                </a:solidFill>
+                <a:effectLst>
+                  <a:outerShdw blurRad="38100" dist="38100" dir="2700000" algn="tl">
+                    <a:srgbClr val="000000">
+                      <a:alpha val="43137"/>
+                    </a:srgbClr>
+                  </a:outerShdw>
+                </a:effectLst>
+              </a:rPr>
+              <a:t>real-time</a:t>
+            </a:r>
+            <a:r>
+              <a:rPr lang="en-GB" sz="3200" b="1" dirty="0"/>
+              <a:t> using </a:t>
+            </a:r>
+            <a:r>
+              <a:rPr lang="en-GB" sz="3200" b="1" u="sng" dirty="0">
+                <a:solidFill>
+                  <a:schemeClr val="accent3">
+                    <a:lumMod val="60000"/>
+                    <a:lumOff val="40000"/>
+                  </a:schemeClr>
+                </a:solidFill>
+              </a:rPr>
+              <a:t>external resources</a:t>
+            </a:r>
+            <a:r>
+              <a:rPr lang="en-GB" sz="3200" b="1" dirty="0"/>
+              <a:t> </a:t>
             </a:r>
             <a:r>
               <a:rPr lang="en-GB" sz="2000" b="1" dirty="0">
@@ -7723,7 +8205,18 @@
               <a:rPr lang="es-ES" dirty="0" err="1"/>
               <a:t>blanks</a:t>
             </a:r>
-            <a:endParaRPr lang="es-ES" dirty="0"/>
+            <a:r>
+              <a:rPr lang="es-ES" dirty="0"/>
+              <a:t> (</a:t>
+            </a:r>
+            <a:r>
+              <a:rPr lang="es-ES" dirty="0" err="1"/>
+              <a:t>left</a:t>
+            </a:r>
+            <a:r>
+              <a:rPr lang="es-ES" dirty="0"/>
+              <a:t>)</a:t>
+            </a:r>
           </a:p>
           <a:p>
             <a:r>
@@ -7782,7 +8275,18 @@
               <a:rPr lang="es-ES" dirty="0" err="1"/>
               <a:t>words</a:t>
             </a:r>
-            <a:endParaRPr lang="es-ES" dirty="0"/>
+            <a:r>
+              <a:rPr lang="es-ES" dirty="0"/>
+              <a:t> (</a:t>
+            </a:r>
+            <a:r>
+              <a:rPr lang="es-ES" dirty="0" err="1"/>
+              <a:t>right</a:t>
+            </a:r>
+            <a:r>
+              <a:rPr lang="es-ES" dirty="0"/>
+              <a:t>)</a:t>
+            </a:r>
           </a:p>
         </p:txBody>
       </p:sp>
@@ -7915,6 +8419,78 @@
           </a:p>
         </p:txBody>
       </p:sp>
+      <p:pic>
+        <p:nvPicPr>
+          <p:cNvPr id="4" name="Imagen 3">
+            <a:extLst>
+              <a:ext uri="{FF2B5EF4-FFF2-40B4-BE49-F238E27FC236}">
+                <a16:creationId xmlns:a16="http://schemas.microsoft.com/office/drawing/2014/main" id="{3B45BE16-65FC-4014-B27F-50C078ED9FD9}"/>
+              </a:ext>
+            </a:extLst>
+          </p:cNvPr>
+          <p:cNvPicPr>
+            <a:picLocks noChangeAspect="1"/>
+          </p:cNvPicPr>
+          <p:nvPr/>
+        </p:nvPicPr>
+        <p:blipFill>
+          <a:blip r:embed="rId5" cstate="print">
+            <a:extLst>
+              <a:ext uri="{28A0092B-C50C-407E-A947-70E740481C1C}">
+                <a14:useLocalDpi xmlns:a14="http://schemas.microsoft.com/office/drawing/2010/main" val="0"/>
+              </a:ext>
+            </a:extLst>
+          </a:blip>
+          <a:stretch>
+            <a:fillRect/>
+          </a:stretch>
+        </p:blipFill>
+        <p:spPr>
+          <a:xfrm>
+            <a:off x="6795407" y="3581400"/>
+            <a:ext cx="1638300" cy="3276600"/>
+          </a:xfrm>
+          <a:prstGeom prst="rect">
+            <a:avLst/>
+          </a:prstGeom>
+        </p:spPr>
+      </p:pic>
+      <p:pic>
+        <p:nvPicPr>
+          <p:cNvPr id="7" name="Imagen 6">
+            <a:extLst>
+              <a:ext uri="{FF2B5EF4-FFF2-40B4-BE49-F238E27FC236}">
+                <a16:creationId xmlns:a16="http://schemas.microsoft.com/office/drawing/2014/main" id="{1922240B-AB7B-45E0-B519-EAE9F356F224}"/>
+              </a:ext>
+            </a:extLst>
+          </p:cNvPr>
+          <p:cNvPicPr>
+            <a:picLocks noChangeAspect="1"/>
+          </p:cNvPicPr>
+          <p:nvPr/>
+        </p:nvPicPr>
+        <p:blipFill>
+          <a:blip r:embed="rId6" cstate="print">
+            <a:extLst>
+              <a:ext uri="{28A0092B-C50C-407E-A947-70E740481C1C}">
+                <a14:useLocalDpi xmlns:a14="http://schemas.microsoft.com/office/drawing/2010/main" val="0"/>
+              </a:ext>
+            </a:extLst>
+          </a:blip>
+          <a:stretch>
+            <a:fillRect/>
+          </a:stretch>
+        </p:blipFill>
+        <p:spPr>
+          <a:xfrm>
+            <a:off x="3581400" y="3642360"/>
+            <a:ext cx="1607820" cy="3215640"/>
+          </a:xfrm>
+          <a:prstGeom prst="rect">
+            <a:avLst/>
+          </a:prstGeom>
+        </p:spPr>
+      </p:pic>
     </p:spTree>
     <p:extLst>
       <p:ext uri="{BB962C8B-B14F-4D97-AF65-F5344CB8AC3E}">
@@ -9554,6 +10130,162 @@
               <a:rPr lang="es-ES" dirty="0" err="1"/>
               <a:t>flag</a:t>
             </a:r>
+            <a:r>
+              <a:rPr lang="es-ES" dirty="0"/>
+              <a:t> (</a:t>
+            </a:r>
+            <a:r>
+              <a:rPr lang="es-ES" dirty="0" err="1"/>
+              <a:t>left</a:t>
+            </a:r>
+            <a:r>
+              <a:rPr lang="es-ES" dirty="0"/>
+              <a:t>)</a:t>
+            </a:r>
+            <a:r>
+              <a:rPr lang="es-ES" sz="3200" b="1" dirty="0">
+                <a:solidFill>
+                  <a:srgbClr val="FFFF00"/>
+                </a:solidFill>
+              </a:rPr>
+              <a:t> </a:t>
+            </a:r>
+            <a:r>
+              <a:rPr lang="es-ES" sz="800" b="1" dirty="0">
+                <a:solidFill>
+                  <a:srgbClr val="FFFF00"/>
+                </a:solidFill>
+              </a:rPr>
+              <a:t>(</a:t>
+            </a:r>
+            <a:r>
+              <a:rPr lang="es-ES" sz="800" b="1" dirty="0" err="1">
+                <a:solidFill>
+                  <a:srgbClr val="FFFF00"/>
+                </a:solidFill>
+              </a:rPr>
+              <a:t>even</a:t>
+            </a:r>
+            <a:r>
+              <a:rPr lang="es-ES" sz="800" b="1" dirty="0">
+                <a:solidFill>
+                  <a:srgbClr val="FFFF00"/>
+                </a:solidFill>
+              </a:rPr>
+              <a:t> </a:t>
+            </a:r>
+            <a:r>
+              <a:rPr lang="es-ES" sz="800" b="1" dirty="0" err="1">
+                <a:solidFill>
+                  <a:srgbClr val="FFFF00"/>
+                </a:solidFill>
+              </a:rPr>
+              <a:t>the</a:t>
+            </a:r>
+            <a:r>
+              <a:rPr lang="es-ES" sz="800" b="1" dirty="0">
+                <a:solidFill>
+                  <a:srgbClr val="FFFF00"/>
+                </a:solidFill>
+              </a:rPr>
+              <a:t> country </a:t>
+            </a:r>
+            <a:r>
+              <a:rPr lang="es-ES" sz="800" b="1" dirty="0" err="1">
+                <a:solidFill>
+                  <a:srgbClr val="FFFF00"/>
+                </a:solidFill>
+              </a:rPr>
+              <a:t>names</a:t>
+            </a:r>
+            <a:r>
+              <a:rPr lang="es-ES" sz="800" b="1" dirty="0">
+                <a:solidFill>
+                  <a:srgbClr val="FFFF00"/>
+                </a:solidFill>
+              </a:rPr>
+              <a:t> are in </a:t>
+            </a:r>
+            <a:r>
+              <a:rPr lang="es-ES" sz="800" b="1" dirty="0" err="1">
+                <a:solidFill>
+                  <a:srgbClr val="FFFF00"/>
+                </a:solidFill>
+              </a:rPr>
+              <a:t>Ukrainian</a:t>
+            </a:r>
+            <a:r>
+              <a:rPr lang="es-ES" sz="800" b="1" dirty="0">
+                <a:solidFill>
+                  <a:srgbClr val="FFFF00"/>
+                </a:solidFill>
+              </a:rPr>
+              <a:t>, as </a:t>
+            </a:r>
+            <a:r>
+              <a:rPr lang="es-ES" sz="800" b="1" dirty="0" err="1">
+                <a:solidFill>
+                  <a:srgbClr val="FFFF00"/>
+                </a:solidFill>
+              </a:rPr>
+              <a:t>Wikidata</a:t>
+            </a:r>
+            <a:r>
+              <a:rPr lang="es-ES" sz="800" b="1" dirty="0">
+                <a:solidFill>
+                  <a:srgbClr val="FFFF00"/>
+                </a:solidFill>
+              </a:rPr>
+              <a:t> has </a:t>
+            </a:r>
+            <a:r>
+              <a:rPr lang="es-ES" sz="800" b="1" dirty="0" err="1">
+                <a:solidFill>
+                  <a:srgbClr val="FFFF00"/>
+                </a:solidFill>
+              </a:rPr>
+              <a:t>almost</a:t>
+            </a:r>
+            <a:r>
+              <a:rPr lang="es-ES" sz="800" b="1" dirty="0">
+                <a:solidFill>
+                  <a:srgbClr val="FFFF00"/>
+                </a:solidFill>
+              </a:rPr>
+              <a:t> </a:t>
+            </a:r>
+            <a:r>
+              <a:rPr lang="es-ES" sz="800" b="1" dirty="0" err="1">
+                <a:solidFill>
+                  <a:srgbClr val="FFFF00"/>
+                </a:solidFill>
+              </a:rPr>
+              <a:t>any</a:t>
+            </a:r>
+            <a:r>
+              <a:rPr lang="es-ES" sz="800" b="1" dirty="0">
+                <a:solidFill>
+                  <a:srgbClr val="FFFF00"/>
+                </a:solidFill>
+              </a:rPr>
+              <a:t> </a:t>
+            </a:r>
+            <a:r>
+              <a:rPr lang="es-ES" sz="800" b="1" dirty="0" err="1">
+                <a:solidFill>
+                  <a:srgbClr val="FFFF00"/>
+                </a:solidFill>
+              </a:rPr>
+              <a:t>language</a:t>
+            </a:r>
+            <a:r>
+              <a:rPr lang="es-ES" sz="800" b="1" dirty="0">
+                <a:solidFill>
+                  <a:srgbClr val="FFFF00"/>
+                </a:solidFill>
+              </a:rPr>
+              <a:t>)</a:t>
+            </a:r>
             <a:endParaRPr lang="es-ES" dirty="0"/>
           </a:p>
           <a:p>
@@ -9593,7 +10325,10 @@
               <a:rPr lang="es-ES" dirty="0" err="1"/>
               <a:t>map</a:t>
             </a:r>
-            <a:endParaRPr lang="es-ES" dirty="0"/>
+            <a:r>
+              <a:rPr lang="es-ES" dirty="0"/>
+              <a:t> (centre)</a:t>
+            </a:r>
           </a:p>
           <a:p>
             <a:r>
@@ -9618,7 +10353,15 @@
             </a:r>
             <a:r>
               <a:rPr lang="es-ES" dirty="0"/>
-              <a:t> date</a:t>
+              <a:t> date (</a:t>
+            </a:r>
+            <a:r>
+              <a:rPr lang="es-ES" dirty="0" err="1"/>
+              <a:t>right</a:t>
+            </a:r>
+            <a:r>
+              <a:rPr lang="es-ES" dirty="0"/>
+              <a:t>)</a:t>
             </a:r>
           </a:p>
         </p:txBody>
@@ -9668,6 +10411,114 @@
               </a14:hiddenFill>
             </a:ext>
           </a:extLst>
+        </p:spPr>
+      </p:pic>
+      <p:pic>
+        <p:nvPicPr>
+          <p:cNvPr id="6" name="Imagen 5">
+            <a:extLst>
+              <a:ext uri="{FF2B5EF4-FFF2-40B4-BE49-F238E27FC236}">
+                <a16:creationId xmlns:a16="http://schemas.microsoft.com/office/drawing/2014/main" id="{AE237162-0EDF-4C13-AB59-C0CC30D0A5B0}"/>
+              </a:ext>
+            </a:extLst>
+          </p:cNvPr>
+          <p:cNvPicPr>
+            <a:picLocks noChangeAspect="1"/>
+          </p:cNvPicPr>
+          <p:nvPr/>
+        </p:nvPicPr>
+        <p:blipFill>
+          <a:blip r:embed="rId3" cstate="print">
+            <a:extLst>
+              <a:ext uri="{28A0092B-C50C-407E-A947-70E740481C1C}">
+                <a14:useLocalDpi xmlns:a14="http://schemas.microsoft.com/office/drawing/2010/main" val="0"/>
+              </a:ext>
+            </a:extLst>
+          </a:blip>
+          <a:stretch>
+            <a:fillRect/>
+          </a:stretch>
+        </p:blipFill>
+        <p:spPr>
+          <a:xfrm>
+            <a:off x="5640705" y="3931920"/>
+            <a:ext cx="1491615" cy="2983230"/>
+          </a:xfrm>
+          <a:prstGeom prst="rect">
+            <a:avLst/>
+          </a:prstGeom>
+        </p:spPr>
+      </p:pic>
+      <p:pic>
+        <p:nvPicPr>
+          <p:cNvPr id="10" name="Imagen 9">
+            <a:extLst>
+              <a:ext uri="{FF2B5EF4-FFF2-40B4-BE49-F238E27FC236}">
+                <a16:creationId xmlns:a16="http://schemas.microsoft.com/office/drawing/2014/main" id="{69FC05AA-ABD7-4D04-9CEE-63333CEC7A38}"/>
+              </a:ext>
+            </a:extLst>
+          </p:cNvPr>
+          <p:cNvPicPr>
+            <a:picLocks noChangeAspect="1"/>
+          </p:cNvPicPr>
+          <p:nvPr/>
+        </p:nvPicPr>
+        <p:blipFill>
+          <a:blip r:embed="rId4" cstate="print">
+            <a:extLst>
+              <a:ext uri="{28A0092B-C50C-407E-A947-70E740481C1C}">
+                <a14:useLocalDpi xmlns:a14="http://schemas.microsoft.com/office/drawing/2010/main" val="0"/>
+              </a:ext>
+            </a:extLst>
+          </a:blip>
+          <a:stretch>
+            <a:fillRect/>
+          </a:stretch>
+        </p:blipFill>
+        <p:spPr>
+          <a:xfrm>
+            <a:off x="1889760" y="3931920"/>
+            <a:ext cx="1463040" cy="2926080"/>
+          </a:xfrm>
+          <a:prstGeom prst="rect">
+            <a:avLst/>
+          </a:prstGeom>
+        </p:spPr>
+      </p:pic>
+      <p:pic>
+        <p:nvPicPr>
+          <p:cNvPr id="12" name="Imagen 11">
+            <a:extLst>
+              <a:ext uri="{FF2B5EF4-FFF2-40B4-BE49-F238E27FC236}">
+                <a16:creationId xmlns:a16="http://schemas.microsoft.com/office/drawing/2014/main" id="{C4DA0113-7BFF-4AC7-8986-C1D430C1B8BB}"/>
+              </a:ext>
+            </a:extLst>
+          </p:cNvPr>
+          <p:cNvPicPr>
+            <a:picLocks noChangeAspect="1"/>
+          </p:cNvPicPr>
+          <p:nvPr/>
+        </p:nvPicPr>
+        <p:blipFill>
+          <a:blip r:embed="rId5" cstate="print">
+            <a:extLst>
+              <a:ext uri="{28A0092B-C50C-407E-A947-70E740481C1C}">
+                <a14:useLocalDpi xmlns:a14="http://schemas.microsoft.com/office/drawing/2010/main" val="0"/>
+              </a:ext>
+            </a:extLst>
+          </a:blip>
+          <a:stretch>
+            <a:fillRect/>
+          </a:stretch>
+        </p:blipFill>
+        <p:spPr>
+          <a:xfrm>
+            <a:off x="9092474" y="3809760"/>
+            <a:ext cx="1524120" cy="3048240"/>
+          </a:xfrm>
+          <a:prstGeom prst="rect">
+            <a:avLst/>
+          </a:prstGeom>
         </p:spPr>
       </p:pic>
     </p:spTree>
@@ -10586,6 +11437,17 @@
 </file>
 
 <file path=customXml/item1.xml><?xml version="1.0" encoding="utf-8"?>
+<p:properties xmlns:p="http://schemas.microsoft.com/office/2006/metadata/properties" xmlns:xsi="http://www.w3.org/2001/XMLSchema-instance" xmlns:pc="http://schemas.microsoft.com/office/infopath/2007/PartnerControls">
+  <documentManagement>
+    <VSO_x0020_item_x0020_id xmlns="40262f94-9f35-4ac3-9a90-690165a166b7" xsi:nil="true"/>
+    <Assetid_x0020_ xmlns="40262f94-9f35-4ac3-9a90-690165a166b7" xsi:nil="true"/>
+    <Item_x0020_Details xmlns="40262f94-9f35-4ac3-9a90-690165a166b7" xsi:nil="true"/>
+    <Template_x0020_details xmlns="40262f94-9f35-4ac3-9a90-690165a166b7" xsi:nil="true"/>
+  </documentManagement>
+</p:properties>
+</file>
+
+<file path=customXml/item2.xml><?xml version="1.0" encoding="utf-8"?>
 <ct:contentTypeSchema xmlns:ct="http://schemas.microsoft.com/office/2006/metadata/contentType" xmlns:ma="http://schemas.microsoft.com/office/2006/metadata/properties/metaAttributes" ct:_="" ma:_="" ma:contentTypeName="Document" ma:contentTypeID="0x010100AA3F7D94069FF64A86F7DFF56D60E3BE" ma:contentTypeVersion="6" ma:contentTypeDescription="Create a new document." ma:contentTypeScope="" ma:versionID="c32302c77d4085ecf495bdddb7f5e889">
   <xsd:schema xmlns:xsd="http://www.w3.org/2001/XMLSchema" xmlns:xs="http://www.w3.org/2001/XMLSchema" xmlns:p="http://schemas.microsoft.com/office/2006/metadata/properties" xmlns:ns2="a4f35948-e619-41b3-aa29-22878b09cfd2" xmlns:ns3="40262f94-9f35-4ac3-9a90-690165a166b7" targetNamespace="http://schemas.microsoft.com/office/2006/metadata/properties" ma:root="true" ma:fieldsID="4ab5ae46be95f9d0be6107e8200be7a2" ns2:_="" ns3:_="">
     <xsd:import namespace="a4f35948-e619-41b3-aa29-22878b09cfd2"/>
@@ -10766,17 +11628,6 @@
 </ct:contentTypeSchema>
 </file>
 
-<file path=customXml/item2.xml><?xml version="1.0" encoding="utf-8"?>
-<p:properties xmlns:p="http://schemas.microsoft.com/office/2006/metadata/properties" xmlns:xsi="http://www.w3.org/2001/XMLSchema-instance" xmlns:pc="http://schemas.microsoft.com/office/infopath/2007/PartnerControls">
-  <documentManagement>
-    <VSO_x0020_item_x0020_id xmlns="40262f94-9f35-4ac3-9a90-690165a166b7" xsi:nil="true"/>
-    <Assetid_x0020_ xmlns="40262f94-9f35-4ac3-9a90-690165a166b7" xsi:nil="true"/>
-    <Item_x0020_Details xmlns="40262f94-9f35-4ac3-9a90-690165a166b7" xsi:nil="true"/>
-    <Template_x0020_details xmlns="40262f94-9f35-4ac3-9a90-690165a166b7" xsi:nil="true"/>
-  </documentManagement>
-</p:properties>
-</file>
-
 <file path=customXml/item3.xml><?xml version="1.0" encoding="utf-8"?>
 <?mso-contentType ?>
 <FormTemplates xmlns="http://schemas.microsoft.com/sharepoint/v3/contenttype/forms">
@@ -10787,6 +11638,23 @@
 </file>
 
 <file path=customXml/itemProps1.xml><?xml version="1.0" encoding="utf-8"?>
+<ds:datastoreItem xmlns:ds="http://schemas.openxmlformats.org/officeDocument/2006/customXml" ds:itemID="{8AFFFBF3-BB42-47F7-806D-D5417A96E6A8}">
+  <ds:schemaRefs>
+    <ds:schemaRef ds:uri="http://schemas.openxmlformats.org/package/2006/metadata/core-properties"/>
+    <ds:schemaRef ds:uri="40262f94-9f35-4ac3-9a90-690165a166b7"/>
+    <ds:schemaRef ds:uri="http://purl.org/dc/elements/1.1/"/>
+    <ds:schemaRef ds:uri="http://purl.org/dc/dcmitype/"/>
+    <ds:schemaRef ds:uri="http://schemas.microsoft.com/office/2006/metadata/properties"/>
+    <ds:schemaRef ds:uri="http://schemas.microsoft.com/office/2006/documentManagement/types"/>
+    <ds:schemaRef ds:uri="a4f35948-e619-41b3-aa29-22878b09cfd2"/>
+    <ds:schemaRef ds:uri="http://schemas.microsoft.com/office/infopath/2007/PartnerControls"/>
+    <ds:schemaRef ds:uri="http://www.w3.org/XML/1998/namespace"/>
+    <ds:schemaRef ds:uri="http://purl.org/dc/terms/"/>
+  </ds:schemaRefs>
+</ds:datastoreItem>
+</file>
+
+<file path=customXml/itemProps2.xml><?xml version="1.0" encoding="utf-8"?>
 <ds:datastoreItem xmlns:ds="http://schemas.openxmlformats.org/officeDocument/2006/customXml" ds:itemID="{B6B1B62E-928A-4006-B97D-326E5E8B4F15}">
   <ds:schemaRefs>
     <ds:schemaRef ds:uri="http://schemas.microsoft.com/office/2006/metadata/contentType"/>
@@ -10805,23 +11673,6 @@
 </ds:datastoreItem>
 </file>
 
-<file path=customXml/itemProps2.xml><?xml version="1.0" encoding="utf-8"?>
-<ds:datastoreItem xmlns:ds="http://schemas.openxmlformats.org/officeDocument/2006/customXml" ds:itemID="{8AFFFBF3-BB42-47F7-806D-D5417A96E6A8}">
-  <ds:schemaRefs>
-    <ds:schemaRef ds:uri="http://schemas.openxmlformats.org/package/2006/metadata/core-properties"/>
-    <ds:schemaRef ds:uri="40262f94-9f35-4ac3-9a90-690165a166b7"/>
-    <ds:schemaRef ds:uri="http://purl.org/dc/elements/1.1/"/>
-    <ds:schemaRef ds:uri="http://purl.org/dc/dcmitype/"/>
-    <ds:schemaRef ds:uri="http://schemas.microsoft.com/office/2006/metadata/properties"/>
-    <ds:schemaRef ds:uri="http://schemas.microsoft.com/office/2006/documentManagement/types"/>
-    <ds:schemaRef ds:uri="a4f35948-e619-41b3-aa29-22878b09cfd2"/>
-    <ds:schemaRef ds:uri="http://schemas.microsoft.com/office/infopath/2007/PartnerControls"/>
-    <ds:schemaRef ds:uri="http://www.w3.org/XML/1998/namespace"/>
-    <ds:schemaRef ds:uri="http://purl.org/dc/terms/"/>
-  </ds:schemaRefs>
-</ds:datastoreItem>
-</file>
-
 <file path=customXml/itemProps3.xml><?xml version="1.0" encoding="utf-8"?>
 <ds:datastoreItem xmlns:ds="http://schemas.openxmlformats.org/officeDocument/2006/customXml" ds:itemID="{4FC28D37-012A-4F78-8189-E37D3400689D}">
   <ds:schemaRefs>

--- a/shitty_ppt.pptx
+++ b/shitty_ppt.pptx
@@ -5363,8 +5363,13 @@
           <a:p>
             <a:r>
               <a:rPr lang="en-GB" dirty="0"/>
-              <a:t>Great quantity of data</a:t>
-            </a:r>
+              <a:t>Great quantity of data </a:t>
+            </a:r>
+            <a:r>
+              <a:rPr lang="en-GB" sz="2000"/>
+              <a:t>(customisable!)</a:t>
+            </a:r>
+            <a:endParaRPr lang="en-GB" dirty="0"/>
           </a:p>
         </p:txBody>
       </p:sp>
@@ -5662,6 +5667,58 @@
           </a:prstGeom>
         </p:spPr>
       </p:pic>
+      <p:sp>
+        <p:nvSpPr>
+          <p:cNvPr id="4" name="Elipse 3">
+            <a:extLst>
+              <a:ext uri="{FF2B5EF4-FFF2-40B4-BE49-F238E27FC236}">
+                <a16:creationId xmlns:a16="http://schemas.microsoft.com/office/drawing/2014/main" id="{DBE1212D-8392-4741-B4C8-0BE2BDC237C1}"/>
+              </a:ext>
+            </a:extLst>
+          </p:cNvPr>
+          <p:cNvSpPr/>
+          <p:nvPr/>
+        </p:nvSpPr>
+        <p:spPr>
+          <a:xfrm>
+            <a:off x="4126675" y="6014851"/>
+            <a:ext cx="516577" cy="219694"/>
+          </a:xfrm>
+          <a:prstGeom prst="ellipse">
+            <a:avLst/>
+          </a:prstGeom>
+          <a:noFill/>
+          <a:ln>
+            <a:solidFill>
+              <a:srgbClr val="FFFF00"/>
+            </a:solidFill>
+          </a:ln>
+        </p:spPr>
+        <p:style>
+          <a:lnRef idx="2">
+            <a:schemeClr val="accent1">
+              <a:shade val="50000"/>
+            </a:schemeClr>
+          </a:lnRef>
+          <a:fillRef idx="1">
+            <a:schemeClr val="accent1"/>
+          </a:fillRef>
+          <a:effectRef idx="0">
+            <a:schemeClr val="accent1"/>
+          </a:effectRef>
+          <a:fontRef idx="minor">
+            <a:schemeClr val="lt1"/>
+          </a:fontRef>
+        </p:style>
+        <p:txBody>
+          <a:bodyPr rtlCol="0" anchor="ctr"/>
+          <a:lstStyle/>
+          <a:p>
+            <a:pPr algn="ctr"/>
+            <a:endParaRPr lang="en-GB"/>
+          </a:p>
+        </p:txBody>
+      </p:sp>
     </p:spTree>
     <p:extLst>
       <p:ext uri="{BB962C8B-B14F-4D97-AF65-F5344CB8AC3E}">
@@ -6826,6 +6883,162 @@
           </a:p>
         </p:txBody>
       </p:sp>
+      <p:sp>
+        <p:nvSpPr>
+          <p:cNvPr id="2" name="Elipse 1">
+            <a:extLst>
+              <a:ext uri="{FF2B5EF4-FFF2-40B4-BE49-F238E27FC236}">
+                <a16:creationId xmlns:a16="http://schemas.microsoft.com/office/drawing/2014/main" id="{4AD20CD8-34E0-4BBB-8AB6-8AE5DBCE365C}"/>
+              </a:ext>
+            </a:extLst>
+          </p:cNvPr>
+          <p:cNvSpPr/>
+          <p:nvPr/>
+        </p:nvSpPr>
+        <p:spPr>
+          <a:xfrm>
+            <a:off x="4262512" y="5764970"/>
+            <a:ext cx="503572" cy="219694"/>
+          </a:xfrm>
+          <a:prstGeom prst="ellipse">
+            <a:avLst/>
+          </a:prstGeom>
+          <a:noFill/>
+          <a:ln>
+            <a:solidFill>
+              <a:srgbClr val="FFFF00"/>
+            </a:solidFill>
+          </a:ln>
+        </p:spPr>
+        <p:style>
+          <a:lnRef idx="2">
+            <a:schemeClr val="accent1">
+              <a:shade val="50000"/>
+            </a:schemeClr>
+          </a:lnRef>
+          <a:fillRef idx="1">
+            <a:schemeClr val="accent1"/>
+          </a:fillRef>
+          <a:effectRef idx="0">
+            <a:schemeClr val="accent1"/>
+          </a:effectRef>
+          <a:fontRef idx="minor">
+            <a:schemeClr val="lt1"/>
+          </a:fontRef>
+        </p:style>
+        <p:txBody>
+          <a:bodyPr rtlCol="0" anchor="ctr"/>
+          <a:lstStyle/>
+          <a:p>
+            <a:pPr algn="ctr"/>
+            <a:endParaRPr lang="en-GB"/>
+          </a:p>
+        </p:txBody>
+      </p:sp>
+      <p:sp>
+        <p:nvSpPr>
+          <p:cNvPr id="21" name="Elipse 20">
+            <a:extLst>
+              <a:ext uri="{FF2B5EF4-FFF2-40B4-BE49-F238E27FC236}">
+                <a16:creationId xmlns:a16="http://schemas.microsoft.com/office/drawing/2014/main" id="{BB13DA27-FCE2-49FC-B2FC-1B8E43BFAC85}"/>
+              </a:ext>
+            </a:extLst>
+          </p:cNvPr>
+          <p:cNvSpPr/>
+          <p:nvPr/>
+        </p:nvSpPr>
+        <p:spPr>
+          <a:xfrm>
+            <a:off x="3253784" y="5747790"/>
+            <a:ext cx="222402" cy="219694"/>
+          </a:xfrm>
+          <a:prstGeom prst="ellipse">
+            <a:avLst/>
+          </a:prstGeom>
+          <a:noFill/>
+          <a:ln>
+            <a:solidFill>
+              <a:srgbClr val="FFFF00"/>
+            </a:solidFill>
+          </a:ln>
+        </p:spPr>
+        <p:style>
+          <a:lnRef idx="2">
+            <a:schemeClr val="accent1">
+              <a:shade val="50000"/>
+            </a:schemeClr>
+          </a:lnRef>
+          <a:fillRef idx="1">
+            <a:schemeClr val="accent1"/>
+          </a:fillRef>
+          <a:effectRef idx="0">
+            <a:schemeClr val="accent1"/>
+          </a:effectRef>
+          <a:fontRef idx="minor">
+            <a:schemeClr val="lt1"/>
+          </a:fontRef>
+        </p:style>
+        <p:txBody>
+          <a:bodyPr rtlCol="0" anchor="ctr"/>
+          <a:lstStyle/>
+          <a:p>
+            <a:pPr algn="ctr"/>
+            <a:endParaRPr lang="en-GB"/>
+          </a:p>
+        </p:txBody>
+      </p:sp>
+      <p:sp>
+        <p:nvSpPr>
+          <p:cNvPr id="22" name="Elipse 21">
+            <a:extLst>
+              <a:ext uri="{FF2B5EF4-FFF2-40B4-BE49-F238E27FC236}">
+                <a16:creationId xmlns:a16="http://schemas.microsoft.com/office/drawing/2014/main" id="{D24B6E95-41B2-40E4-860C-C2063F67E99B}"/>
+              </a:ext>
+            </a:extLst>
+          </p:cNvPr>
+          <p:cNvSpPr/>
+          <p:nvPr/>
+        </p:nvSpPr>
+        <p:spPr>
+          <a:xfrm>
+            <a:off x="6587136" y="5764137"/>
+            <a:ext cx="367890" cy="185062"/>
+          </a:xfrm>
+          <a:prstGeom prst="ellipse">
+            <a:avLst/>
+          </a:prstGeom>
+          <a:noFill/>
+          <a:ln>
+            <a:solidFill>
+              <a:srgbClr val="FFFF00"/>
+            </a:solidFill>
+          </a:ln>
+        </p:spPr>
+        <p:style>
+          <a:lnRef idx="2">
+            <a:schemeClr val="accent1">
+              <a:shade val="50000"/>
+            </a:schemeClr>
+          </a:lnRef>
+          <a:fillRef idx="1">
+            <a:schemeClr val="accent1"/>
+          </a:fillRef>
+          <a:effectRef idx="0">
+            <a:schemeClr val="accent1"/>
+          </a:effectRef>
+          <a:fontRef idx="minor">
+            <a:schemeClr val="lt1"/>
+          </a:fontRef>
+        </p:style>
+        <p:txBody>
+          <a:bodyPr rtlCol="0" anchor="ctr"/>
+          <a:lstStyle/>
+          <a:p>
+            <a:pPr algn="ctr"/>
+            <a:endParaRPr lang="en-GB"/>
+          </a:p>
+        </p:txBody>
+      </p:sp>
     </p:spTree>
     <p:extLst>
       <p:ext uri="{BB962C8B-B14F-4D97-AF65-F5344CB8AC3E}">
@@ -6920,9 +7133,16 @@
             <p:ph idx="1"/>
           </p:nvPr>
         </p:nvSpPr>
-        <p:spPr/>
-        <p:txBody>
-          <a:bodyPr/>
+        <p:spPr>
+          <a:xfrm>
+            <a:off x="1219200" y="2030680"/>
+            <a:ext cx="10363200" cy="4324879"/>
+          </a:xfrm>
+        </p:spPr>
+        <p:txBody>
+          <a:bodyPr>
+            <a:normAutofit lnSpcReduction="10000"/>
+          </a:bodyPr>
           <a:lstStyle/>
           <a:p>
             <a:pPr marL="68580" indent="0">
@@ -6953,6 +7173,42 @@
           </a:p>
         </p:txBody>
       </p:sp>
+      <p:pic>
+        <p:nvPicPr>
+          <p:cNvPr id="4" name="Imagen 3">
+            <a:extLst>
+              <a:ext uri="{FF2B5EF4-FFF2-40B4-BE49-F238E27FC236}">
+                <a16:creationId xmlns:a16="http://schemas.microsoft.com/office/drawing/2014/main" id="{5DE9D936-292F-4AF7-8BBF-87D940C0B87C}"/>
+              </a:ext>
+            </a:extLst>
+          </p:cNvPr>
+          <p:cNvPicPr>
+            <a:picLocks noChangeAspect="1"/>
+          </p:cNvPicPr>
+          <p:nvPr/>
+        </p:nvPicPr>
+        <p:blipFill>
+          <a:blip r:embed="rId2" cstate="print">
+            <a:extLst>
+              <a:ext uri="{28A0092B-C50C-407E-A947-70E740481C1C}">
+                <a14:useLocalDpi xmlns:a14="http://schemas.microsoft.com/office/drawing/2010/main" val="0"/>
+              </a:ext>
+            </a:extLst>
+          </a:blip>
+          <a:stretch>
+            <a:fillRect/>
+          </a:stretch>
+        </p:blipFill>
+        <p:spPr>
+          <a:xfrm>
+            <a:off x="10852663" y="100978"/>
+            <a:ext cx="1129540" cy="2259079"/>
+          </a:xfrm>
+          <a:prstGeom prst="rect">
+            <a:avLst/>
+          </a:prstGeom>
+        </p:spPr>
+      </p:pic>
     </p:spTree>
     <p:extLst>
       <p:ext uri="{BB962C8B-B14F-4D97-AF65-F5344CB8AC3E}">
@@ -11437,17 +11693,6 @@
 </file>
 
 <file path=customXml/item1.xml><?xml version="1.0" encoding="utf-8"?>
-<p:properties xmlns:p="http://schemas.microsoft.com/office/2006/metadata/properties" xmlns:xsi="http://www.w3.org/2001/XMLSchema-instance" xmlns:pc="http://schemas.microsoft.com/office/infopath/2007/PartnerControls">
-  <documentManagement>
-    <VSO_x0020_item_x0020_id xmlns="40262f94-9f35-4ac3-9a90-690165a166b7" xsi:nil="true"/>
-    <Assetid_x0020_ xmlns="40262f94-9f35-4ac3-9a90-690165a166b7" xsi:nil="true"/>
-    <Item_x0020_Details xmlns="40262f94-9f35-4ac3-9a90-690165a166b7" xsi:nil="true"/>
-    <Template_x0020_details xmlns="40262f94-9f35-4ac3-9a90-690165a166b7" xsi:nil="true"/>
-  </documentManagement>
-</p:properties>
-</file>
-
-<file path=customXml/item2.xml><?xml version="1.0" encoding="utf-8"?>
 <ct:contentTypeSchema xmlns:ct="http://schemas.microsoft.com/office/2006/metadata/contentType" xmlns:ma="http://schemas.microsoft.com/office/2006/metadata/properties/metaAttributes" ct:_="" ma:_="" ma:contentTypeName="Document" ma:contentTypeID="0x010100AA3F7D94069FF64A86F7DFF56D60E3BE" ma:contentTypeVersion="6" ma:contentTypeDescription="Create a new document." ma:contentTypeScope="" ma:versionID="c32302c77d4085ecf495bdddb7f5e889">
   <xsd:schema xmlns:xsd="http://www.w3.org/2001/XMLSchema" xmlns:xs="http://www.w3.org/2001/XMLSchema" xmlns:p="http://schemas.microsoft.com/office/2006/metadata/properties" xmlns:ns2="a4f35948-e619-41b3-aa29-22878b09cfd2" xmlns:ns3="40262f94-9f35-4ac3-9a90-690165a166b7" targetNamespace="http://schemas.microsoft.com/office/2006/metadata/properties" ma:root="true" ma:fieldsID="4ab5ae46be95f9d0be6107e8200be7a2" ns2:_="" ns3:_="">
     <xsd:import namespace="a4f35948-e619-41b3-aa29-22878b09cfd2"/>
@@ -11628,7 +11873,7 @@
 </ct:contentTypeSchema>
 </file>
 
-<file path=customXml/item3.xml><?xml version="1.0" encoding="utf-8"?>
+<file path=customXml/item2.xml><?xml version="1.0" encoding="utf-8"?>
 <?mso-contentType ?>
 <FormTemplates xmlns="http://schemas.microsoft.com/sharepoint/v3/contenttype/forms">
   <Display>DocumentLibraryForm</Display>
@@ -11637,24 +11882,18 @@
 </FormTemplates>
 </file>
 
-<file path=customXml/itemProps1.xml><?xml version="1.0" encoding="utf-8"?>
-<ds:datastoreItem xmlns:ds="http://schemas.openxmlformats.org/officeDocument/2006/customXml" ds:itemID="{8AFFFBF3-BB42-47F7-806D-D5417A96E6A8}">
-  <ds:schemaRefs>
-    <ds:schemaRef ds:uri="http://schemas.openxmlformats.org/package/2006/metadata/core-properties"/>
-    <ds:schemaRef ds:uri="40262f94-9f35-4ac3-9a90-690165a166b7"/>
-    <ds:schemaRef ds:uri="http://purl.org/dc/elements/1.1/"/>
-    <ds:schemaRef ds:uri="http://purl.org/dc/dcmitype/"/>
-    <ds:schemaRef ds:uri="http://schemas.microsoft.com/office/2006/metadata/properties"/>
-    <ds:schemaRef ds:uri="http://schemas.microsoft.com/office/2006/documentManagement/types"/>
-    <ds:schemaRef ds:uri="a4f35948-e619-41b3-aa29-22878b09cfd2"/>
-    <ds:schemaRef ds:uri="http://schemas.microsoft.com/office/infopath/2007/PartnerControls"/>
-    <ds:schemaRef ds:uri="http://www.w3.org/XML/1998/namespace"/>
-    <ds:schemaRef ds:uri="http://purl.org/dc/terms/"/>
-  </ds:schemaRefs>
-</ds:datastoreItem>
+<file path=customXml/item3.xml><?xml version="1.0" encoding="utf-8"?>
+<p:properties xmlns:p="http://schemas.microsoft.com/office/2006/metadata/properties" xmlns:xsi="http://www.w3.org/2001/XMLSchema-instance" xmlns:pc="http://schemas.microsoft.com/office/infopath/2007/PartnerControls">
+  <documentManagement>
+    <VSO_x0020_item_x0020_id xmlns="40262f94-9f35-4ac3-9a90-690165a166b7" xsi:nil="true"/>
+    <Assetid_x0020_ xmlns="40262f94-9f35-4ac3-9a90-690165a166b7" xsi:nil="true"/>
+    <Item_x0020_Details xmlns="40262f94-9f35-4ac3-9a90-690165a166b7" xsi:nil="true"/>
+    <Template_x0020_details xmlns="40262f94-9f35-4ac3-9a90-690165a166b7" xsi:nil="true"/>
+  </documentManagement>
+</p:properties>
 </file>
 
-<file path=customXml/itemProps2.xml><?xml version="1.0" encoding="utf-8"?>
+<file path=customXml/itemProps1.xml><?xml version="1.0" encoding="utf-8"?>
 <ds:datastoreItem xmlns:ds="http://schemas.openxmlformats.org/officeDocument/2006/customXml" ds:itemID="{B6B1B62E-928A-4006-B97D-326E5E8B4F15}">
   <ds:schemaRefs>
     <ds:schemaRef ds:uri="http://schemas.microsoft.com/office/2006/metadata/contentType"/>
@@ -11673,10 +11912,27 @@
 </ds:datastoreItem>
 </file>
 
-<file path=customXml/itemProps3.xml><?xml version="1.0" encoding="utf-8"?>
+<file path=customXml/itemProps2.xml><?xml version="1.0" encoding="utf-8"?>
 <ds:datastoreItem xmlns:ds="http://schemas.openxmlformats.org/officeDocument/2006/customXml" ds:itemID="{4FC28D37-012A-4F78-8189-E37D3400689D}">
   <ds:schemaRefs>
     <ds:schemaRef ds:uri="http://schemas.microsoft.com/sharepoint/v3/contenttype/forms"/>
   </ds:schemaRefs>
 </ds:datastoreItem>
+</file>
+
+<file path=customXml/itemProps3.xml><?xml version="1.0" encoding="utf-8"?>
+<ds:datastoreItem xmlns:ds="http://schemas.openxmlformats.org/officeDocument/2006/customXml" ds:itemID="{8AFFFBF3-BB42-47F7-806D-D5417A96E6A8}">
+  <ds:schemaRefs>
+    <ds:schemaRef ds:uri="http://schemas.microsoft.com/office/2006/documentManagement/types"/>
+    <ds:schemaRef ds:uri="http://schemas.openxmlformats.org/package/2006/metadata/core-properties"/>
+    <ds:schemaRef ds:uri="http://purl.org/dc/dcmitype/"/>
+    <ds:schemaRef ds:uri="http://purl.org/dc/terms/"/>
+    <ds:schemaRef ds:uri="40262f94-9f35-4ac3-9a90-690165a166b7"/>
+    <ds:schemaRef ds:uri="http://schemas.microsoft.com/office/2006/metadata/properties"/>
+    <ds:schemaRef ds:uri="http://schemas.microsoft.com/office/infopath/2007/PartnerControls"/>
+    <ds:schemaRef ds:uri="http://purl.org/dc/elements/1.1/"/>
+    <ds:schemaRef ds:uri="http://www.w3.org/XML/1998/namespace"/>
+    <ds:schemaRef ds:uri="a4f35948-e619-41b3-aa29-22878b09cfd2"/>
+  </ds:schemaRefs>
+</ds:datastoreItem>
 </file>